--- a/Заметки «Dayli».pptx
+++ b/Заметки «Dayli».pptx
@@ -2,7 +2,7 @@
 <file path=ppt/presentation.xml><?xml version="1.0" encoding="utf-8"?>
 <p:presentation xmlns:a="http://schemas.openxmlformats.org/drawingml/2006/main" xmlns:r="http://schemas.openxmlformats.org/officeDocument/2006/relationships" xmlns:p="http://schemas.openxmlformats.org/presentationml/2006/main" saveSubsetFonts="1">
   <p:sldMasterIdLst>
-    <p:sldMasterId id="2147483648" r:id="rId1"/>
+    <p:sldMasterId id="2147483702" r:id="rId1"/>
   </p:sldMasterIdLst>
   <p:sldIdLst>
     <p:sldId id="256" r:id="rId2"/>
@@ -108,11 +108,16 @@
       </a:defRPr>
     </a:lvl9pPr>
   </p:defaultTextStyle>
+  <p:extLst>
+    <p:ext uri="{EFAFB233-063F-42B5-8137-9DF3F51BA10A}">
+      <p15:sldGuideLst xmlns:p15="http://schemas.microsoft.com/office/powerpoint/2012/main"/>
+    </p:ext>
+  </p:extLst>
 </p:presentation>
 </file>
 
 <file path=ppt/slideLayouts/slideLayout1.xml><?xml version="1.0" encoding="utf-8"?>
-<p:sldLayout xmlns:a="http://schemas.openxmlformats.org/drawingml/2006/main" xmlns:r="http://schemas.openxmlformats.org/officeDocument/2006/relationships" xmlns:p="http://schemas.openxmlformats.org/presentationml/2006/main" type="title" preserve="1">
+<p:sldLayout xmlns:a="http://schemas.openxmlformats.org/drawingml/2006/main" xmlns:r="http://schemas.openxmlformats.org/officeDocument/2006/relationships" xmlns:p="http://schemas.openxmlformats.org/presentationml/2006/main" showMasterSp="0" type="title" preserve="1">
   <p:cSld name="Титульный слайд">
     <p:spTree>
       <p:nvGrpSpPr>
@@ -128,9 +133,322 @@
           <a:chExt cx="0" cy="0"/>
         </a:xfrm>
       </p:grpSpPr>
-      <p:sp>
-        <p:nvSpPr>
-          <p:cNvPr id="2" name="Заголовок 1"/>
+      <p:grpSp>
+        <p:nvGrpSpPr>
+          <p:cNvPr id="19" name="Group 18"/>
+          <p:cNvGrpSpPr/>
+          <p:nvPr/>
+        </p:nvGrpSpPr>
+        <p:grpSpPr>
+          <a:xfrm>
+            <a:off x="546100" y="-4763"/>
+            <a:ext cx="5014912" cy="6862763"/>
+            <a:chOff x="2928938" y="-4763"/>
+            <a:chExt cx="5014912" cy="6862763"/>
+          </a:xfrm>
+        </p:grpSpPr>
+        <p:sp>
+          <p:nvSpPr>
+            <p:cNvPr id="22" name="Freeform 6"/>
+            <p:cNvSpPr/>
+            <p:nvPr/>
+          </p:nvSpPr>
+          <p:spPr bwMode="auto">
+            <a:xfrm>
+              <a:off x="3367088" y="-4763"/>
+              <a:ext cx="1063625" cy="2782888"/>
+            </a:xfrm>
+            <a:custGeom>
+              <a:avLst/>
+              <a:gdLst/>
+              <a:ahLst/>
+              <a:cxnLst/>
+              <a:rect l="0" t="0" r="r" b="b"/>
+              <a:pathLst>
+                <a:path w="670" h="1753">
+                  <a:moveTo>
+                    <a:pt x="0" y="1696"/>
+                  </a:moveTo>
+                  <a:lnTo>
+                    <a:pt x="225" y="1753"/>
+                  </a:lnTo>
+                  <a:lnTo>
+                    <a:pt x="670" y="0"/>
+                  </a:lnTo>
+                  <a:lnTo>
+                    <a:pt x="430" y="0"/>
+                  </a:lnTo>
+                  <a:lnTo>
+                    <a:pt x="0" y="1696"/>
+                  </a:lnTo>
+                  <a:close/>
+                </a:path>
+              </a:pathLst>
+            </a:custGeom>
+            <a:solidFill>
+              <a:schemeClr val="accent1"/>
+            </a:solidFill>
+            <a:ln>
+              <a:noFill/>
+            </a:ln>
+          </p:spPr>
+        </p:sp>
+        <p:sp>
+          <p:nvSpPr>
+            <p:cNvPr id="23" name="Freeform 7"/>
+            <p:cNvSpPr/>
+            <p:nvPr/>
+          </p:nvSpPr>
+          <p:spPr bwMode="auto">
+            <a:xfrm>
+              <a:off x="2928938" y="-4763"/>
+              <a:ext cx="1035050" cy="2673350"/>
+            </a:xfrm>
+            <a:custGeom>
+              <a:avLst/>
+              <a:gdLst/>
+              <a:ahLst/>
+              <a:cxnLst/>
+              <a:rect l="0" t="0" r="r" b="b"/>
+              <a:pathLst>
+                <a:path w="652" h="1684">
+                  <a:moveTo>
+                    <a:pt x="225" y="1684"/>
+                  </a:moveTo>
+                  <a:lnTo>
+                    <a:pt x="652" y="0"/>
+                  </a:lnTo>
+                  <a:lnTo>
+                    <a:pt x="411" y="0"/>
+                  </a:lnTo>
+                  <a:lnTo>
+                    <a:pt x="0" y="1627"/>
+                  </a:lnTo>
+                  <a:lnTo>
+                    <a:pt x="219" y="1681"/>
+                  </a:lnTo>
+                  <a:lnTo>
+                    <a:pt x="225" y="1684"/>
+                  </a:lnTo>
+                  <a:close/>
+                </a:path>
+              </a:pathLst>
+            </a:custGeom>
+            <a:solidFill>
+              <a:schemeClr val="tx1">
+                <a:lumMod val="65000"/>
+                <a:lumOff val="35000"/>
+              </a:schemeClr>
+            </a:solidFill>
+            <a:ln>
+              <a:noFill/>
+            </a:ln>
+          </p:spPr>
+        </p:sp>
+        <p:sp>
+          <p:nvSpPr>
+            <p:cNvPr id="24" name="Freeform 9"/>
+            <p:cNvSpPr/>
+            <p:nvPr/>
+          </p:nvSpPr>
+          <p:spPr bwMode="auto">
+            <a:xfrm>
+              <a:off x="2928938" y="2582862"/>
+              <a:ext cx="2693987" cy="4275138"/>
+            </a:xfrm>
+            <a:custGeom>
+              <a:avLst/>
+              <a:gdLst/>
+              <a:ahLst/>
+              <a:cxnLst/>
+              <a:rect l="0" t="0" r="r" b="b"/>
+              <a:pathLst>
+                <a:path w="1697" h="2693">
+                  <a:moveTo>
+                    <a:pt x="0" y="0"/>
+                  </a:moveTo>
+                  <a:lnTo>
+                    <a:pt x="1622" y="2693"/>
+                  </a:lnTo>
+                  <a:lnTo>
+                    <a:pt x="1697" y="2693"/>
+                  </a:lnTo>
+                  <a:lnTo>
+                    <a:pt x="0" y="0"/>
+                  </a:lnTo>
+                  <a:close/>
+                </a:path>
+              </a:pathLst>
+            </a:custGeom>
+            <a:solidFill>
+              <a:schemeClr val="tx1">
+                <a:lumMod val="85000"/>
+                <a:lumOff val="15000"/>
+              </a:schemeClr>
+            </a:solidFill>
+            <a:ln>
+              <a:noFill/>
+            </a:ln>
+          </p:spPr>
+        </p:sp>
+        <p:sp>
+          <p:nvSpPr>
+            <p:cNvPr id="25" name="Freeform 10"/>
+            <p:cNvSpPr/>
+            <p:nvPr/>
+          </p:nvSpPr>
+          <p:spPr bwMode="auto">
+            <a:xfrm>
+              <a:off x="3371850" y="2692400"/>
+              <a:ext cx="3332162" cy="4165600"/>
+            </a:xfrm>
+            <a:custGeom>
+              <a:avLst/>
+              <a:gdLst/>
+              <a:ahLst/>
+              <a:cxnLst/>
+              <a:rect l="0" t="0" r="r" b="b"/>
+              <a:pathLst>
+                <a:path w="2099" h="2624">
+                  <a:moveTo>
+                    <a:pt x="2099" y="2624"/>
+                  </a:moveTo>
+                  <a:lnTo>
+                    <a:pt x="0" y="0"/>
+                  </a:lnTo>
+                  <a:lnTo>
+                    <a:pt x="2021" y="2624"/>
+                  </a:lnTo>
+                  <a:lnTo>
+                    <a:pt x="2099" y="2624"/>
+                  </a:lnTo>
+                  <a:close/>
+                </a:path>
+              </a:pathLst>
+            </a:custGeom>
+            <a:solidFill>
+              <a:schemeClr val="accent1">
+                <a:lumMod val="50000"/>
+              </a:schemeClr>
+            </a:solidFill>
+            <a:ln>
+              <a:noFill/>
+            </a:ln>
+          </p:spPr>
+        </p:sp>
+        <p:sp>
+          <p:nvSpPr>
+            <p:cNvPr id="26" name="Freeform 11"/>
+            <p:cNvSpPr/>
+            <p:nvPr/>
+          </p:nvSpPr>
+          <p:spPr bwMode="auto">
+            <a:xfrm>
+              <a:off x="3367088" y="2687637"/>
+              <a:ext cx="4576762" cy="4170363"/>
+            </a:xfrm>
+            <a:custGeom>
+              <a:avLst/>
+              <a:gdLst/>
+              <a:ahLst/>
+              <a:cxnLst/>
+              <a:rect l="0" t="0" r="r" b="b"/>
+              <a:pathLst>
+                <a:path w="2883" h="2627">
+                  <a:moveTo>
+                    <a:pt x="0" y="0"/>
+                  </a:moveTo>
+                  <a:lnTo>
+                    <a:pt x="3" y="3"/>
+                  </a:lnTo>
+                  <a:lnTo>
+                    <a:pt x="2102" y="2627"/>
+                  </a:lnTo>
+                  <a:lnTo>
+                    <a:pt x="2883" y="2627"/>
+                  </a:lnTo>
+                  <a:lnTo>
+                    <a:pt x="225" y="57"/>
+                  </a:lnTo>
+                  <a:lnTo>
+                    <a:pt x="0" y="0"/>
+                  </a:lnTo>
+                  <a:close/>
+                </a:path>
+              </a:pathLst>
+            </a:custGeom>
+            <a:solidFill>
+              <a:schemeClr val="accent1">
+                <a:lumMod val="75000"/>
+              </a:schemeClr>
+            </a:solidFill>
+            <a:ln>
+              <a:noFill/>
+            </a:ln>
+          </p:spPr>
+        </p:sp>
+        <p:sp>
+          <p:nvSpPr>
+            <p:cNvPr id="27" name="Freeform 12"/>
+            <p:cNvSpPr/>
+            <p:nvPr/>
+          </p:nvSpPr>
+          <p:spPr bwMode="auto">
+            <a:xfrm>
+              <a:off x="2928938" y="2578100"/>
+              <a:ext cx="3584575" cy="4279900"/>
+            </a:xfrm>
+            <a:custGeom>
+              <a:avLst/>
+              <a:gdLst/>
+              <a:ahLst/>
+              <a:cxnLst/>
+              <a:rect l="0" t="0" r="r" b="b"/>
+              <a:pathLst>
+                <a:path w="2258" h="2696">
+                  <a:moveTo>
+                    <a:pt x="2258" y="2696"/>
+                  </a:moveTo>
+                  <a:lnTo>
+                    <a:pt x="264" y="111"/>
+                  </a:lnTo>
+                  <a:lnTo>
+                    <a:pt x="228" y="60"/>
+                  </a:lnTo>
+                  <a:lnTo>
+                    <a:pt x="225" y="57"/>
+                  </a:lnTo>
+                  <a:lnTo>
+                    <a:pt x="0" y="0"/>
+                  </a:lnTo>
+                  <a:lnTo>
+                    <a:pt x="0" y="3"/>
+                  </a:lnTo>
+                  <a:lnTo>
+                    <a:pt x="1697" y="2696"/>
+                  </a:lnTo>
+                  <a:lnTo>
+                    <a:pt x="2258" y="2696"/>
+                  </a:lnTo>
+                  <a:close/>
+                </a:path>
+              </a:pathLst>
+            </a:custGeom>
+            <a:solidFill>
+              <a:schemeClr val="tx1">
+                <a:lumMod val="75000"/>
+                <a:lumOff val="25000"/>
+              </a:schemeClr>
+            </a:solidFill>
+            <a:ln>
+              <a:noFill/>
+            </a:ln>
+          </p:spPr>
+        </p:sp>
+      </p:grpSp>
+      <p:sp>
+        <p:nvSpPr>
+          <p:cNvPr id="2" name="Title 1"/>
           <p:cNvSpPr>
             <a:spLocks noGrp="1"/>
           </p:cNvSpPr>
@@ -140,15 +458,19 @@
         </p:nvSpPr>
         <p:spPr>
           <a:xfrm>
-            <a:off x="1524000" y="1122363"/>
-            <a:ext cx="9144000" cy="2387600"/>
+            <a:off x="2928401" y="1380068"/>
+            <a:ext cx="8574622" cy="2616199"/>
           </a:xfrm>
         </p:spPr>
         <p:txBody>
-          <a:bodyPr anchor="b"/>
+          <a:bodyPr anchor="b">
+            <a:normAutofit/>
+          </a:bodyPr>
           <a:lstStyle>
-            <a:lvl1pPr algn="ctr">
-              <a:defRPr sz="6000"/>
+            <a:lvl1pPr algn="r">
+              <a:defRPr sz="6000">
+                <a:effectLst/>
+              </a:defRPr>
             </a:lvl1pPr>
           </a:lstStyle>
           <a:p>
@@ -156,13 +478,13 @@
               <a:rPr lang="ru-RU" smtClean="0"/>
               <a:t>Образец заголовка</a:t>
             </a:r>
-            <a:endParaRPr lang="ru-RU"/>
-          </a:p>
-        </p:txBody>
-      </p:sp>
-      <p:sp>
-        <p:nvSpPr>
-          <p:cNvPr id="3" name="Подзаголовок 2"/>
+            <a:endParaRPr lang="en-US" dirty="0"/>
+          </a:p>
+        </p:txBody>
+      </p:sp>
+      <p:sp>
+        <p:nvSpPr>
+          <p:cNvPr id="3" name="Subtitle 2"/>
           <p:cNvSpPr>
             <a:spLocks noGrp="1"/>
           </p:cNvSpPr>
@@ -172,48 +494,102 @@
         </p:nvSpPr>
         <p:spPr>
           <a:xfrm>
-            <a:off x="1524000" y="3602038"/>
-            <a:ext cx="9144000" cy="1655762"/>
+            <a:off x="4515377" y="3996267"/>
+            <a:ext cx="6987645" cy="1388534"/>
           </a:xfrm>
         </p:spPr>
         <p:txBody>
-          <a:bodyPr/>
+          <a:bodyPr anchor="t">
+            <a:normAutofit/>
+          </a:bodyPr>
           <a:lstStyle>
-            <a:lvl1pPr marL="0" indent="0" algn="ctr">
-              <a:buNone/>
-              <a:defRPr sz="2400"/>
+            <a:lvl1pPr marL="0" indent="0" algn="r">
+              <a:buNone/>
+              <a:defRPr sz="2100">
+                <a:solidFill>
+                  <a:schemeClr val="tx1"/>
+                </a:solidFill>
+              </a:defRPr>
             </a:lvl1pPr>
             <a:lvl2pPr marL="457200" indent="0" algn="ctr">
               <a:buNone/>
-              <a:defRPr sz="2000"/>
+              <a:defRPr>
+                <a:solidFill>
+                  <a:schemeClr val="tx1">
+                    <a:tint val="75000"/>
+                  </a:schemeClr>
+                </a:solidFill>
+              </a:defRPr>
             </a:lvl2pPr>
             <a:lvl3pPr marL="914400" indent="0" algn="ctr">
               <a:buNone/>
-              <a:defRPr sz="1800"/>
+              <a:defRPr>
+                <a:solidFill>
+                  <a:schemeClr val="tx1">
+                    <a:tint val="75000"/>
+                  </a:schemeClr>
+                </a:solidFill>
+              </a:defRPr>
             </a:lvl3pPr>
             <a:lvl4pPr marL="1371600" indent="0" algn="ctr">
               <a:buNone/>
-              <a:defRPr sz="1600"/>
+              <a:defRPr>
+                <a:solidFill>
+                  <a:schemeClr val="tx1">
+                    <a:tint val="75000"/>
+                  </a:schemeClr>
+                </a:solidFill>
+              </a:defRPr>
             </a:lvl4pPr>
             <a:lvl5pPr marL="1828800" indent="0" algn="ctr">
               <a:buNone/>
-              <a:defRPr sz="1600"/>
+              <a:defRPr>
+                <a:solidFill>
+                  <a:schemeClr val="tx1">
+                    <a:tint val="75000"/>
+                  </a:schemeClr>
+                </a:solidFill>
+              </a:defRPr>
             </a:lvl5pPr>
             <a:lvl6pPr marL="2286000" indent="0" algn="ctr">
               <a:buNone/>
-              <a:defRPr sz="1600"/>
+              <a:defRPr>
+                <a:solidFill>
+                  <a:schemeClr val="tx1">
+                    <a:tint val="75000"/>
+                  </a:schemeClr>
+                </a:solidFill>
+              </a:defRPr>
             </a:lvl6pPr>
             <a:lvl7pPr marL="2743200" indent="0" algn="ctr">
               <a:buNone/>
-              <a:defRPr sz="1600"/>
+              <a:defRPr>
+                <a:solidFill>
+                  <a:schemeClr val="tx1">
+                    <a:tint val="75000"/>
+                  </a:schemeClr>
+                </a:solidFill>
+              </a:defRPr>
             </a:lvl7pPr>
             <a:lvl8pPr marL="3200400" indent="0" algn="ctr">
               <a:buNone/>
-              <a:defRPr sz="1600"/>
+              <a:defRPr>
+                <a:solidFill>
+                  <a:schemeClr val="tx1">
+                    <a:tint val="75000"/>
+                  </a:schemeClr>
+                </a:solidFill>
+              </a:defRPr>
             </a:lvl8pPr>
             <a:lvl9pPr marL="3657600" indent="0" algn="ctr">
               <a:buNone/>
-              <a:defRPr sz="1600"/>
+              <a:defRPr>
+                <a:solidFill>
+                  <a:schemeClr val="tx1">
+                    <a:tint val="75000"/>
+                  </a:schemeClr>
+                </a:solidFill>
+              </a:defRPr>
             </a:lvl9pPr>
           </a:lstStyle>
           <a:p>
@@ -221,13 +597,13 @@
               <a:rPr lang="ru-RU" smtClean="0"/>
               <a:t>Образец подзаголовка</a:t>
             </a:r>
-            <a:endParaRPr lang="ru-RU"/>
-          </a:p>
-        </p:txBody>
-      </p:sp>
-      <p:sp>
-        <p:nvSpPr>
-          <p:cNvPr id="4" name="Дата 3"/>
+            <a:endParaRPr lang="en-US" dirty="0"/>
+          </a:p>
+        </p:txBody>
+      </p:sp>
+      <p:sp>
+        <p:nvSpPr>
+          <p:cNvPr id="4" name="Date Placeholder 3"/>
           <p:cNvSpPr>
             <a:spLocks noGrp="1"/>
           </p:cNvSpPr>
@@ -250,7 +626,7 @@
       </p:sp>
       <p:sp>
         <p:nvSpPr>
-          <p:cNvPr id="5" name="Нижний колонтитул 4"/>
+          <p:cNvPr id="5" name="Footer Placeholder 4"/>
           <p:cNvSpPr>
             <a:spLocks noGrp="1"/>
           </p:cNvSpPr>
@@ -258,7 +634,12 @@
             <p:ph type="ftr" sz="quarter" idx="11"/>
           </p:nvPr>
         </p:nvSpPr>
-        <p:spPr/>
+        <p:spPr>
+          <a:xfrm>
+            <a:off x="5332412" y="5883275"/>
+            <a:ext cx="4324044" cy="365125"/>
+          </a:xfrm>
+        </p:spPr>
         <p:txBody>
           <a:bodyPr/>
           <a:lstStyle/>
@@ -269,7 +650,7 @@
       </p:sp>
       <p:sp>
         <p:nvSpPr>
-          <p:cNvPr id="6" name="Номер слайда 5"/>
+          <p:cNvPr id="6" name="Slide Number Placeholder 5"/>
           <p:cNvSpPr>
             <a:spLocks noGrp="1"/>
           </p:cNvSpPr>
@@ -293,7 +674,7 @@
     </p:spTree>
     <p:extLst>
       <p:ext uri="{BB962C8B-B14F-4D97-AF65-F5344CB8AC3E}">
-        <p14:creationId xmlns:p14="http://schemas.microsoft.com/office/powerpoint/2010/main" val="1959728258"/>
+        <p14:creationId xmlns:p14="http://schemas.microsoft.com/office/powerpoint/2010/main" val="3692014909"/>
       </p:ext>
     </p:extLst>
   </p:cSld>
@@ -304,6 +685,2162 @@
 </file>
 
 <file path=ppt/slideLayouts/slideLayout10.xml><?xml version="1.0" encoding="utf-8"?>
+<p:sldLayout xmlns:a="http://schemas.openxmlformats.org/drawingml/2006/main" xmlns:r="http://schemas.openxmlformats.org/officeDocument/2006/relationships" xmlns:p="http://schemas.openxmlformats.org/presentationml/2006/main" preserve="1">
+  <p:cSld name="Панорамная фотография с подписью">
+    <p:spTree>
+      <p:nvGrpSpPr>
+        <p:cNvPr id="1" name=""/>
+        <p:cNvGrpSpPr/>
+        <p:nvPr/>
+      </p:nvGrpSpPr>
+      <p:grpSpPr>
+        <a:xfrm>
+          <a:off x="0" y="0"/>
+          <a:ext cx="0" cy="0"/>
+          <a:chOff x="0" y="0"/>
+          <a:chExt cx="0" cy="0"/>
+        </a:xfrm>
+      </p:grpSpPr>
+      <p:sp>
+        <p:nvSpPr>
+          <p:cNvPr id="2" name="Title 1"/>
+          <p:cNvSpPr>
+            <a:spLocks noGrp="1"/>
+          </p:cNvSpPr>
+          <p:nvPr>
+            <p:ph type="title"/>
+          </p:nvPr>
+        </p:nvSpPr>
+        <p:spPr>
+          <a:xfrm>
+            <a:off x="1484311" y="4732865"/>
+            <a:ext cx="10018711" cy="566738"/>
+          </a:xfrm>
+        </p:spPr>
+        <p:txBody>
+          <a:bodyPr anchor="b">
+            <a:normAutofit/>
+          </a:bodyPr>
+          <a:lstStyle>
+            <a:lvl1pPr algn="ctr">
+              <a:defRPr sz="2400" b="0"/>
+            </a:lvl1pPr>
+          </a:lstStyle>
+          <a:p>
+            <a:r>
+              <a:rPr lang="ru-RU" smtClean="0"/>
+              <a:t>Образец заголовка</a:t>
+            </a:r>
+            <a:endParaRPr lang="en-US" dirty="0"/>
+          </a:p>
+        </p:txBody>
+      </p:sp>
+      <p:sp>
+        <p:nvSpPr>
+          <p:cNvPr id="3" name="Picture Placeholder 2"/>
+          <p:cNvSpPr>
+            <a:spLocks noGrp="1" noChangeAspect="1"/>
+          </p:cNvSpPr>
+          <p:nvPr>
+            <p:ph type="pic" idx="1"/>
+          </p:nvPr>
+        </p:nvSpPr>
+        <p:spPr>
+          <a:xfrm>
+            <a:off x="2386012" y="932112"/>
+            <a:ext cx="8225944" cy="3164976"/>
+          </a:xfrm>
+          <a:prstGeom prst="roundRect">
+            <a:avLst>
+              <a:gd name="adj" fmla="val 4380"/>
+            </a:avLst>
+          </a:prstGeom>
+          <a:ln w="38100">
+            <a:gradFill flip="none" rotWithShape="1">
+              <a:gsLst>
+                <a:gs pos="0">
+                  <a:schemeClr val="bg2"/>
+                </a:gs>
+                <a:gs pos="100000">
+                  <a:schemeClr val="bg2">
+                    <a:lumMod val="75000"/>
+                  </a:schemeClr>
+                </a:gs>
+              </a:gsLst>
+              <a:lin ang="5400000" scaled="0"/>
+              <a:tileRect/>
+            </a:gradFill>
+          </a:ln>
+          <a:effectLst>
+            <a:innerShdw blurRad="57150" dist="38100" dir="14460000">
+              <a:srgbClr val="000000">
+                <a:alpha val="70000"/>
+              </a:srgbClr>
+            </a:innerShdw>
+          </a:effectLst>
+        </p:spPr>
+        <p:txBody>
+          <a:bodyPr anchor="t">
+            <a:normAutofit/>
+          </a:bodyPr>
+          <a:lstStyle>
+            <a:lvl1pPr marL="0" indent="0" algn="ctr">
+              <a:buNone/>
+              <a:defRPr sz="1600"/>
+            </a:lvl1pPr>
+            <a:lvl2pPr marL="457200" indent="0">
+              <a:buNone/>
+              <a:defRPr sz="1600"/>
+            </a:lvl2pPr>
+            <a:lvl3pPr marL="914400" indent="0">
+              <a:buNone/>
+              <a:defRPr sz="1600"/>
+            </a:lvl3pPr>
+            <a:lvl4pPr marL="1371600" indent="0">
+              <a:buNone/>
+              <a:defRPr sz="1600"/>
+            </a:lvl4pPr>
+            <a:lvl5pPr marL="1828800" indent="0">
+              <a:buNone/>
+              <a:defRPr sz="1600"/>
+            </a:lvl5pPr>
+            <a:lvl6pPr marL="2286000" indent="0">
+              <a:buNone/>
+              <a:defRPr sz="1600"/>
+            </a:lvl6pPr>
+            <a:lvl7pPr marL="2743200" indent="0">
+              <a:buNone/>
+              <a:defRPr sz="1600"/>
+            </a:lvl7pPr>
+            <a:lvl8pPr marL="3200400" indent="0">
+              <a:buNone/>
+              <a:defRPr sz="1600"/>
+            </a:lvl8pPr>
+            <a:lvl9pPr marL="3657600" indent="0">
+              <a:buNone/>
+              <a:defRPr sz="1600"/>
+            </a:lvl9pPr>
+          </a:lstStyle>
+          <a:p>
+            <a:r>
+              <a:rPr lang="ru-RU" smtClean="0"/>
+              <a:t>Вставка рисунка</a:t>
+            </a:r>
+            <a:endParaRPr lang="en-US" dirty="0"/>
+          </a:p>
+        </p:txBody>
+      </p:sp>
+      <p:sp>
+        <p:nvSpPr>
+          <p:cNvPr id="4" name="Text Placeholder 3"/>
+          <p:cNvSpPr>
+            <a:spLocks noGrp="1"/>
+          </p:cNvSpPr>
+          <p:nvPr>
+            <p:ph type="body" sz="half" idx="2"/>
+          </p:nvPr>
+        </p:nvSpPr>
+        <p:spPr>
+          <a:xfrm>
+            <a:off x="1484311" y="5299603"/>
+            <a:ext cx="10018711" cy="493712"/>
+          </a:xfrm>
+        </p:spPr>
+        <p:txBody>
+          <a:bodyPr>
+            <a:normAutofit/>
+          </a:bodyPr>
+          <a:lstStyle>
+            <a:lvl1pPr marL="0" indent="0" algn="ctr">
+              <a:buNone/>
+              <a:defRPr sz="1400"/>
+            </a:lvl1pPr>
+            <a:lvl2pPr marL="457200" indent="0">
+              <a:buNone/>
+              <a:defRPr sz="1200"/>
+            </a:lvl2pPr>
+            <a:lvl3pPr marL="914400" indent="0">
+              <a:buNone/>
+              <a:defRPr sz="1000"/>
+            </a:lvl3pPr>
+            <a:lvl4pPr marL="1371600" indent="0">
+              <a:buNone/>
+              <a:defRPr sz="900"/>
+            </a:lvl4pPr>
+            <a:lvl5pPr marL="1828800" indent="0">
+              <a:buNone/>
+              <a:defRPr sz="900"/>
+            </a:lvl5pPr>
+            <a:lvl6pPr marL="2286000" indent="0">
+              <a:buNone/>
+              <a:defRPr sz="900"/>
+            </a:lvl6pPr>
+            <a:lvl7pPr marL="2743200" indent="0">
+              <a:buNone/>
+              <a:defRPr sz="900"/>
+            </a:lvl7pPr>
+            <a:lvl8pPr marL="3200400" indent="0">
+              <a:buNone/>
+              <a:defRPr sz="900"/>
+            </a:lvl8pPr>
+            <a:lvl9pPr marL="3657600" indent="0">
+              <a:buNone/>
+              <a:defRPr sz="900"/>
+            </a:lvl9pPr>
+          </a:lstStyle>
+          <a:p>
+            <a:pPr lvl="0"/>
+            <a:r>
+              <a:rPr lang="ru-RU" smtClean="0"/>
+              <a:t>Образец текста</a:t>
+            </a:r>
+          </a:p>
+        </p:txBody>
+      </p:sp>
+      <p:sp>
+        <p:nvSpPr>
+          <p:cNvPr id="5" name="Date Placeholder 4"/>
+          <p:cNvSpPr>
+            <a:spLocks noGrp="1"/>
+          </p:cNvSpPr>
+          <p:nvPr>
+            <p:ph type="dt" sz="half" idx="10"/>
+          </p:nvPr>
+        </p:nvSpPr>
+        <p:spPr/>
+        <p:txBody>
+          <a:bodyPr/>
+          <a:lstStyle/>
+          <a:p>
+            <a:fld id="{D0059A09-9488-4BFE-86D6-A7C64E7054B0}" type="datetimeFigureOut">
+              <a:rPr lang="ru-RU" smtClean="0"/>
+              <a:t>21.11.2020</a:t>
+            </a:fld>
+            <a:endParaRPr lang="ru-RU"/>
+          </a:p>
+        </p:txBody>
+      </p:sp>
+      <p:sp>
+        <p:nvSpPr>
+          <p:cNvPr id="6" name="Footer Placeholder 5"/>
+          <p:cNvSpPr>
+            <a:spLocks noGrp="1"/>
+          </p:cNvSpPr>
+          <p:nvPr>
+            <p:ph type="ftr" sz="quarter" idx="11"/>
+          </p:nvPr>
+        </p:nvSpPr>
+        <p:spPr/>
+        <p:txBody>
+          <a:bodyPr/>
+          <a:lstStyle/>
+          <a:p>
+            <a:endParaRPr lang="ru-RU"/>
+          </a:p>
+        </p:txBody>
+      </p:sp>
+      <p:sp>
+        <p:nvSpPr>
+          <p:cNvPr id="7" name="Slide Number Placeholder 6"/>
+          <p:cNvSpPr>
+            <a:spLocks noGrp="1"/>
+          </p:cNvSpPr>
+          <p:nvPr>
+            <p:ph type="sldNum" sz="quarter" idx="12"/>
+          </p:nvPr>
+        </p:nvSpPr>
+        <p:spPr/>
+        <p:txBody>
+          <a:bodyPr/>
+          <a:lstStyle/>
+          <a:p>
+            <a:fld id="{C8B79497-10C1-46B2-9283-6EBC43C5BEBD}" type="slidenum">
+              <a:rPr lang="ru-RU" smtClean="0"/>
+              <a:t>‹#›</a:t>
+            </a:fld>
+            <a:endParaRPr lang="ru-RU"/>
+          </a:p>
+        </p:txBody>
+      </p:sp>
+    </p:spTree>
+    <p:extLst>
+      <p:ext uri="{BB962C8B-B14F-4D97-AF65-F5344CB8AC3E}">
+        <p14:creationId xmlns:p14="http://schemas.microsoft.com/office/powerpoint/2010/main" val="3519749124"/>
+      </p:ext>
+    </p:extLst>
+  </p:cSld>
+  <p:clrMapOvr>
+    <a:masterClrMapping/>
+  </p:clrMapOvr>
+</p:sldLayout>
+</file>
+
+<file path=ppt/slideLayouts/slideLayout11.xml><?xml version="1.0" encoding="utf-8"?>
+<p:sldLayout xmlns:a="http://schemas.openxmlformats.org/drawingml/2006/main" xmlns:r="http://schemas.openxmlformats.org/officeDocument/2006/relationships" xmlns:p="http://schemas.openxmlformats.org/presentationml/2006/main" preserve="1">
+  <p:cSld name="Заголовок и подпись">
+    <p:spTree>
+      <p:nvGrpSpPr>
+        <p:cNvPr id="1" name=""/>
+        <p:cNvGrpSpPr/>
+        <p:nvPr/>
+      </p:nvGrpSpPr>
+      <p:grpSpPr>
+        <a:xfrm>
+          <a:off x="0" y="0"/>
+          <a:ext cx="0" cy="0"/>
+          <a:chOff x="0" y="0"/>
+          <a:chExt cx="0" cy="0"/>
+        </a:xfrm>
+      </p:grpSpPr>
+      <p:sp>
+        <p:nvSpPr>
+          <p:cNvPr id="2" name="Title 1"/>
+          <p:cNvSpPr>
+            <a:spLocks noGrp="1"/>
+          </p:cNvSpPr>
+          <p:nvPr>
+            <p:ph type="title"/>
+          </p:nvPr>
+        </p:nvSpPr>
+        <p:spPr>
+          <a:xfrm>
+            <a:off x="1484312" y="685800"/>
+            <a:ext cx="10018711" cy="3048000"/>
+          </a:xfrm>
+        </p:spPr>
+        <p:txBody>
+          <a:bodyPr anchor="ctr">
+            <a:normAutofit/>
+          </a:bodyPr>
+          <a:lstStyle>
+            <a:lvl1pPr algn="ctr">
+              <a:defRPr sz="3200" b="0" cap="none"/>
+            </a:lvl1pPr>
+          </a:lstStyle>
+          <a:p>
+            <a:r>
+              <a:rPr lang="ru-RU" smtClean="0"/>
+              <a:t>Образец заголовка</a:t>
+            </a:r>
+            <a:endParaRPr lang="en-US" dirty="0"/>
+          </a:p>
+        </p:txBody>
+      </p:sp>
+      <p:sp>
+        <p:nvSpPr>
+          <p:cNvPr id="3" name="Text Placeholder 2"/>
+          <p:cNvSpPr>
+            <a:spLocks noGrp="1"/>
+          </p:cNvSpPr>
+          <p:nvPr>
+            <p:ph type="body" idx="1"/>
+          </p:nvPr>
+        </p:nvSpPr>
+        <p:spPr>
+          <a:xfrm>
+            <a:off x="1484312" y="4343400"/>
+            <a:ext cx="10018713" cy="1447800"/>
+          </a:xfrm>
+        </p:spPr>
+        <p:txBody>
+          <a:bodyPr anchor="ctr">
+            <a:normAutofit/>
+          </a:bodyPr>
+          <a:lstStyle>
+            <a:lvl1pPr marL="0" indent="0" algn="ctr">
+              <a:buNone/>
+              <a:defRPr sz="2000">
+                <a:solidFill>
+                  <a:schemeClr val="tx1"/>
+                </a:solidFill>
+              </a:defRPr>
+            </a:lvl1pPr>
+            <a:lvl2pPr marL="457200" indent="0">
+              <a:buNone/>
+              <a:defRPr sz="1800">
+                <a:solidFill>
+                  <a:schemeClr val="tx1">
+                    <a:tint val="75000"/>
+                  </a:schemeClr>
+                </a:solidFill>
+              </a:defRPr>
+            </a:lvl2pPr>
+            <a:lvl3pPr marL="914400" indent="0">
+              <a:buNone/>
+              <a:defRPr sz="1600">
+                <a:solidFill>
+                  <a:schemeClr val="tx1">
+                    <a:tint val="75000"/>
+                  </a:schemeClr>
+                </a:solidFill>
+              </a:defRPr>
+            </a:lvl3pPr>
+            <a:lvl4pPr marL="1371600" indent="0">
+              <a:buNone/>
+              <a:defRPr sz="1400">
+                <a:solidFill>
+                  <a:schemeClr val="tx1">
+                    <a:tint val="75000"/>
+                  </a:schemeClr>
+                </a:solidFill>
+              </a:defRPr>
+            </a:lvl4pPr>
+            <a:lvl5pPr marL="1828800" indent="0">
+              <a:buNone/>
+              <a:defRPr sz="1400">
+                <a:solidFill>
+                  <a:schemeClr val="tx1">
+                    <a:tint val="75000"/>
+                  </a:schemeClr>
+                </a:solidFill>
+              </a:defRPr>
+            </a:lvl5pPr>
+            <a:lvl6pPr marL="2286000" indent="0">
+              <a:buNone/>
+              <a:defRPr sz="1400">
+                <a:solidFill>
+                  <a:schemeClr val="tx1">
+                    <a:tint val="75000"/>
+                  </a:schemeClr>
+                </a:solidFill>
+              </a:defRPr>
+            </a:lvl6pPr>
+            <a:lvl7pPr marL="2743200" indent="0">
+              <a:buNone/>
+              <a:defRPr sz="1400">
+                <a:solidFill>
+                  <a:schemeClr val="tx1">
+                    <a:tint val="75000"/>
+                  </a:schemeClr>
+                </a:solidFill>
+              </a:defRPr>
+            </a:lvl7pPr>
+            <a:lvl8pPr marL="3200400" indent="0">
+              <a:buNone/>
+              <a:defRPr sz="1400">
+                <a:solidFill>
+                  <a:schemeClr val="tx1">
+                    <a:tint val="75000"/>
+                  </a:schemeClr>
+                </a:solidFill>
+              </a:defRPr>
+            </a:lvl8pPr>
+            <a:lvl9pPr marL="3657600" indent="0">
+              <a:buNone/>
+              <a:defRPr sz="1400">
+                <a:solidFill>
+                  <a:schemeClr val="tx1">
+                    <a:tint val="75000"/>
+                  </a:schemeClr>
+                </a:solidFill>
+              </a:defRPr>
+            </a:lvl9pPr>
+          </a:lstStyle>
+          <a:p>
+            <a:pPr lvl="0"/>
+            <a:r>
+              <a:rPr lang="ru-RU" smtClean="0"/>
+              <a:t>Образец текста</a:t>
+            </a:r>
+          </a:p>
+        </p:txBody>
+      </p:sp>
+      <p:sp>
+        <p:nvSpPr>
+          <p:cNvPr id="4" name="Date Placeholder 3"/>
+          <p:cNvSpPr>
+            <a:spLocks noGrp="1"/>
+          </p:cNvSpPr>
+          <p:nvPr>
+            <p:ph type="dt" sz="half" idx="10"/>
+          </p:nvPr>
+        </p:nvSpPr>
+        <p:spPr/>
+        <p:txBody>
+          <a:bodyPr/>
+          <a:lstStyle/>
+          <a:p>
+            <a:fld id="{D0059A09-9488-4BFE-86D6-A7C64E7054B0}" type="datetimeFigureOut">
+              <a:rPr lang="ru-RU" smtClean="0"/>
+              <a:t>21.11.2020</a:t>
+            </a:fld>
+            <a:endParaRPr lang="ru-RU"/>
+          </a:p>
+        </p:txBody>
+      </p:sp>
+      <p:sp>
+        <p:nvSpPr>
+          <p:cNvPr id="5" name="Footer Placeholder 4"/>
+          <p:cNvSpPr>
+            <a:spLocks noGrp="1"/>
+          </p:cNvSpPr>
+          <p:nvPr>
+            <p:ph type="ftr" sz="quarter" idx="11"/>
+          </p:nvPr>
+        </p:nvSpPr>
+        <p:spPr/>
+        <p:txBody>
+          <a:bodyPr/>
+          <a:lstStyle/>
+          <a:p>
+            <a:endParaRPr lang="ru-RU"/>
+          </a:p>
+        </p:txBody>
+      </p:sp>
+      <p:sp>
+        <p:nvSpPr>
+          <p:cNvPr id="6" name="Slide Number Placeholder 5"/>
+          <p:cNvSpPr>
+            <a:spLocks noGrp="1"/>
+          </p:cNvSpPr>
+          <p:nvPr>
+            <p:ph type="sldNum" sz="quarter" idx="12"/>
+          </p:nvPr>
+        </p:nvSpPr>
+        <p:spPr/>
+        <p:txBody>
+          <a:bodyPr/>
+          <a:lstStyle/>
+          <a:p>
+            <a:fld id="{C8B79497-10C1-46B2-9283-6EBC43C5BEBD}" type="slidenum">
+              <a:rPr lang="ru-RU" smtClean="0"/>
+              <a:t>‹#›</a:t>
+            </a:fld>
+            <a:endParaRPr lang="ru-RU"/>
+          </a:p>
+        </p:txBody>
+      </p:sp>
+    </p:spTree>
+    <p:extLst>
+      <p:ext uri="{BB962C8B-B14F-4D97-AF65-F5344CB8AC3E}">
+        <p14:creationId xmlns:p14="http://schemas.microsoft.com/office/powerpoint/2010/main" val="1391773031"/>
+      </p:ext>
+    </p:extLst>
+  </p:cSld>
+  <p:clrMapOvr>
+    <a:masterClrMapping/>
+  </p:clrMapOvr>
+</p:sldLayout>
+</file>
+
+<file path=ppt/slideLayouts/slideLayout12.xml><?xml version="1.0" encoding="utf-8"?>
+<p:sldLayout xmlns:a="http://schemas.openxmlformats.org/drawingml/2006/main" xmlns:r="http://schemas.openxmlformats.org/officeDocument/2006/relationships" xmlns:p="http://schemas.openxmlformats.org/presentationml/2006/main" preserve="1">
+  <p:cSld name="Цитата с подписью">
+    <p:spTree>
+      <p:nvGrpSpPr>
+        <p:cNvPr id="1" name=""/>
+        <p:cNvGrpSpPr/>
+        <p:nvPr/>
+      </p:nvGrpSpPr>
+      <p:grpSpPr>
+        <a:xfrm>
+          <a:off x="0" y="0"/>
+          <a:ext cx="0" cy="0"/>
+          <a:chOff x="0" y="0"/>
+          <a:chExt cx="0" cy="0"/>
+        </a:xfrm>
+      </p:grpSpPr>
+      <p:sp>
+        <p:nvSpPr>
+          <p:cNvPr id="14" name="TextBox 13"/>
+          <p:cNvSpPr txBox="1"/>
+          <p:nvPr/>
+        </p:nvSpPr>
+        <p:spPr>
+          <a:xfrm>
+            <a:off x="1598612" y="863023"/>
+            <a:ext cx="609600" cy="584776"/>
+          </a:xfrm>
+          <a:prstGeom prst="rect">
+            <a:avLst/>
+          </a:prstGeom>
+        </p:spPr>
+        <p:txBody>
+          <a:bodyPr vert="horz" lIns="91440" tIns="45720" rIns="91440" bIns="45720" rtlCol="0" anchor="ctr">
+            <a:noAutofit/>
+          </a:bodyPr>
+          <a:lstStyle>
+            <a:lvl1pPr>
+              <a:spcBef>
+                <a:spcPct val="0"/>
+              </a:spcBef>
+              <a:buNone/>
+              <a:defRPr sz="3200" b="0" cap="all">
+                <a:ln w="3175" cmpd="sng">
+                  <a:noFill/>
+                </a:ln>
+                <a:effectLst>
+                  <a:glow rad="38100">
+                    <a:schemeClr val="bg1">
+                      <a:lumMod val="65000"/>
+                      <a:lumOff val="35000"/>
+                      <a:alpha val="40000"/>
+                    </a:schemeClr>
+                  </a:glow>
+                  <a:outerShdw blurRad="28575" dist="38100" dir="14040000" algn="tl" rotWithShape="0">
+                    <a:srgbClr val="000000">
+                      <a:alpha val="25000"/>
+                    </a:srgbClr>
+                  </a:outerShdw>
+                </a:effectLst>
+              </a:defRPr>
+            </a:lvl1pPr>
+            <a:lvl2pPr>
+              <a:defRPr>
+                <a:solidFill>
+                  <a:schemeClr val="tx2"/>
+                </a:solidFill>
+              </a:defRPr>
+            </a:lvl2pPr>
+            <a:lvl3pPr>
+              <a:defRPr>
+                <a:solidFill>
+                  <a:schemeClr val="tx2"/>
+                </a:solidFill>
+              </a:defRPr>
+            </a:lvl3pPr>
+            <a:lvl4pPr>
+              <a:defRPr>
+                <a:solidFill>
+                  <a:schemeClr val="tx2"/>
+                </a:solidFill>
+              </a:defRPr>
+            </a:lvl4pPr>
+            <a:lvl5pPr>
+              <a:defRPr>
+                <a:solidFill>
+                  <a:schemeClr val="tx2"/>
+                </a:solidFill>
+              </a:defRPr>
+            </a:lvl5pPr>
+            <a:lvl6pPr>
+              <a:defRPr>
+                <a:solidFill>
+                  <a:schemeClr val="tx2"/>
+                </a:solidFill>
+              </a:defRPr>
+            </a:lvl6pPr>
+            <a:lvl7pPr>
+              <a:defRPr>
+                <a:solidFill>
+                  <a:schemeClr val="tx2"/>
+                </a:solidFill>
+              </a:defRPr>
+            </a:lvl7pPr>
+            <a:lvl8pPr>
+              <a:defRPr>
+                <a:solidFill>
+                  <a:schemeClr val="tx2"/>
+                </a:solidFill>
+              </a:defRPr>
+            </a:lvl8pPr>
+            <a:lvl9pPr>
+              <a:defRPr>
+                <a:solidFill>
+                  <a:schemeClr val="tx2"/>
+                </a:solidFill>
+              </a:defRPr>
+            </a:lvl9pPr>
+          </a:lstStyle>
+          <a:p>
+            <a:pPr lvl="0"/>
+            <a:r>
+              <a:rPr lang="en-US" sz="8000" dirty="0">
+                <a:solidFill>
+                  <a:schemeClr val="tx1"/>
+                </a:solidFill>
+                <a:effectLst/>
+              </a:rPr>
+              <a:t>“</a:t>
+            </a:r>
+          </a:p>
+        </p:txBody>
+      </p:sp>
+      <p:sp>
+        <p:nvSpPr>
+          <p:cNvPr id="15" name="TextBox 14"/>
+          <p:cNvSpPr txBox="1"/>
+          <p:nvPr/>
+        </p:nvSpPr>
+        <p:spPr>
+          <a:xfrm>
+            <a:off x="10893425" y="2819399"/>
+            <a:ext cx="609600" cy="584776"/>
+          </a:xfrm>
+          <a:prstGeom prst="rect">
+            <a:avLst/>
+          </a:prstGeom>
+        </p:spPr>
+        <p:txBody>
+          <a:bodyPr vert="horz" lIns="91440" tIns="45720" rIns="91440" bIns="45720" rtlCol="0" anchor="ctr">
+            <a:noAutofit/>
+          </a:bodyPr>
+          <a:lstStyle>
+            <a:lvl1pPr>
+              <a:spcBef>
+                <a:spcPct val="0"/>
+              </a:spcBef>
+              <a:buNone/>
+              <a:defRPr sz="3200" b="0" cap="all">
+                <a:ln w="3175" cmpd="sng">
+                  <a:noFill/>
+                </a:ln>
+                <a:effectLst>
+                  <a:glow rad="38100">
+                    <a:schemeClr val="bg1">
+                      <a:lumMod val="65000"/>
+                      <a:lumOff val="35000"/>
+                      <a:alpha val="40000"/>
+                    </a:schemeClr>
+                  </a:glow>
+                  <a:outerShdw blurRad="28575" dist="38100" dir="14040000" algn="tl" rotWithShape="0">
+                    <a:srgbClr val="000000">
+                      <a:alpha val="25000"/>
+                    </a:srgbClr>
+                  </a:outerShdw>
+                </a:effectLst>
+              </a:defRPr>
+            </a:lvl1pPr>
+            <a:lvl2pPr>
+              <a:defRPr>
+                <a:solidFill>
+                  <a:schemeClr val="tx2"/>
+                </a:solidFill>
+              </a:defRPr>
+            </a:lvl2pPr>
+            <a:lvl3pPr>
+              <a:defRPr>
+                <a:solidFill>
+                  <a:schemeClr val="tx2"/>
+                </a:solidFill>
+              </a:defRPr>
+            </a:lvl3pPr>
+            <a:lvl4pPr>
+              <a:defRPr>
+                <a:solidFill>
+                  <a:schemeClr val="tx2"/>
+                </a:solidFill>
+              </a:defRPr>
+            </a:lvl4pPr>
+            <a:lvl5pPr>
+              <a:defRPr>
+                <a:solidFill>
+                  <a:schemeClr val="tx2"/>
+                </a:solidFill>
+              </a:defRPr>
+            </a:lvl5pPr>
+            <a:lvl6pPr>
+              <a:defRPr>
+                <a:solidFill>
+                  <a:schemeClr val="tx2"/>
+                </a:solidFill>
+              </a:defRPr>
+            </a:lvl6pPr>
+            <a:lvl7pPr>
+              <a:defRPr>
+                <a:solidFill>
+                  <a:schemeClr val="tx2"/>
+                </a:solidFill>
+              </a:defRPr>
+            </a:lvl7pPr>
+            <a:lvl8pPr>
+              <a:defRPr>
+                <a:solidFill>
+                  <a:schemeClr val="tx2"/>
+                </a:solidFill>
+              </a:defRPr>
+            </a:lvl8pPr>
+            <a:lvl9pPr>
+              <a:defRPr>
+                <a:solidFill>
+                  <a:schemeClr val="tx2"/>
+                </a:solidFill>
+              </a:defRPr>
+            </a:lvl9pPr>
+          </a:lstStyle>
+          <a:p>
+            <a:pPr lvl="0" algn="r"/>
+            <a:r>
+              <a:rPr lang="en-US" sz="8000" dirty="0">
+                <a:solidFill>
+                  <a:schemeClr val="tx1"/>
+                </a:solidFill>
+                <a:effectLst/>
+              </a:rPr>
+              <a:t>”</a:t>
+            </a:r>
+          </a:p>
+        </p:txBody>
+      </p:sp>
+      <p:sp>
+        <p:nvSpPr>
+          <p:cNvPr id="2" name="Title 1"/>
+          <p:cNvSpPr>
+            <a:spLocks noGrp="1"/>
+          </p:cNvSpPr>
+          <p:nvPr>
+            <p:ph type="title"/>
+          </p:nvPr>
+        </p:nvSpPr>
+        <p:spPr>
+          <a:xfrm>
+            <a:off x="2208212" y="685800"/>
+            <a:ext cx="8990012" cy="2743199"/>
+          </a:xfrm>
+        </p:spPr>
+        <p:txBody>
+          <a:bodyPr anchor="ctr">
+            <a:normAutofit/>
+          </a:bodyPr>
+          <a:lstStyle>
+            <a:lvl1pPr algn="ctr">
+              <a:defRPr sz="3200" b="0" cap="none">
+                <a:solidFill>
+                  <a:schemeClr val="tx1"/>
+                </a:solidFill>
+              </a:defRPr>
+            </a:lvl1pPr>
+          </a:lstStyle>
+          <a:p>
+            <a:r>
+              <a:rPr lang="ru-RU" smtClean="0"/>
+              <a:t>Образец заголовка</a:t>
+            </a:r>
+            <a:endParaRPr lang="en-US" dirty="0"/>
+          </a:p>
+        </p:txBody>
+      </p:sp>
+      <p:sp>
+        <p:nvSpPr>
+          <p:cNvPr id="10" name="Text Placeholder 9"/>
+          <p:cNvSpPr>
+            <a:spLocks noGrp="1"/>
+          </p:cNvSpPr>
+          <p:nvPr>
+            <p:ph type="body" sz="quarter" idx="13"/>
+          </p:nvPr>
+        </p:nvSpPr>
+        <p:spPr>
+          <a:xfrm>
+            <a:off x="2436811" y="3428999"/>
+            <a:ext cx="8532815" cy="381000"/>
+          </a:xfrm>
+        </p:spPr>
+        <p:txBody>
+          <a:bodyPr anchor="ctr">
+            <a:normAutofit/>
+          </a:bodyPr>
+          <a:lstStyle>
+            <a:lvl1pPr marL="0" indent="0">
+              <a:buFontTx/>
+              <a:buNone/>
+              <a:defRPr sz="1800"/>
+            </a:lvl1pPr>
+            <a:lvl2pPr marL="457200" indent="0">
+              <a:buFontTx/>
+              <a:buNone/>
+              <a:defRPr/>
+            </a:lvl2pPr>
+            <a:lvl3pPr marL="914400" indent="0">
+              <a:buFontTx/>
+              <a:buNone/>
+              <a:defRPr/>
+            </a:lvl3pPr>
+            <a:lvl4pPr marL="1371600" indent="0">
+              <a:buFontTx/>
+              <a:buNone/>
+              <a:defRPr/>
+            </a:lvl4pPr>
+            <a:lvl5pPr marL="1828800" indent="0">
+              <a:buFontTx/>
+              <a:buNone/>
+              <a:defRPr/>
+            </a:lvl5pPr>
+          </a:lstStyle>
+          <a:p>
+            <a:pPr lvl="0"/>
+            <a:r>
+              <a:rPr lang="ru-RU" smtClean="0"/>
+              <a:t>Образец текста</a:t>
+            </a:r>
+          </a:p>
+        </p:txBody>
+      </p:sp>
+      <p:sp>
+        <p:nvSpPr>
+          <p:cNvPr id="3" name="Text Placeholder 2"/>
+          <p:cNvSpPr>
+            <a:spLocks noGrp="1"/>
+          </p:cNvSpPr>
+          <p:nvPr>
+            <p:ph type="body" idx="1"/>
+          </p:nvPr>
+        </p:nvSpPr>
+        <p:spPr>
+          <a:xfrm>
+            <a:off x="1484311" y="4343400"/>
+            <a:ext cx="10018711" cy="1447800"/>
+          </a:xfrm>
+        </p:spPr>
+        <p:txBody>
+          <a:bodyPr anchor="ctr">
+            <a:normAutofit/>
+          </a:bodyPr>
+          <a:lstStyle>
+            <a:lvl1pPr marL="0" indent="0" algn="ctr">
+              <a:buNone/>
+              <a:defRPr sz="2000">
+                <a:solidFill>
+                  <a:schemeClr val="tx1"/>
+                </a:solidFill>
+              </a:defRPr>
+            </a:lvl1pPr>
+            <a:lvl2pPr marL="457200" indent="0">
+              <a:buNone/>
+              <a:defRPr sz="1800">
+                <a:solidFill>
+                  <a:schemeClr val="tx1">
+                    <a:tint val="75000"/>
+                  </a:schemeClr>
+                </a:solidFill>
+              </a:defRPr>
+            </a:lvl2pPr>
+            <a:lvl3pPr marL="914400" indent="0">
+              <a:buNone/>
+              <a:defRPr sz="1600">
+                <a:solidFill>
+                  <a:schemeClr val="tx1">
+                    <a:tint val="75000"/>
+                  </a:schemeClr>
+                </a:solidFill>
+              </a:defRPr>
+            </a:lvl3pPr>
+            <a:lvl4pPr marL="1371600" indent="0">
+              <a:buNone/>
+              <a:defRPr sz="1400">
+                <a:solidFill>
+                  <a:schemeClr val="tx1">
+                    <a:tint val="75000"/>
+                  </a:schemeClr>
+                </a:solidFill>
+              </a:defRPr>
+            </a:lvl4pPr>
+            <a:lvl5pPr marL="1828800" indent="0">
+              <a:buNone/>
+              <a:defRPr sz="1400">
+                <a:solidFill>
+                  <a:schemeClr val="tx1">
+                    <a:tint val="75000"/>
+                  </a:schemeClr>
+                </a:solidFill>
+              </a:defRPr>
+            </a:lvl5pPr>
+            <a:lvl6pPr marL="2286000" indent="0">
+              <a:buNone/>
+              <a:defRPr sz="1400">
+                <a:solidFill>
+                  <a:schemeClr val="tx1">
+                    <a:tint val="75000"/>
+                  </a:schemeClr>
+                </a:solidFill>
+              </a:defRPr>
+            </a:lvl6pPr>
+            <a:lvl7pPr marL="2743200" indent="0">
+              <a:buNone/>
+              <a:defRPr sz="1400">
+                <a:solidFill>
+                  <a:schemeClr val="tx1">
+                    <a:tint val="75000"/>
+                  </a:schemeClr>
+                </a:solidFill>
+              </a:defRPr>
+            </a:lvl7pPr>
+            <a:lvl8pPr marL="3200400" indent="0">
+              <a:buNone/>
+              <a:defRPr sz="1400">
+                <a:solidFill>
+                  <a:schemeClr val="tx1">
+                    <a:tint val="75000"/>
+                  </a:schemeClr>
+                </a:solidFill>
+              </a:defRPr>
+            </a:lvl8pPr>
+            <a:lvl9pPr marL="3657600" indent="0">
+              <a:buNone/>
+              <a:defRPr sz="1400">
+                <a:solidFill>
+                  <a:schemeClr val="tx1">
+                    <a:tint val="75000"/>
+                  </a:schemeClr>
+                </a:solidFill>
+              </a:defRPr>
+            </a:lvl9pPr>
+          </a:lstStyle>
+          <a:p>
+            <a:pPr lvl="0"/>
+            <a:r>
+              <a:rPr lang="ru-RU" smtClean="0"/>
+              <a:t>Образец текста</a:t>
+            </a:r>
+          </a:p>
+        </p:txBody>
+      </p:sp>
+      <p:sp>
+        <p:nvSpPr>
+          <p:cNvPr id="4" name="Date Placeholder 3"/>
+          <p:cNvSpPr>
+            <a:spLocks noGrp="1"/>
+          </p:cNvSpPr>
+          <p:nvPr>
+            <p:ph type="dt" sz="half" idx="10"/>
+          </p:nvPr>
+        </p:nvSpPr>
+        <p:spPr/>
+        <p:txBody>
+          <a:bodyPr/>
+          <a:lstStyle/>
+          <a:p>
+            <a:fld id="{D0059A09-9488-4BFE-86D6-A7C64E7054B0}" type="datetimeFigureOut">
+              <a:rPr lang="ru-RU" smtClean="0"/>
+              <a:t>21.11.2020</a:t>
+            </a:fld>
+            <a:endParaRPr lang="ru-RU"/>
+          </a:p>
+        </p:txBody>
+      </p:sp>
+      <p:sp>
+        <p:nvSpPr>
+          <p:cNvPr id="5" name="Footer Placeholder 4"/>
+          <p:cNvSpPr>
+            <a:spLocks noGrp="1"/>
+          </p:cNvSpPr>
+          <p:nvPr>
+            <p:ph type="ftr" sz="quarter" idx="11"/>
+          </p:nvPr>
+        </p:nvSpPr>
+        <p:spPr/>
+        <p:txBody>
+          <a:bodyPr/>
+          <a:lstStyle/>
+          <a:p>
+            <a:endParaRPr lang="ru-RU"/>
+          </a:p>
+        </p:txBody>
+      </p:sp>
+      <p:sp>
+        <p:nvSpPr>
+          <p:cNvPr id="6" name="Slide Number Placeholder 5"/>
+          <p:cNvSpPr>
+            <a:spLocks noGrp="1"/>
+          </p:cNvSpPr>
+          <p:nvPr>
+            <p:ph type="sldNum" sz="quarter" idx="12"/>
+          </p:nvPr>
+        </p:nvSpPr>
+        <p:spPr/>
+        <p:txBody>
+          <a:bodyPr/>
+          <a:lstStyle/>
+          <a:p>
+            <a:fld id="{C8B79497-10C1-46B2-9283-6EBC43C5BEBD}" type="slidenum">
+              <a:rPr lang="ru-RU" smtClean="0"/>
+              <a:t>‹#›</a:t>
+            </a:fld>
+            <a:endParaRPr lang="ru-RU"/>
+          </a:p>
+        </p:txBody>
+      </p:sp>
+    </p:spTree>
+    <p:extLst>
+      <p:ext uri="{BB962C8B-B14F-4D97-AF65-F5344CB8AC3E}">
+        <p14:creationId xmlns:p14="http://schemas.microsoft.com/office/powerpoint/2010/main" val="2131247360"/>
+      </p:ext>
+    </p:extLst>
+  </p:cSld>
+  <p:clrMapOvr>
+    <a:masterClrMapping/>
+  </p:clrMapOvr>
+</p:sldLayout>
+</file>
+
+<file path=ppt/slideLayouts/slideLayout13.xml><?xml version="1.0" encoding="utf-8"?>
+<p:sldLayout xmlns:a="http://schemas.openxmlformats.org/drawingml/2006/main" xmlns:r="http://schemas.openxmlformats.org/officeDocument/2006/relationships" xmlns:p="http://schemas.openxmlformats.org/presentationml/2006/main" preserve="1">
+  <p:cSld name="Карточка имени">
+    <p:spTree>
+      <p:nvGrpSpPr>
+        <p:cNvPr id="1" name=""/>
+        <p:cNvGrpSpPr/>
+        <p:nvPr/>
+      </p:nvGrpSpPr>
+      <p:grpSpPr>
+        <a:xfrm>
+          <a:off x="0" y="0"/>
+          <a:ext cx="0" cy="0"/>
+          <a:chOff x="0" y="0"/>
+          <a:chExt cx="0" cy="0"/>
+        </a:xfrm>
+      </p:grpSpPr>
+      <p:sp>
+        <p:nvSpPr>
+          <p:cNvPr id="2" name="Title 1"/>
+          <p:cNvSpPr>
+            <a:spLocks noGrp="1"/>
+          </p:cNvSpPr>
+          <p:nvPr>
+            <p:ph type="title"/>
+          </p:nvPr>
+        </p:nvSpPr>
+        <p:spPr>
+          <a:xfrm>
+            <a:off x="1484313" y="3308581"/>
+            <a:ext cx="10018709" cy="1468800"/>
+          </a:xfrm>
+        </p:spPr>
+        <p:txBody>
+          <a:bodyPr anchor="b">
+            <a:normAutofit/>
+          </a:bodyPr>
+          <a:lstStyle>
+            <a:lvl1pPr algn="r">
+              <a:defRPr sz="3200" b="0" cap="none"/>
+            </a:lvl1pPr>
+          </a:lstStyle>
+          <a:p>
+            <a:r>
+              <a:rPr lang="ru-RU" smtClean="0"/>
+              <a:t>Образец заголовка</a:t>
+            </a:r>
+            <a:endParaRPr lang="en-US" dirty="0"/>
+          </a:p>
+        </p:txBody>
+      </p:sp>
+      <p:sp>
+        <p:nvSpPr>
+          <p:cNvPr id="3" name="Text Placeholder 2"/>
+          <p:cNvSpPr>
+            <a:spLocks noGrp="1"/>
+          </p:cNvSpPr>
+          <p:nvPr>
+            <p:ph type="body" idx="1"/>
+          </p:nvPr>
+        </p:nvSpPr>
+        <p:spPr>
+          <a:xfrm>
+            <a:off x="1484312" y="4777381"/>
+            <a:ext cx="10018710" cy="860400"/>
+          </a:xfrm>
+        </p:spPr>
+        <p:txBody>
+          <a:bodyPr anchor="t">
+            <a:normAutofit/>
+          </a:bodyPr>
+          <a:lstStyle>
+            <a:lvl1pPr marL="0" indent="0" algn="r">
+              <a:buNone/>
+              <a:defRPr sz="2000">
+                <a:solidFill>
+                  <a:schemeClr val="tx1"/>
+                </a:solidFill>
+              </a:defRPr>
+            </a:lvl1pPr>
+            <a:lvl2pPr marL="457200" indent="0">
+              <a:buNone/>
+              <a:defRPr sz="1800">
+                <a:solidFill>
+                  <a:schemeClr val="tx1">
+                    <a:tint val="75000"/>
+                  </a:schemeClr>
+                </a:solidFill>
+              </a:defRPr>
+            </a:lvl2pPr>
+            <a:lvl3pPr marL="914400" indent="0">
+              <a:buNone/>
+              <a:defRPr sz="1600">
+                <a:solidFill>
+                  <a:schemeClr val="tx1">
+                    <a:tint val="75000"/>
+                  </a:schemeClr>
+                </a:solidFill>
+              </a:defRPr>
+            </a:lvl3pPr>
+            <a:lvl4pPr marL="1371600" indent="0">
+              <a:buNone/>
+              <a:defRPr sz="1400">
+                <a:solidFill>
+                  <a:schemeClr val="tx1">
+                    <a:tint val="75000"/>
+                  </a:schemeClr>
+                </a:solidFill>
+              </a:defRPr>
+            </a:lvl4pPr>
+            <a:lvl5pPr marL="1828800" indent="0">
+              <a:buNone/>
+              <a:defRPr sz="1400">
+                <a:solidFill>
+                  <a:schemeClr val="tx1">
+                    <a:tint val="75000"/>
+                  </a:schemeClr>
+                </a:solidFill>
+              </a:defRPr>
+            </a:lvl5pPr>
+            <a:lvl6pPr marL="2286000" indent="0">
+              <a:buNone/>
+              <a:defRPr sz="1400">
+                <a:solidFill>
+                  <a:schemeClr val="tx1">
+                    <a:tint val="75000"/>
+                  </a:schemeClr>
+                </a:solidFill>
+              </a:defRPr>
+            </a:lvl6pPr>
+            <a:lvl7pPr marL="2743200" indent="0">
+              <a:buNone/>
+              <a:defRPr sz="1400">
+                <a:solidFill>
+                  <a:schemeClr val="tx1">
+                    <a:tint val="75000"/>
+                  </a:schemeClr>
+                </a:solidFill>
+              </a:defRPr>
+            </a:lvl7pPr>
+            <a:lvl8pPr marL="3200400" indent="0">
+              <a:buNone/>
+              <a:defRPr sz="1400">
+                <a:solidFill>
+                  <a:schemeClr val="tx1">
+                    <a:tint val="75000"/>
+                  </a:schemeClr>
+                </a:solidFill>
+              </a:defRPr>
+            </a:lvl8pPr>
+            <a:lvl9pPr marL="3657600" indent="0">
+              <a:buNone/>
+              <a:defRPr sz="1400">
+                <a:solidFill>
+                  <a:schemeClr val="tx1">
+                    <a:tint val="75000"/>
+                  </a:schemeClr>
+                </a:solidFill>
+              </a:defRPr>
+            </a:lvl9pPr>
+          </a:lstStyle>
+          <a:p>
+            <a:pPr lvl="0"/>
+            <a:r>
+              <a:rPr lang="ru-RU" smtClean="0"/>
+              <a:t>Образец текста</a:t>
+            </a:r>
+          </a:p>
+        </p:txBody>
+      </p:sp>
+      <p:sp>
+        <p:nvSpPr>
+          <p:cNvPr id="4" name="Date Placeholder 3"/>
+          <p:cNvSpPr>
+            <a:spLocks noGrp="1"/>
+          </p:cNvSpPr>
+          <p:nvPr>
+            <p:ph type="dt" sz="half" idx="10"/>
+          </p:nvPr>
+        </p:nvSpPr>
+        <p:spPr/>
+        <p:txBody>
+          <a:bodyPr/>
+          <a:lstStyle/>
+          <a:p>
+            <a:fld id="{D0059A09-9488-4BFE-86D6-A7C64E7054B0}" type="datetimeFigureOut">
+              <a:rPr lang="ru-RU" smtClean="0"/>
+              <a:t>21.11.2020</a:t>
+            </a:fld>
+            <a:endParaRPr lang="ru-RU"/>
+          </a:p>
+        </p:txBody>
+      </p:sp>
+      <p:sp>
+        <p:nvSpPr>
+          <p:cNvPr id="5" name="Footer Placeholder 4"/>
+          <p:cNvSpPr>
+            <a:spLocks noGrp="1"/>
+          </p:cNvSpPr>
+          <p:nvPr>
+            <p:ph type="ftr" sz="quarter" idx="11"/>
+          </p:nvPr>
+        </p:nvSpPr>
+        <p:spPr/>
+        <p:txBody>
+          <a:bodyPr/>
+          <a:lstStyle/>
+          <a:p>
+            <a:endParaRPr lang="ru-RU"/>
+          </a:p>
+        </p:txBody>
+      </p:sp>
+      <p:sp>
+        <p:nvSpPr>
+          <p:cNvPr id="6" name="Slide Number Placeholder 5"/>
+          <p:cNvSpPr>
+            <a:spLocks noGrp="1"/>
+          </p:cNvSpPr>
+          <p:nvPr>
+            <p:ph type="sldNum" sz="quarter" idx="12"/>
+          </p:nvPr>
+        </p:nvSpPr>
+        <p:spPr/>
+        <p:txBody>
+          <a:bodyPr/>
+          <a:lstStyle/>
+          <a:p>
+            <a:fld id="{C8B79497-10C1-46B2-9283-6EBC43C5BEBD}" type="slidenum">
+              <a:rPr lang="ru-RU" smtClean="0"/>
+              <a:t>‹#›</a:t>
+            </a:fld>
+            <a:endParaRPr lang="ru-RU"/>
+          </a:p>
+        </p:txBody>
+      </p:sp>
+    </p:spTree>
+    <p:extLst>
+      <p:ext uri="{BB962C8B-B14F-4D97-AF65-F5344CB8AC3E}">
+        <p14:creationId xmlns:p14="http://schemas.microsoft.com/office/powerpoint/2010/main" val="848717500"/>
+      </p:ext>
+    </p:extLst>
+  </p:cSld>
+  <p:clrMapOvr>
+    <a:masterClrMapping/>
+  </p:clrMapOvr>
+</p:sldLayout>
+</file>
+
+<file path=ppt/slideLayouts/slideLayout14.xml><?xml version="1.0" encoding="utf-8"?>
+<p:sldLayout xmlns:a="http://schemas.openxmlformats.org/drawingml/2006/main" xmlns:r="http://schemas.openxmlformats.org/officeDocument/2006/relationships" xmlns:p="http://schemas.openxmlformats.org/presentationml/2006/main" preserve="1">
+  <p:cSld name="Цитата карточки имени">
+    <p:spTree>
+      <p:nvGrpSpPr>
+        <p:cNvPr id="1" name=""/>
+        <p:cNvGrpSpPr/>
+        <p:nvPr/>
+      </p:nvGrpSpPr>
+      <p:grpSpPr>
+        <a:xfrm>
+          <a:off x="0" y="0"/>
+          <a:ext cx="0" cy="0"/>
+          <a:chOff x="0" y="0"/>
+          <a:chExt cx="0" cy="0"/>
+        </a:xfrm>
+      </p:grpSpPr>
+      <p:sp>
+        <p:nvSpPr>
+          <p:cNvPr id="14" name="TextBox 13"/>
+          <p:cNvSpPr txBox="1"/>
+          <p:nvPr/>
+        </p:nvSpPr>
+        <p:spPr>
+          <a:xfrm>
+            <a:off x="1598612" y="863023"/>
+            <a:ext cx="609600" cy="584776"/>
+          </a:xfrm>
+          <a:prstGeom prst="rect">
+            <a:avLst/>
+          </a:prstGeom>
+        </p:spPr>
+        <p:txBody>
+          <a:bodyPr vert="horz" lIns="91440" tIns="45720" rIns="91440" bIns="45720" rtlCol="0" anchor="ctr">
+            <a:noAutofit/>
+          </a:bodyPr>
+          <a:lstStyle>
+            <a:lvl1pPr>
+              <a:spcBef>
+                <a:spcPct val="0"/>
+              </a:spcBef>
+              <a:buNone/>
+              <a:defRPr sz="3200" b="0" cap="all">
+                <a:ln w="3175" cmpd="sng">
+                  <a:noFill/>
+                </a:ln>
+                <a:effectLst>
+                  <a:glow rad="38100">
+                    <a:schemeClr val="bg1">
+                      <a:lumMod val="65000"/>
+                      <a:lumOff val="35000"/>
+                      <a:alpha val="40000"/>
+                    </a:schemeClr>
+                  </a:glow>
+                  <a:outerShdw blurRad="28575" dist="38100" dir="14040000" algn="tl" rotWithShape="0">
+                    <a:srgbClr val="000000">
+                      <a:alpha val="25000"/>
+                    </a:srgbClr>
+                  </a:outerShdw>
+                </a:effectLst>
+              </a:defRPr>
+            </a:lvl1pPr>
+            <a:lvl2pPr>
+              <a:defRPr>
+                <a:solidFill>
+                  <a:schemeClr val="tx2"/>
+                </a:solidFill>
+              </a:defRPr>
+            </a:lvl2pPr>
+            <a:lvl3pPr>
+              <a:defRPr>
+                <a:solidFill>
+                  <a:schemeClr val="tx2"/>
+                </a:solidFill>
+              </a:defRPr>
+            </a:lvl3pPr>
+            <a:lvl4pPr>
+              <a:defRPr>
+                <a:solidFill>
+                  <a:schemeClr val="tx2"/>
+                </a:solidFill>
+              </a:defRPr>
+            </a:lvl4pPr>
+            <a:lvl5pPr>
+              <a:defRPr>
+                <a:solidFill>
+                  <a:schemeClr val="tx2"/>
+                </a:solidFill>
+              </a:defRPr>
+            </a:lvl5pPr>
+            <a:lvl6pPr>
+              <a:defRPr>
+                <a:solidFill>
+                  <a:schemeClr val="tx2"/>
+                </a:solidFill>
+              </a:defRPr>
+            </a:lvl6pPr>
+            <a:lvl7pPr>
+              <a:defRPr>
+                <a:solidFill>
+                  <a:schemeClr val="tx2"/>
+                </a:solidFill>
+              </a:defRPr>
+            </a:lvl7pPr>
+            <a:lvl8pPr>
+              <a:defRPr>
+                <a:solidFill>
+                  <a:schemeClr val="tx2"/>
+                </a:solidFill>
+              </a:defRPr>
+            </a:lvl8pPr>
+            <a:lvl9pPr>
+              <a:defRPr>
+                <a:solidFill>
+                  <a:schemeClr val="tx2"/>
+                </a:solidFill>
+              </a:defRPr>
+            </a:lvl9pPr>
+          </a:lstStyle>
+          <a:p>
+            <a:pPr lvl="0"/>
+            <a:r>
+              <a:rPr lang="en-US" sz="8000" dirty="0">
+                <a:solidFill>
+                  <a:schemeClr val="tx1"/>
+                </a:solidFill>
+                <a:effectLst/>
+              </a:rPr>
+              <a:t>“</a:t>
+            </a:r>
+          </a:p>
+        </p:txBody>
+      </p:sp>
+      <p:sp>
+        <p:nvSpPr>
+          <p:cNvPr id="15" name="TextBox 14"/>
+          <p:cNvSpPr txBox="1"/>
+          <p:nvPr/>
+        </p:nvSpPr>
+        <p:spPr>
+          <a:xfrm>
+            <a:off x="10893425" y="2819399"/>
+            <a:ext cx="609600" cy="584776"/>
+          </a:xfrm>
+          <a:prstGeom prst="rect">
+            <a:avLst/>
+          </a:prstGeom>
+        </p:spPr>
+        <p:txBody>
+          <a:bodyPr vert="horz" lIns="91440" tIns="45720" rIns="91440" bIns="45720" rtlCol="0" anchor="ctr">
+            <a:noAutofit/>
+          </a:bodyPr>
+          <a:lstStyle>
+            <a:lvl1pPr>
+              <a:spcBef>
+                <a:spcPct val="0"/>
+              </a:spcBef>
+              <a:buNone/>
+              <a:defRPr sz="3200" b="0" cap="all">
+                <a:ln w="3175" cmpd="sng">
+                  <a:noFill/>
+                </a:ln>
+                <a:effectLst>
+                  <a:glow rad="38100">
+                    <a:schemeClr val="bg1">
+                      <a:lumMod val="65000"/>
+                      <a:lumOff val="35000"/>
+                      <a:alpha val="40000"/>
+                    </a:schemeClr>
+                  </a:glow>
+                  <a:outerShdw blurRad="28575" dist="38100" dir="14040000" algn="tl" rotWithShape="0">
+                    <a:srgbClr val="000000">
+                      <a:alpha val="25000"/>
+                    </a:srgbClr>
+                  </a:outerShdw>
+                </a:effectLst>
+              </a:defRPr>
+            </a:lvl1pPr>
+            <a:lvl2pPr>
+              <a:defRPr>
+                <a:solidFill>
+                  <a:schemeClr val="tx2"/>
+                </a:solidFill>
+              </a:defRPr>
+            </a:lvl2pPr>
+            <a:lvl3pPr>
+              <a:defRPr>
+                <a:solidFill>
+                  <a:schemeClr val="tx2"/>
+                </a:solidFill>
+              </a:defRPr>
+            </a:lvl3pPr>
+            <a:lvl4pPr>
+              <a:defRPr>
+                <a:solidFill>
+                  <a:schemeClr val="tx2"/>
+                </a:solidFill>
+              </a:defRPr>
+            </a:lvl4pPr>
+            <a:lvl5pPr>
+              <a:defRPr>
+                <a:solidFill>
+                  <a:schemeClr val="tx2"/>
+                </a:solidFill>
+              </a:defRPr>
+            </a:lvl5pPr>
+            <a:lvl6pPr>
+              <a:defRPr>
+                <a:solidFill>
+                  <a:schemeClr val="tx2"/>
+                </a:solidFill>
+              </a:defRPr>
+            </a:lvl6pPr>
+            <a:lvl7pPr>
+              <a:defRPr>
+                <a:solidFill>
+                  <a:schemeClr val="tx2"/>
+                </a:solidFill>
+              </a:defRPr>
+            </a:lvl7pPr>
+            <a:lvl8pPr>
+              <a:defRPr>
+                <a:solidFill>
+                  <a:schemeClr val="tx2"/>
+                </a:solidFill>
+              </a:defRPr>
+            </a:lvl8pPr>
+            <a:lvl9pPr>
+              <a:defRPr>
+                <a:solidFill>
+                  <a:schemeClr val="tx2"/>
+                </a:solidFill>
+              </a:defRPr>
+            </a:lvl9pPr>
+          </a:lstStyle>
+          <a:p>
+            <a:pPr lvl="0" algn="r"/>
+            <a:r>
+              <a:rPr lang="en-US" sz="8000" dirty="0">
+                <a:solidFill>
+                  <a:schemeClr val="tx1"/>
+                </a:solidFill>
+                <a:effectLst/>
+              </a:rPr>
+              <a:t>”</a:t>
+            </a:r>
+          </a:p>
+        </p:txBody>
+      </p:sp>
+      <p:sp>
+        <p:nvSpPr>
+          <p:cNvPr id="2" name="Title 1"/>
+          <p:cNvSpPr>
+            <a:spLocks noGrp="1"/>
+          </p:cNvSpPr>
+          <p:nvPr>
+            <p:ph type="title"/>
+          </p:nvPr>
+        </p:nvSpPr>
+        <p:spPr>
+          <a:xfrm>
+            <a:off x="2208212" y="685800"/>
+            <a:ext cx="8990012" cy="2743199"/>
+          </a:xfrm>
+        </p:spPr>
+        <p:txBody>
+          <a:bodyPr anchor="ctr">
+            <a:normAutofit/>
+          </a:bodyPr>
+          <a:lstStyle>
+            <a:lvl1pPr algn="ctr">
+              <a:defRPr sz="3200" b="0" cap="none">
+                <a:solidFill>
+                  <a:schemeClr val="tx1"/>
+                </a:solidFill>
+              </a:defRPr>
+            </a:lvl1pPr>
+          </a:lstStyle>
+          <a:p>
+            <a:r>
+              <a:rPr lang="ru-RU" smtClean="0"/>
+              <a:t>Образец заголовка</a:t>
+            </a:r>
+            <a:endParaRPr lang="en-US" dirty="0"/>
+          </a:p>
+        </p:txBody>
+      </p:sp>
+      <p:sp>
+        <p:nvSpPr>
+          <p:cNvPr id="10" name="Text Placeholder 9"/>
+          <p:cNvSpPr>
+            <a:spLocks noGrp="1"/>
+          </p:cNvSpPr>
+          <p:nvPr>
+            <p:ph type="body" sz="quarter" idx="13"/>
+          </p:nvPr>
+        </p:nvSpPr>
+        <p:spPr>
+          <a:xfrm>
+            <a:off x="1484313" y="3886200"/>
+            <a:ext cx="10018710" cy="889000"/>
+          </a:xfrm>
+        </p:spPr>
+        <p:txBody>
+          <a:bodyPr vert="horz" lIns="91440" tIns="45720" rIns="91440" bIns="45720" rtlCol="0" anchor="b">
+            <a:normAutofit/>
+          </a:bodyPr>
+          <a:lstStyle>
+            <a:lvl1pPr algn="r">
+              <a:buNone/>
+              <a:defRPr lang="en-US" sz="2400" b="0" cap="none" dirty="0">
+                <a:ln w="3175" cmpd="sng">
+                  <a:noFill/>
+                </a:ln>
+                <a:solidFill>
+                  <a:schemeClr val="tx1"/>
+                </a:solidFill>
+                <a:effectLst/>
+              </a:defRPr>
+            </a:lvl1pPr>
+          </a:lstStyle>
+          <a:p>
+            <a:pPr marL="0" lvl="0">
+              <a:spcBef>
+                <a:spcPct val="0"/>
+              </a:spcBef>
+              <a:buNone/>
+            </a:pPr>
+            <a:r>
+              <a:rPr lang="ru-RU" smtClean="0"/>
+              <a:t>Образец текста</a:t>
+            </a:r>
+          </a:p>
+        </p:txBody>
+      </p:sp>
+      <p:sp>
+        <p:nvSpPr>
+          <p:cNvPr id="3" name="Text Placeholder 2"/>
+          <p:cNvSpPr>
+            <a:spLocks noGrp="1"/>
+          </p:cNvSpPr>
+          <p:nvPr>
+            <p:ph type="body" idx="1"/>
+          </p:nvPr>
+        </p:nvSpPr>
+        <p:spPr>
+          <a:xfrm>
+            <a:off x="1484312" y="4775200"/>
+            <a:ext cx="10018710" cy="1016000"/>
+          </a:xfrm>
+        </p:spPr>
+        <p:txBody>
+          <a:bodyPr anchor="t">
+            <a:normAutofit/>
+          </a:bodyPr>
+          <a:lstStyle>
+            <a:lvl1pPr marL="0" indent="0" algn="r">
+              <a:buNone/>
+              <a:defRPr sz="1800">
+                <a:solidFill>
+                  <a:schemeClr val="tx1"/>
+                </a:solidFill>
+              </a:defRPr>
+            </a:lvl1pPr>
+            <a:lvl2pPr marL="457200" indent="0">
+              <a:buNone/>
+              <a:defRPr sz="1800">
+                <a:solidFill>
+                  <a:schemeClr val="tx1">
+                    <a:tint val="75000"/>
+                  </a:schemeClr>
+                </a:solidFill>
+              </a:defRPr>
+            </a:lvl2pPr>
+            <a:lvl3pPr marL="914400" indent="0">
+              <a:buNone/>
+              <a:defRPr sz="1600">
+                <a:solidFill>
+                  <a:schemeClr val="tx1">
+                    <a:tint val="75000"/>
+                  </a:schemeClr>
+                </a:solidFill>
+              </a:defRPr>
+            </a:lvl3pPr>
+            <a:lvl4pPr marL="1371600" indent="0">
+              <a:buNone/>
+              <a:defRPr sz="1400">
+                <a:solidFill>
+                  <a:schemeClr val="tx1">
+                    <a:tint val="75000"/>
+                  </a:schemeClr>
+                </a:solidFill>
+              </a:defRPr>
+            </a:lvl4pPr>
+            <a:lvl5pPr marL="1828800" indent="0">
+              <a:buNone/>
+              <a:defRPr sz="1400">
+                <a:solidFill>
+                  <a:schemeClr val="tx1">
+                    <a:tint val="75000"/>
+                  </a:schemeClr>
+                </a:solidFill>
+              </a:defRPr>
+            </a:lvl5pPr>
+            <a:lvl6pPr marL="2286000" indent="0">
+              <a:buNone/>
+              <a:defRPr sz="1400">
+                <a:solidFill>
+                  <a:schemeClr val="tx1">
+                    <a:tint val="75000"/>
+                  </a:schemeClr>
+                </a:solidFill>
+              </a:defRPr>
+            </a:lvl6pPr>
+            <a:lvl7pPr marL="2743200" indent="0">
+              <a:buNone/>
+              <a:defRPr sz="1400">
+                <a:solidFill>
+                  <a:schemeClr val="tx1">
+                    <a:tint val="75000"/>
+                  </a:schemeClr>
+                </a:solidFill>
+              </a:defRPr>
+            </a:lvl7pPr>
+            <a:lvl8pPr marL="3200400" indent="0">
+              <a:buNone/>
+              <a:defRPr sz="1400">
+                <a:solidFill>
+                  <a:schemeClr val="tx1">
+                    <a:tint val="75000"/>
+                  </a:schemeClr>
+                </a:solidFill>
+              </a:defRPr>
+            </a:lvl8pPr>
+            <a:lvl9pPr marL="3657600" indent="0">
+              <a:buNone/>
+              <a:defRPr sz="1400">
+                <a:solidFill>
+                  <a:schemeClr val="tx1">
+                    <a:tint val="75000"/>
+                  </a:schemeClr>
+                </a:solidFill>
+              </a:defRPr>
+            </a:lvl9pPr>
+          </a:lstStyle>
+          <a:p>
+            <a:pPr lvl="0"/>
+            <a:r>
+              <a:rPr lang="ru-RU" smtClean="0"/>
+              <a:t>Образец текста</a:t>
+            </a:r>
+          </a:p>
+        </p:txBody>
+      </p:sp>
+      <p:sp>
+        <p:nvSpPr>
+          <p:cNvPr id="4" name="Date Placeholder 3"/>
+          <p:cNvSpPr>
+            <a:spLocks noGrp="1"/>
+          </p:cNvSpPr>
+          <p:nvPr>
+            <p:ph type="dt" sz="half" idx="10"/>
+          </p:nvPr>
+        </p:nvSpPr>
+        <p:spPr/>
+        <p:txBody>
+          <a:bodyPr/>
+          <a:lstStyle/>
+          <a:p>
+            <a:fld id="{D0059A09-9488-4BFE-86D6-A7C64E7054B0}" type="datetimeFigureOut">
+              <a:rPr lang="ru-RU" smtClean="0"/>
+              <a:t>21.11.2020</a:t>
+            </a:fld>
+            <a:endParaRPr lang="ru-RU"/>
+          </a:p>
+        </p:txBody>
+      </p:sp>
+      <p:sp>
+        <p:nvSpPr>
+          <p:cNvPr id="5" name="Footer Placeholder 4"/>
+          <p:cNvSpPr>
+            <a:spLocks noGrp="1"/>
+          </p:cNvSpPr>
+          <p:nvPr>
+            <p:ph type="ftr" sz="quarter" idx="11"/>
+          </p:nvPr>
+        </p:nvSpPr>
+        <p:spPr/>
+        <p:txBody>
+          <a:bodyPr/>
+          <a:lstStyle/>
+          <a:p>
+            <a:endParaRPr lang="ru-RU"/>
+          </a:p>
+        </p:txBody>
+      </p:sp>
+      <p:sp>
+        <p:nvSpPr>
+          <p:cNvPr id="6" name="Slide Number Placeholder 5"/>
+          <p:cNvSpPr>
+            <a:spLocks noGrp="1"/>
+          </p:cNvSpPr>
+          <p:nvPr>
+            <p:ph type="sldNum" sz="quarter" idx="12"/>
+          </p:nvPr>
+        </p:nvSpPr>
+        <p:spPr/>
+        <p:txBody>
+          <a:bodyPr/>
+          <a:lstStyle/>
+          <a:p>
+            <a:fld id="{C8B79497-10C1-46B2-9283-6EBC43C5BEBD}" type="slidenum">
+              <a:rPr lang="ru-RU" smtClean="0"/>
+              <a:t>‹#›</a:t>
+            </a:fld>
+            <a:endParaRPr lang="ru-RU"/>
+          </a:p>
+        </p:txBody>
+      </p:sp>
+    </p:spTree>
+    <p:extLst>
+      <p:ext uri="{BB962C8B-B14F-4D97-AF65-F5344CB8AC3E}">
+        <p14:creationId xmlns:p14="http://schemas.microsoft.com/office/powerpoint/2010/main" val="1749397887"/>
+      </p:ext>
+    </p:extLst>
+  </p:cSld>
+  <p:clrMapOvr>
+    <a:masterClrMapping/>
+  </p:clrMapOvr>
+</p:sldLayout>
+</file>
+
+<file path=ppt/slideLayouts/slideLayout15.xml><?xml version="1.0" encoding="utf-8"?>
+<p:sldLayout xmlns:a="http://schemas.openxmlformats.org/drawingml/2006/main" xmlns:r="http://schemas.openxmlformats.org/officeDocument/2006/relationships" xmlns:p="http://schemas.openxmlformats.org/presentationml/2006/main" preserve="1">
+  <p:cSld name="Истина или ложь">
+    <p:spTree>
+      <p:nvGrpSpPr>
+        <p:cNvPr id="1" name=""/>
+        <p:cNvGrpSpPr/>
+        <p:nvPr/>
+      </p:nvGrpSpPr>
+      <p:grpSpPr>
+        <a:xfrm>
+          <a:off x="0" y="0"/>
+          <a:ext cx="0" cy="0"/>
+          <a:chOff x="0" y="0"/>
+          <a:chExt cx="0" cy="0"/>
+        </a:xfrm>
+      </p:grpSpPr>
+      <p:sp>
+        <p:nvSpPr>
+          <p:cNvPr id="2" name="Title 1"/>
+          <p:cNvSpPr>
+            <a:spLocks noGrp="1"/>
+          </p:cNvSpPr>
+          <p:nvPr>
+            <p:ph type="title"/>
+          </p:nvPr>
+        </p:nvSpPr>
+        <p:spPr>
+          <a:xfrm>
+            <a:off x="1484313" y="685800"/>
+            <a:ext cx="10018712" cy="2727325"/>
+          </a:xfrm>
+        </p:spPr>
+        <p:txBody>
+          <a:bodyPr vert="horz" lIns="91440" tIns="45720" rIns="91440" bIns="45720" rtlCol="0" anchor="ctr">
+            <a:normAutofit/>
+          </a:bodyPr>
+          <a:lstStyle>
+            <a:lvl1pPr>
+              <a:defRPr lang="en-US" b="0" dirty="0"/>
+            </a:lvl1pPr>
+          </a:lstStyle>
+          <a:p>
+            <a:pPr marL="0" lvl="0"/>
+            <a:r>
+              <a:rPr lang="ru-RU" smtClean="0"/>
+              <a:t>Образец заголовка</a:t>
+            </a:r>
+            <a:endParaRPr lang="en-US" dirty="0"/>
+          </a:p>
+        </p:txBody>
+      </p:sp>
+      <p:sp>
+        <p:nvSpPr>
+          <p:cNvPr id="10" name="Text Placeholder 9"/>
+          <p:cNvSpPr>
+            <a:spLocks noGrp="1"/>
+          </p:cNvSpPr>
+          <p:nvPr>
+            <p:ph type="body" sz="quarter" idx="13"/>
+          </p:nvPr>
+        </p:nvSpPr>
+        <p:spPr>
+          <a:xfrm>
+            <a:off x="1484312" y="3505200"/>
+            <a:ext cx="10018713" cy="838200"/>
+          </a:xfrm>
+        </p:spPr>
+        <p:txBody>
+          <a:bodyPr vert="horz" lIns="91440" tIns="45720" rIns="91440" bIns="45720" rtlCol="0" anchor="b">
+            <a:normAutofit/>
+          </a:bodyPr>
+          <a:lstStyle>
+            <a:lvl1pPr>
+              <a:buNone/>
+              <a:defRPr lang="en-US" sz="2800" b="0" cap="none" dirty="0">
+                <a:ln w="3175" cmpd="sng">
+                  <a:noFill/>
+                </a:ln>
+                <a:solidFill>
+                  <a:schemeClr val="tx1"/>
+                </a:solidFill>
+                <a:effectLst/>
+              </a:defRPr>
+            </a:lvl1pPr>
+          </a:lstStyle>
+          <a:p>
+            <a:pPr marL="0" lvl="0">
+              <a:spcBef>
+                <a:spcPct val="0"/>
+              </a:spcBef>
+              <a:buNone/>
+            </a:pPr>
+            <a:r>
+              <a:rPr lang="ru-RU" smtClean="0"/>
+              <a:t>Образец текста</a:t>
+            </a:r>
+          </a:p>
+        </p:txBody>
+      </p:sp>
+      <p:sp>
+        <p:nvSpPr>
+          <p:cNvPr id="3" name="Text Placeholder 2"/>
+          <p:cNvSpPr>
+            <a:spLocks noGrp="1"/>
+          </p:cNvSpPr>
+          <p:nvPr>
+            <p:ph type="body" idx="1"/>
+          </p:nvPr>
+        </p:nvSpPr>
+        <p:spPr>
+          <a:xfrm>
+            <a:off x="1484311" y="4343400"/>
+            <a:ext cx="10018713" cy="1447800"/>
+          </a:xfrm>
+        </p:spPr>
+        <p:txBody>
+          <a:bodyPr anchor="t">
+            <a:normAutofit/>
+          </a:bodyPr>
+          <a:lstStyle>
+            <a:lvl1pPr marL="0" indent="0" algn="l">
+              <a:buNone/>
+              <a:defRPr sz="1800">
+                <a:solidFill>
+                  <a:schemeClr val="tx1"/>
+                </a:solidFill>
+              </a:defRPr>
+            </a:lvl1pPr>
+            <a:lvl2pPr marL="457200" indent="0">
+              <a:buNone/>
+              <a:defRPr sz="1800">
+                <a:solidFill>
+                  <a:schemeClr val="tx1">
+                    <a:tint val="75000"/>
+                  </a:schemeClr>
+                </a:solidFill>
+              </a:defRPr>
+            </a:lvl2pPr>
+            <a:lvl3pPr marL="914400" indent="0">
+              <a:buNone/>
+              <a:defRPr sz="1600">
+                <a:solidFill>
+                  <a:schemeClr val="tx1">
+                    <a:tint val="75000"/>
+                  </a:schemeClr>
+                </a:solidFill>
+              </a:defRPr>
+            </a:lvl3pPr>
+            <a:lvl4pPr marL="1371600" indent="0">
+              <a:buNone/>
+              <a:defRPr sz="1400">
+                <a:solidFill>
+                  <a:schemeClr val="tx1">
+                    <a:tint val="75000"/>
+                  </a:schemeClr>
+                </a:solidFill>
+              </a:defRPr>
+            </a:lvl4pPr>
+            <a:lvl5pPr marL="1828800" indent="0">
+              <a:buNone/>
+              <a:defRPr sz="1400">
+                <a:solidFill>
+                  <a:schemeClr val="tx1">
+                    <a:tint val="75000"/>
+                  </a:schemeClr>
+                </a:solidFill>
+              </a:defRPr>
+            </a:lvl5pPr>
+            <a:lvl6pPr marL="2286000" indent="0">
+              <a:buNone/>
+              <a:defRPr sz="1400">
+                <a:solidFill>
+                  <a:schemeClr val="tx1">
+                    <a:tint val="75000"/>
+                  </a:schemeClr>
+                </a:solidFill>
+              </a:defRPr>
+            </a:lvl6pPr>
+            <a:lvl7pPr marL="2743200" indent="0">
+              <a:buNone/>
+              <a:defRPr sz="1400">
+                <a:solidFill>
+                  <a:schemeClr val="tx1">
+                    <a:tint val="75000"/>
+                  </a:schemeClr>
+                </a:solidFill>
+              </a:defRPr>
+            </a:lvl7pPr>
+            <a:lvl8pPr marL="3200400" indent="0">
+              <a:buNone/>
+              <a:defRPr sz="1400">
+                <a:solidFill>
+                  <a:schemeClr val="tx1">
+                    <a:tint val="75000"/>
+                  </a:schemeClr>
+                </a:solidFill>
+              </a:defRPr>
+            </a:lvl8pPr>
+            <a:lvl9pPr marL="3657600" indent="0">
+              <a:buNone/>
+              <a:defRPr sz="1400">
+                <a:solidFill>
+                  <a:schemeClr val="tx1">
+                    <a:tint val="75000"/>
+                  </a:schemeClr>
+                </a:solidFill>
+              </a:defRPr>
+            </a:lvl9pPr>
+          </a:lstStyle>
+          <a:p>
+            <a:pPr lvl="0"/>
+            <a:r>
+              <a:rPr lang="ru-RU" smtClean="0"/>
+              <a:t>Образец текста</a:t>
+            </a:r>
+          </a:p>
+        </p:txBody>
+      </p:sp>
+      <p:sp>
+        <p:nvSpPr>
+          <p:cNvPr id="4" name="Date Placeholder 3"/>
+          <p:cNvSpPr>
+            <a:spLocks noGrp="1"/>
+          </p:cNvSpPr>
+          <p:nvPr>
+            <p:ph type="dt" sz="half" idx="10"/>
+          </p:nvPr>
+        </p:nvSpPr>
+        <p:spPr/>
+        <p:txBody>
+          <a:bodyPr/>
+          <a:lstStyle/>
+          <a:p>
+            <a:fld id="{D0059A09-9488-4BFE-86D6-A7C64E7054B0}" type="datetimeFigureOut">
+              <a:rPr lang="ru-RU" smtClean="0"/>
+              <a:t>21.11.2020</a:t>
+            </a:fld>
+            <a:endParaRPr lang="ru-RU"/>
+          </a:p>
+        </p:txBody>
+      </p:sp>
+      <p:sp>
+        <p:nvSpPr>
+          <p:cNvPr id="5" name="Footer Placeholder 4"/>
+          <p:cNvSpPr>
+            <a:spLocks noGrp="1"/>
+          </p:cNvSpPr>
+          <p:nvPr>
+            <p:ph type="ftr" sz="quarter" idx="11"/>
+          </p:nvPr>
+        </p:nvSpPr>
+        <p:spPr/>
+        <p:txBody>
+          <a:bodyPr/>
+          <a:lstStyle/>
+          <a:p>
+            <a:endParaRPr lang="ru-RU"/>
+          </a:p>
+        </p:txBody>
+      </p:sp>
+      <p:sp>
+        <p:nvSpPr>
+          <p:cNvPr id="6" name="Slide Number Placeholder 5"/>
+          <p:cNvSpPr>
+            <a:spLocks noGrp="1"/>
+          </p:cNvSpPr>
+          <p:nvPr>
+            <p:ph type="sldNum" sz="quarter" idx="12"/>
+          </p:nvPr>
+        </p:nvSpPr>
+        <p:spPr/>
+        <p:txBody>
+          <a:bodyPr/>
+          <a:lstStyle/>
+          <a:p>
+            <a:fld id="{C8B79497-10C1-46B2-9283-6EBC43C5BEBD}" type="slidenum">
+              <a:rPr lang="ru-RU" smtClean="0"/>
+              <a:t>‹#›</a:t>
+            </a:fld>
+            <a:endParaRPr lang="ru-RU"/>
+          </a:p>
+        </p:txBody>
+      </p:sp>
+    </p:spTree>
+    <p:extLst>
+      <p:ext uri="{BB962C8B-B14F-4D97-AF65-F5344CB8AC3E}">
+        <p14:creationId xmlns:p14="http://schemas.microsoft.com/office/powerpoint/2010/main" val="1424745866"/>
+      </p:ext>
+    </p:extLst>
+  </p:cSld>
+  <p:clrMapOvr>
+    <a:masterClrMapping/>
+  </p:clrMapOvr>
+</p:sldLayout>
+</file>
+
+<file path=ppt/slideLayouts/slideLayout16.xml><?xml version="1.0" encoding="utf-8"?>
 <p:sldLayout xmlns:a="http://schemas.openxmlformats.org/drawingml/2006/main" xmlns:r="http://schemas.openxmlformats.org/officeDocument/2006/relationships" xmlns:p="http://schemas.openxmlformats.org/presentationml/2006/main" type="vertTx" preserve="1">
   <p:cSld name="Заголовок и вертикальный текст">
     <p:spTree>
@@ -322,7 +2859,7 @@
       </p:grpSpPr>
       <p:sp>
         <p:nvSpPr>
-          <p:cNvPr id="2" name="Заголовок 1"/>
+          <p:cNvPr id="2" name="Title 1"/>
           <p:cNvSpPr>
             <a:spLocks noGrp="1"/>
           </p:cNvSpPr>
@@ -333,31 +2870,35 @@
         <p:spPr/>
         <p:txBody>
           <a:bodyPr/>
+          <a:lstStyle>
+            <a:lvl1pPr algn="ctr">
+              <a:defRPr/>
+            </a:lvl1pPr>
+          </a:lstStyle>
+          <a:p>
+            <a:r>
+              <a:rPr lang="ru-RU" smtClean="0"/>
+              <a:t>Образец заголовка</a:t>
+            </a:r>
+            <a:endParaRPr lang="en-US" dirty="0"/>
+          </a:p>
+        </p:txBody>
+      </p:sp>
+      <p:sp>
+        <p:nvSpPr>
+          <p:cNvPr id="3" name="Vertical Text Placeholder 2"/>
+          <p:cNvSpPr>
+            <a:spLocks noGrp="1"/>
+          </p:cNvSpPr>
+          <p:nvPr>
+            <p:ph type="body" orient="vert" idx="1"/>
+          </p:nvPr>
+        </p:nvSpPr>
+        <p:spPr/>
+        <p:txBody>
+          <a:bodyPr vert="eaVert" anchor="t"/>
           <a:lstStyle/>
           <a:p>
-            <a:r>
-              <a:rPr lang="ru-RU" smtClean="0"/>
-              <a:t>Образец заголовка</a:t>
-            </a:r>
-            <a:endParaRPr lang="ru-RU"/>
-          </a:p>
-        </p:txBody>
-      </p:sp>
-      <p:sp>
-        <p:nvSpPr>
-          <p:cNvPr id="3" name="Вертикальный текст 2"/>
-          <p:cNvSpPr>
-            <a:spLocks noGrp="1"/>
-          </p:cNvSpPr>
-          <p:nvPr>
-            <p:ph type="body" orient="vert" idx="1"/>
-          </p:nvPr>
-        </p:nvSpPr>
-        <p:spPr/>
-        <p:txBody>
-          <a:bodyPr vert="eaVert"/>
-          <a:lstStyle/>
-          <a:p>
             <a:pPr lvl="0"/>
             <a:r>
               <a:rPr lang="ru-RU" smtClean="0"/>
@@ -391,13 +2932,13 @@
               <a:rPr lang="ru-RU" smtClean="0"/>
               <a:t>Пятый уровень</a:t>
             </a:r>
-            <a:endParaRPr lang="ru-RU"/>
-          </a:p>
-        </p:txBody>
-      </p:sp>
-      <p:sp>
-        <p:nvSpPr>
-          <p:cNvPr id="4" name="Дата 3"/>
+            <a:endParaRPr lang="en-US" dirty="0"/>
+          </a:p>
+        </p:txBody>
+      </p:sp>
+      <p:sp>
+        <p:nvSpPr>
+          <p:cNvPr id="4" name="Date Placeholder 3"/>
           <p:cNvSpPr>
             <a:spLocks noGrp="1"/>
           </p:cNvSpPr>
@@ -420,7 +2961,7 @@
       </p:sp>
       <p:sp>
         <p:nvSpPr>
-          <p:cNvPr id="5" name="Нижний колонтитул 4"/>
+          <p:cNvPr id="5" name="Footer Placeholder 4"/>
           <p:cNvSpPr>
             <a:spLocks noGrp="1"/>
           </p:cNvSpPr>
@@ -439,7 +2980,7 @@
       </p:sp>
       <p:sp>
         <p:nvSpPr>
-          <p:cNvPr id="6" name="Номер слайда 5"/>
+          <p:cNvPr id="6" name="Slide Number Placeholder 5"/>
           <p:cNvSpPr>
             <a:spLocks noGrp="1"/>
           </p:cNvSpPr>
@@ -463,7 +3004,7 @@
     </p:spTree>
     <p:extLst>
       <p:ext uri="{BB962C8B-B14F-4D97-AF65-F5344CB8AC3E}">
-        <p14:creationId xmlns:p14="http://schemas.microsoft.com/office/powerpoint/2010/main" val="2428506901"/>
+        <p14:creationId xmlns:p14="http://schemas.microsoft.com/office/powerpoint/2010/main" val="3488432829"/>
       </p:ext>
     </p:extLst>
   </p:cSld>
@@ -473,7 +3014,7 @@
 </p:sldLayout>
 </file>
 
-<file path=ppt/slideLayouts/slideLayout11.xml><?xml version="1.0" encoding="utf-8"?>
+<file path=ppt/slideLayouts/slideLayout17.xml><?xml version="1.0" encoding="utf-8"?>
 <p:sldLayout xmlns:a="http://schemas.openxmlformats.org/drawingml/2006/main" xmlns:r="http://schemas.openxmlformats.org/officeDocument/2006/relationships" xmlns:p="http://schemas.openxmlformats.org/presentationml/2006/main" type="vertTitleAndTx" preserve="1">
   <p:cSld name="Вертикальный заголовок и текст">
     <p:spTree>
@@ -492,7 +3033,7 @@
       </p:grpSpPr>
       <p:sp>
         <p:nvSpPr>
-          <p:cNvPr id="2" name="Вертикальный заголовок 1"/>
+          <p:cNvPr id="2" name="Vertical Title 1"/>
           <p:cNvSpPr>
             <a:spLocks noGrp="1"/>
           </p:cNvSpPr>
@@ -502,8 +3043,8 @@
         </p:nvSpPr>
         <p:spPr>
           <a:xfrm>
-            <a:off x="8724900" y="365125"/>
-            <a:ext cx="2628900" cy="5811838"/>
+            <a:off x="9732655" y="685800"/>
+            <a:ext cx="1770369" cy="5105400"/>
           </a:xfrm>
         </p:spPr>
         <p:txBody>
@@ -514,13 +3055,13 @@
               <a:rPr lang="ru-RU" smtClean="0"/>
               <a:t>Образец заголовка</a:t>
             </a:r>
-            <a:endParaRPr lang="ru-RU"/>
-          </a:p>
-        </p:txBody>
-      </p:sp>
-      <p:sp>
-        <p:nvSpPr>
-          <p:cNvPr id="3" name="Вертикальный текст 2"/>
+            <a:endParaRPr lang="en-US" dirty="0"/>
+          </a:p>
+        </p:txBody>
+      </p:sp>
+      <p:sp>
+        <p:nvSpPr>
+          <p:cNvPr id="3" name="Vertical Text Placeholder 2"/>
           <p:cNvSpPr>
             <a:spLocks noGrp="1"/>
           </p:cNvSpPr>
@@ -530,12 +3071,12 @@
         </p:nvSpPr>
         <p:spPr>
           <a:xfrm>
-            <a:off x="838200" y="365125"/>
-            <a:ext cx="7734300" cy="5811838"/>
+            <a:off x="1484312" y="685800"/>
+            <a:ext cx="8019742" cy="5105400"/>
           </a:xfrm>
         </p:spPr>
         <p:txBody>
-          <a:bodyPr vert="eaVert"/>
+          <a:bodyPr vert="eaVert" anchor="t"/>
           <a:lstStyle/>
           <a:p>
             <a:pPr lvl="0"/>
@@ -571,13 +3112,13 @@
               <a:rPr lang="ru-RU" smtClean="0"/>
               <a:t>Пятый уровень</a:t>
             </a:r>
-            <a:endParaRPr lang="ru-RU"/>
-          </a:p>
-        </p:txBody>
-      </p:sp>
-      <p:sp>
-        <p:nvSpPr>
-          <p:cNvPr id="4" name="Дата 3"/>
+            <a:endParaRPr lang="en-US" dirty="0"/>
+          </a:p>
+        </p:txBody>
+      </p:sp>
+      <p:sp>
+        <p:nvSpPr>
+          <p:cNvPr id="4" name="Date Placeholder 3"/>
           <p:cNvSpPr>
             <a:spLocks noGrp="1"/>
           </p:cNvSpPr>
@@ -600,7 +3141,7 @@
       </p:sp>
       <p:sp>
         <p:nvSpPr>
-          <p:cNvPr id="5" name="Нижний колонтитул 4"/>
+          <p:cNvPr id="5" name="Footer Placeholder 4"/>
           <p:cNvSpPr>
             <a:spLocks noGrp="1"/>
           </p:cNvSpPr>
@@ -619,7 +3160,7 @@
       </p:sp>
       <p:sp>
         <p:nvSpPr>
-          <p:cNvPr id="6" name="Номер слайда 5"/>
+          <p:cNvPr id="6" name="Slide Number Placeholder 5"/>
           <p:cNvSpPr>
             <a:spLocks noGrp="1"/>
           </p:cNvSpPr>
@@ -643,7 +3184,7 @@
     </p:spTree>
     <p:extLst>
       <p:ext uri="{BB962C8B-B14F-4D97-AF65-F5344CB8AC3E}">
-        <p14:creationId xmlns:p14="http://schemas.microsoft.com/office/powerpoint/2010/main" val="3191927374"/>
+        <p14:creationId xmlns:p14="http://schemas.microsoft.com/office/powerpoint/2010/main" val="3778327405"/>
       </p:ext>
     </p:extLst>
   </p:cSld>
@@ -672,7 +3213,7 @@
       </p:grpSpPr>
       <p:sp>
         <p:nvSpPr>
-          <p:cNvPr id="2" name="Заголовок 1"/>
+          <p:cNvPr id="2" name="Title 1"/>
           <p:cNvSpPr>
             <a:spLocks noGrp="1"/>
           </p:cNvSpPr>
@@ -689,13 +3230,13 @@
               <a:rPr lang="ru-RU" smtClean="0"/>
               <a:t>Образец заголовка</a:t>
             </a:r>
-            <a:endParaRPr lang="ru-RU"/>
-          </a:p>
-        </p:txBody>
-      </p:sp>
-      <p:sp>
-        <p:nvSpPr>
-          <p:cNvPr id="3" name="Объект 2"/>
+            <a:endParaRPr lang="en-US" dirty="0"/>
+          </a:p>
+        </p:txBody>
+      </p:sp>
+      <p:sp>
+        <p:nvSpPr>
+          <p:cNvPr id="3" name="Content Placeholder 2"/>
           <p:cNvSpPr>
             <a:spLocks noGrp="1"/>
           </p:cNvSpPr>
@@ -705,7 +3246,7 @@
         </p:nvSpPr>
         <p:spPr/>
         <p:txBody>
-          <a:bodyPr/>
+          <a:bodyPr anchor="ctr"/>
           <a:lstStyle/>
           <a:p>
             <a:pPr lvl="0"/>
@@ -741,13 +3282,13 @@
               <a:rPr lang="ru-RU" smtClean="0"/>
               <a:t>Пятый уровень</a:t>
             </a:r>
-            <a:endParaRPr lang="ru-RU"/>
-          </a:p>
-        </p:txBody>
-      </p:sp>
-      <p:sp>
-        <p:nvSpPr>
-          <p:cNvPr id="4" name="Дата 3"/>
+            <a:endParaRPr lang="en-US" dirty="0"/>
+          </a:p>
+        </p:txBody>
+      </p:sp>
+      <p:sp>
+        <p:nvSpPr>
+          <p:cNvPr id="4" name="Date Placeholder 3"/>
           <p:cNvSpPr>
             <a:spLocks noGrp="1"/>
           </p:cNvSpPr>
@@ -770,7 +3311,7 @@
       </p:sp>
       <p:sp>
         <p:nvSpPr>
-          <p:cNvPr id="5" name="Нижний колонтитул 4"/>
+          <p:cNvPr id="5" name="Footer Placeholder 4"/>
           <p:cNvSpPr>
             <a:spLocks noGrp="1"/>
           </p:cNvSpPr>
@@ -789,7 +3330,7 @@
       </p:sp>
       <p:sp>
         <p:nvSpPr>
-          <p:cNvPr id="6" name="Номер слайда 5"/>
+          <p:cNvPr id="6" name="Slide Number Placeholder 5"/>
           <p:cNvSpPr>
             <a:spLocks noGrp="1"/>
           </p:cNvSpPr>
@@ -797,7 +3338,12 @@
             <p:ph type="sldNum" sz="quarter" idx="12"/>
           </p:nvPr>
         </p:nvSpPr>
-        <p:spPr/>
+        <p:spPr>
+          <a:xfrm>
+            <a:off x="10951856" y="5867131"/>
+            <a:ext cx="551167" cy="365125"/>
+          </a:xfrm>
+        </p:spPr>
         <p:txBody>
           <a:bodyPr/>
           <a:lstStyle/>
@@ -813,7 +3359,7 @@
     </p:spTree>
     <p:extLst>
       <p:ext uri="{BB962C8B-B14F-4D97-AF65-F5344CB8AC3E}">
-        <p14:creationId xmlns:p14="http://schemas.microsoft.com/office/powerpoint/2010/main" val="1738642957"/>
+        <p14:creationId xmlns:p14="http://schemas.microsoft.com/office/powerpoint/2010/main" val="3195920525"/>
       </p:ext>
     </p:extLst>
   </p:cSld>
@@ -842,7 +3388,7 @@
       </p:grpSpPr>
       <p:sp>
         <p:nvSpPr>
-          <p:cNvPr id="2" name="Заголовок 1"/>
+          <p:cNvPr id="2" name="Title 1"/>
           <p:cNvSpPr>
             <a:spLocks noGrp="1"/>
           </p:cNvSpPr>
@@ -852,15 +3398,15 @@
         </p:nvSpPr>
         <p:spPr>
           <a:xfrm>
-            <a:off x="831850" y="1709738"/>
-            <a:ext cx="10515600" cy="2852737"/>
+            <a:off x="2572279" y="2666999"/>
+            <a:ext cx="8930747" cy="2110382"/>
           </a:xfrm>
         </p:spPr>
         <p:txBody>
           <a:bodyPr anchor="b"/>
           <a:lstStyle>
-            <a:lvl1pPr>
-              <a:defRPr sz="6000"/>
+            <a:lvl1pPr algn="r">
+              <a:defRPr sz="4000" b="0" cap="none"/>
             </a:lvl1pPr>
           </a:lstStyle>
           <a:p>
@@ -868,13 +3414,13 @@
               <a:rPr lang="ru-RU" smtClean="0"/>
               <a:t>Образец заголовка</a:t>
             </a:r>
-            <a:endParaRPr lang="ru-RU"/>
-          </a:p>
-        </p:txBody>
-      </p:sp>
-      <p:sp>
-        <p:nvSpPr>
-          <p:cNvPr id="3" name="Текст 2"/>
+            <a:endParaRPr lang="en-US" dirty="0"/>
+          </a:p>
+        </p:txBody>
+      </p:sp>
+      <p:sp>
+        <p:nvSpPr>
+          <p:cNvPr id="3" name="Text Placeholder 2"/>
           <p:cNvSpPr>
             <a:spLocks noGrp="1"/>
           </p:cNvSpPr>
@@ -884,102 +3430,102 @@
         </p:nvSpPr>
         <p:spPr>
           <a:xfrm>
-            <a:off x="831850" y="4589463"/>
-            <a:ext cx="10515600" cy="1500187"/>
+            <a:off x="2572278" y="4777381"/>
+            <a:ext cx="8930748" cy="860400"/>
           </a:xfrm>
         </p:spPr>
         <p:txBody>
-          <a:bodyPr/>
+          <a:bodyPr anchor="t">
+            <a:normAutofit/>
+          </a:bodyPr>
           <a:lstStyle>
-            <a:lvl1pPr marL="0" indent="0">
-              <a:buNone/>
-              <a:defRPr sz="2400">
+            <a:lvl1pPr marL="0" indent="0" algn="r">
+              <a:buNone/>
+              <a:defRPr sz="2000">
+                <a:solidFill>
+                  <a:schemeClr val="tx1"/>
+                </a:solidFill>
+              </a:defRPr>
+            </a:lvl1pPr>
+            <a:lvl2pPr marL="457200" indent="0">
+              <a:buNone/>
+              <a:defRPr sz="1800">
                 <a:solidFill>
                   <a:schemeClr val="tx1">
                     <a:tint val="75000"/>
                   </a:schemeClr>
                 </a:solidFill>
               </a:defRPr>
-            </a:lvl1pPr>
-            <a:lvl2pPr marL="457200" indent="0">
-              <a:buNone/>
-              <a:defRPr sz="2000">
+            </a:lvl2pPr>
+            <a:lvl3pPr marL="914400" indent="0">
+              <a:buNone/>
+              <a:defRPr sz="1600">
                 <a:solidFill>
                   <a:schemeClr val="tx1">
                     <a:tint val="75000"/>
                   </a:schemeClr>
                 </a:solidFill>
               </a:defRPr>
-            </a:lvl2pPr>
-            <a:lvl3pPr marL="914400" indent="0">
-              <a:buNone/>
-              <a:defRPr sz="1800">
+            </a:lvl3pPr>
+            <a:lvl4pPr marL="1371600" indent="0">
+              <a:buNone/>
+              <a:defRPr sz="1400">
                 <a:solidFill>
                   <a:schemeClr val="tx1">
                     <a:tint val="75000"/>
                   </a:schemeClr>
                 </a:solidFill>
               </a:defRPr>
-            </a:lvl3pPr>
-            <a:lvl4pPr marL="1371600" indent="0">
-              <a:buNone/>
-              <a:defRPr sz="1600">
+            </a:lvl4pPr>
+            <a:lvl5pPr marL="1828800" indent="0">
+              <a:buNone/>
+              <a:defRPr sz="1400">
                 <a:solidFill>
                   <a:schemeClr val="tx1">
                     <a:tint val="75000"/>
                   </a:schemeClr>
                 </a:solidFill>
               </a:defRPr>
-            </a:lvl4pPr>
-            <a:lvl5pPr marL="1828800" indent="0">
-              <a:buNone/>
-              <a:defRPr sz="1600">
+            </a:lvl5pPr>
+            <a:lvl6pPr marL="2286000" indent="0">
+              <a:buNone/>
+              <a:defRPr sz="1400">
                 <a:solidFill>
                   <a:schemeClr val="tx1">
                     <a:tint val="75000"/>
                   </a:schemeClr>
                 </a:solidFill>
               </a:defRPr>
-            </a:lvl5pPr>
-            <a:lvl6pPr marL="2286000" indent="0">
-              <a:buNone/>
-              <a:defRPr sz="1600">
+            </a:lvl6pPr>
+            <a:lvl7pPr marL="2743200" indent="0">
+              <a:buNone/>
+              <a:defRPr sz="1400">
                 <a:solidFill>
                   <a:schemeClr val="tx1">
                     <a:tint val="75000"/>
                   </a:schemeClr>
                 </a:solidFill>
               </a:defRPr>
-            </a:lvl6pPr>
-            <a:lvl7pPr marL="2743200" indent="0">
-              <a:buNone/>
-              <a:defRPr sz="1600">
+            </a:lvl7pPr>
+            <a:lvl8pPr marL="3200400" indent="0">
+              <a:buNone/>
+              <a:defRPr sz="1400">
                 <a:solidFill>
                   <a:schemeClr val="tx1">
                     <a:tint val="75000"/>
                   </a:schemeClr>
                 </a:solidFill>
               </a:defRPr>
-            </a:lvl7pPr>
-            <a:lvl8pPr marL="3200400" indent="0">
-              <a:buNone/>
-              <a:defRPr sz="1600">
+            </a:lvl8pPr>
+            <a:lvl9pPr marL="3657600" indent="0">
+              <a:buNone/>
+              <a:defRPr sz="1400">
                 <a:solidFill>
                   <a:schemeClr val="tx1">
                     <a:tint val="75000"/>
                   </a:schemeClr>
                 </a:solidFill>
               </a:defRPr>
-            </a:lvl8pPr>
-            <a:lvl9pPr marL="3657600" indent="0">
-              <a:buNone/>
-              <a:defRPr sz="1600">
-                <a:solidFill>
-                  <a:schemeClr val="tx1">
-                    <a:tint val="75000"/>
-                  </a:schemeClr>
-                </a:solidFill>
-              </a:defRPr>
             </a:lvl9pPr>
           </a:lstStyle>
           <a:p>
@@ -993,7 +3539,7 @@
       </p:sp>
       <p:sp>
         <p:nvSpPr>
-          <p:cNvPr id="4" name="Дата 3"/>
+          <p:cNvPr id="4" name="Date Placeholder 3"/>
           <p:cNvSpPr>
             <a:spLocks noGrp="1"/>
           </p:cNvSpPr>
@@ -1016,7 +3562,7 @@
       </p:sp>
       <p:sp>
         <p:nvSpPr>
-          <p:cNvPr id="5" name="Нижний колонтитул 4"/>
+          <p:cNvPr id="5" name="Footer Placeholder 4"/>
           <p:cNvSpPr>
             <a:spLocks noGrp="1"/>
           </p:cNvSpPr>
@@ -1035,7 +3581,7 @@
       </p:sp>
       <p:sp>
         <p:nvSpPr>
-          <p:cNvPr id="6" name="Номер слайда 5"/>
+          <p:cNvPr id="6" name="Slide Number Placeholder 5"/>
           <p:cNvSpPr>
             <a:spLocks noGrp="1"/>
           </p:cNvSpPr>
@@ -1059,7 +3605,7 @@
     </p:spTree>
     <p:extLst>
       <p:ext uri="{BB962C8B-B14F-4D97-AF65-F5344CB8AC3E}">
-        <p14:creationId xmlns:p14="http://schemas.microsoft.com/office/powerpoint/2010/main" val="451829222"/>
+        <p14:creationId xmlns:p14="http://schemas.microsoft.com/office/powerpoint/2010/main" val="1867513799"/>
       </p:ext>
     </p:extLst>
   </p:cSld>
@@ -1088,7 +3634,7 @@
       </p:grpSpPr>
       <p:sp>
         <p:nvSpPr>
-          <p:cNvPr id="2" name="Заголовок 1"/>
+          <p:cNvPr id="2" name="Title 1"/>
           <p:cNvSpPr>
             <a:spLocks noGrp="1"/>
           </p:cNvSpPr>
@@ -1096,7 +3642,12 @@
             <p:ph type="title"/>
           </p:nvPr>
         </p:nvSpPr>
-        <p:spPr/>
+        <p:spPr>
+          <a:xfrm>
+            <a:off x="1484311" y="685800"/>
+            <a:ext cx="10018713" cy="1752599"/>
+          </a:xfrm>
+        </p:spPr>
         <p:txBody>
           <a:bodyPr/>
           <a:lstStyle/>
@@ -1105,13 +3656,13 @@
               <a:rPr lang="ru-RU" smtClean="0"/>
               <a:t>Образец заголовка</a:t>
             </a:r>
-            <a:endParaRPr lang="ru-RU"/>
-          </a:p>
-        </p:txBody>
-      </p:sp>
-      <p:sp>
-        <p:nvSpPr>
-          <p:cNvPr id="3" name="Объект 2"/>
+            <a:endParaRPr lang="en-US" dirty="0"/>
+          </a:p>
+        </p:txBody>
+      </p:sp>
+      <p:sp>
+        <p:nvSpPr>
+          <p:cNvPr id="3" name="Content Placeholder 2"/>
           <p:cNvSpPr>
             <a:spLocks noGrp="1"/>
           </p:cNvSpPr>
@@ -1121,13 +3672,43 @@
         </p:nvSpPr>
         <p:spPr>
           <a:xfrm>
-            <a:off x="838200" y="1825625"/>
-            <a:ext cx="5181600" cy="4351338"/>
+            <a:off x="1484312" y="2666999"/>
+            <a:ext cx="4895055" cy="3124201"/>
           </a:xfrm>
         </p:spPr>
         <p:txBody>
-          <a:bodyPr/>
-          <a:lstStyle/>
+          <a:bodyPr>
+            <a:normAutofit/>
+          </a:bodyPr>
+          <a:lstStyle>
+            <a:lvl1pPr>
+              <a:defRPr sz="1800"/>
+            </a:lvl1pPr>
+            <a:lvl2pPr>
+              <a:defRPr sz="1600"/>
+            </a:lvl2pPr>
+            <a:lvl3pPr>
+              <a:defRPr sz="1400"/>
+            </a:lvl3pPr>
+            <a:lvl4pPr>
+              <a:defRPr sz="1200"/>
+            </a:lvl4pPr>
+            <a:lvl5pPr>
+              <a:defRPr sz="1200"/>
+            </a:lvl5pPr>
+            <a:lvl6pPr>
+              <a:defRPr sz="1200"/>
+            </a:lvl6pPr>
+            <a:lvl7pPr>
+              <a:defRPr sz="1200"/>
+            </a:lvl7pPr>
+            <a:lvl8pPr>
+              <a:defRPr sz="1200"/>
+            </a:lvl8pPr>
+            <a:lvl9pPr>
+              <a:defRPr sz="1200"/>
+            </a:lvl9pPr>
+          </a:lstStyle>
           <a:p>
             <a:pPr lvl="0"/>
             <a:r>
@@ -1162,13 +3743,13 @@
               <a:rPr lang="ru-RU" smtClean="0"/>
               <a:t>Пятый уровень</a:t>
             </a:r>
-            <a:endParaRPr lang="ru-RU"/>
-          </a:p>
-        </p:txBody>
-      </p:sp>
-      <p:sp>
-        <p:nvSpPr>
-          <p:cNvPr id="4" name="Объект 3"/>
+            <a:endParaRPr lang="en-US" dirty="0"/>
+          </a:p>
+        </p:txBody>
+      </p:sp>
+      <p:sp>
+        <p:nvSpPr>
+          <p:cNvPr id="4" name="Content Placeholder 3"/>
           <p:cNvSpPr>
             <a:spLocks noGrp="1"/>
           </p:cNvSpPr>
@@ -1178,13 +3759,43 @@
         </p:nvSpPr>
         <p:spPr>
           <a:xfrm>
-            <a:off x="6172200" y="1825625"/>
-            <a:ext cx="5181600" cy="4351338"/>
+            <a:off x="6607967" y="2667000"/>
+            <a:ext cx="4895056" cy="3124200"/>
           </a:xfrm>
         </p:spPr>
         <p:txBody>
-          <a:bodyPr/>
-          <a:lstStyle/>
+          <a:bodyPr>
+            <a:normAutofit/>
+          </a:bodyPr>
+          <a:lstStyle>
+            <a:lvl1pPr>
+              <a:defRPr sz="1800"/>
+            </a:lvl1pPr>
+            <a:lvl2pPr>
+              <a:defRPr sz="1600"/>
+            </a:lvl2pPr>
+            <a:lvl3pPr>
+              <a:defRPr sz="1400"/>
+            </a:lvl3pPr>
+            <a:lvl4pPr>
+              <a:defRPr sz="1200"/>
+            </a:lvl4pPr>
+            <a:lvl5pPr>
+              <a:defRPr sz="1200"/>
+            </a:lvl5pPr>
+            <a:lvl6pPr>
+              <a:defRPr sz="1200"/>
+            </a:lvl6pPr>
+            <a:lvl7pPr>
+              <a:defRPr sz="1200"/>
+            </a:lvl7pPr>
+            <a:lvl8pPr>
+              <a:defRPr sz="1200"/>
+            </a:lvl8pPr>
+            <a:lvl9pPr>
+              <a:defRPr sz="1200"/>
+            </a:lvl9pPr>
+          </a:lstStyle>
           <a:p>
             <a:pPr lvl="0"/>
             <a:r>
@@ -1219,13 +3830,13 @@
               <a:rPr lang="ru-RU" smtClean="0"/>
               <a:t>Пятый уровень</a:t>
             </a:r>
-            <a:endParaRPr lang="ru-RU"/>
-          </a:p>
-        </p:txBody>
-      </p:sp>
-      <p:sp>
-        <p:nvSpPr>
-          <p:cNvPr id="5" name="Дата 4"/>
+            <a:endParaRPr lang="en-US" dirty="0"/>
+          </a:p>
+        </p:txBody>
+      </p:sp>
+      <p:sp>
+        <p:nvSpPr>
+          <p:cNvPr id="5" name="Date Placeholder 4"/>
           <p:cNvSpPr>
             <a:spLocks noGrp="1"/>
           </p:cNvSpPr>
@@ -1248,7 +3859,7 @@
       </p:sp>
       <p:sp>
         <p:nvSpPr>
-          <p:cNvPr id="6" name="Нижний колонтитул 5"/>
+          <p:cNvPr id="6" name="Footer Placeholder 5"/>
           <p:cNvSpPr>
             <a:spLocks noGrp="1"/>
           </p:cNvSpPr>
@@ -1267,7 +3878,7 @@
       </p:sp>
       <p:sp>
         <p:nvSpPr>
-          <p:cNvPr id="7" name="Номер слайда 6"/>
+          <p:cNvPr id="7" name="Slide Number Placeholder 6"/>
           <p:cNvSpPr>
             <a:spLocks noGrp="1"/>
           </p:cNvSpPr>
@@ -1291,7 +3902,7 @@
     </p:spTree>
     <p:extLst>
       <p:ext uri="{BB962C8B-B14F-4D97-AF65-F5344CB8AC3E}">
-        <p14:creationId xmlns:p14="http://schemas.microsoft.com/office/powerpoint/2010/main" val="3804570305"/>
+        <p14:creationId xmlns:p14="http://schemas.microsoft.com/office/powerpoint/2010/main" val="830137851"/>
       </p:ext>
     </p:extLst>
   </p:cSld>
@@ -1320,54 +3931,61 @@
       </p:grpSpPr>
       <p:sp>
         <p:nvSpPr>
-          <p:cNvPr id="2" name="Заголовок 1"/>
+          <p:cNvPr id="2" name="Title 1"/>
           <p:cNvSpPr>
             <a:spLocks noGrp="1"/>
           </p:cNvSpPr>
           <p:nvPr>
             <p:ph type="title"/>
+          </p:nvPr>
+        </p:nvSpPr>
+        <p:spPr/>
+        <p:txBody>
+          <a:bodyPr/>
+          <a:lstStyle>
+            <a:lvl1pPr>
+              <a:defRPr/>
+            </a:lvl1pPr>
+          </a:lstStyle>
+          <a:p>
+            <a:r>
+              <a:rPr lang="ru-RU" smtClean="0"/>
+              <a:t>Образец заголовка</a:t>
+            </a:r>
+            <a:endParaRPr lang="en-US" dirty="0"/>
+          </a:p>
+        </p:txBody>
+      </p:sp>
+      <p:sp>
+        <p:nvSpPr>
+          <p:cNvPr id="3" name="Text Placeholder 2"/>
+          <p:cNvSpPr>
+            <a:spLocks noGrp="1"/>
+          </p:cNvSpPr>
+          <p:nvPr>
+            <p:ph type="body" idx="1"/>
           </p:nvPr>
         </p:nvSpPr>
         <p:spPr>
           <a:xfrm>
-            <a:off x="839788" y="365125"/>
-            <a:ext cx="10515600" cy="1325563"/>
+            <a:off x="1772179" y="2658533"/>
+            <a:ext cx="4607188" cy="576262"/>
           </a:xfrm>
         </p:spPr>
         <p:txBody>
-          <a:bodyPr/>
-          <a:lstStyle/>
-          <a:p>
-            <a:r>
-              <a:rPr lang="ru-RU" smtClean="0"/>
-              <a:t>Образец заголовка</a:t>
-            </a:r>
-            <a:endParaRPr lang="ru-RU"/>
-          </a:p>
-        </p:txBody>
-      </p:sp>
-      <p:sp>
-        <p:nvSpPr>
-          <p:cNvPr id="3" name="Текст 2"/>
-          <p:cNvSpPr>
-            <a:spLocks noGrp="1"/>
-          </p:cNvSpPr>
-          <p:nvPr>
-            <p:ph type="body" idx="1"/>
-          </p:nvPr>
-        </p:nvSpPr>
-        <p:spPr>
-          <a:xfrm>
-            <a:off x="839788" y="1681163"/>
-            <a:ext cx="5157787" cy="823912"/>
-          </a:xfrm>
-        </p:spPr>
-        <p:txBody>
-          <a:bodyPr anchor="b"/>
+          <a:bodyPr anchor="b">
+            <a:noAutofit/>
+          </a:bodyPr>
           <a:lstStyle>
             <a:lvl1pPr marL="0" indent="0">
               <a:buNone/>
-              <a:defRPr sz="2400" b="1"/>
+              <a:defRPr sz="2800" b="0">
+                <a:solidFill>
+                  <a:schemeClr val="accent1">
+                    <a:lumMod val="75000"/>
+                  </a:schemeClr>
+                </a:solidFill>
+              </a:defRPr>
             </a:lvl1pPr>
             <a:lvl2pPr marL="457200" indent="0">
               <a:buNone/>
@@ -1413,7 +4031,7 @@
       </p:sp>
       <p:sp>
         <p:nvSpPr>
-          <p:cNvPr id="4" name="Объект 3"/>
+          <p:cNvPr id="4" name="Content Placeholder 3"/>
           <p:cNvSpPr>
             <a:spLocks noGrp="1"/>
           </p:cNvSpPr>
@@ -1423,13 +4041,43 @@
         </p:nvSpPr>
         <p:spPr>
           <a:xfrm>
-            <a:off x="839788" y="2505075"/>
-            <a:ext cx="5157787" cy="3684588"/>
+            <a:off x="1484311" y="3335337"/>
+            <a:ext cx="4895056" cy="2455862"/>
           </a:xfrm>
         </p:spPr>
         <p:txBody>
-          <a:bodyPr/>
-          <a:lstStyle/>
+          <a:bodyPr anchor="t">
+            <a:normAutofit/>
+          </a:bodyPr>
+          <a:lstStyle>
+            <a:lvl1pPr>
+              <a:defRPr sz="1800"/>
+            </a:lvl1pPr>
+            <a:lvl2pPr>
+              <a:defRPr sz="1600"/>
+            </a:lvl2pPr>
+            <a:lvl3pPr>
+              <a:defRPr sz="1400"/>
+            </a:lvl3pPr>
+            <a:lvl4pPr>
+              <a:defRPr sz="1200"/>
+            </a:lvl4pPr>
+            <a:lvl5pPr>
+              <a:defRPr sz="1200"/>
+            </a:lvl5pPr>
+            <a:lvl6pPr>
+              <a:defRPr sz="1200"/>
+            </a:lvl6pPr>
+            <a:lvl7pPr>
+              <a:defRPr sz="1200"/>
+            </a:lvl7pPr>
+            <a:lvl8pPr>
+              <a:defRPr sz="1200"/>
+            </a:lvl8pPr>
+            <a:lvl9pPr>
+              <a:defRPr sz="1200"/>
+            </a:lvl9pPr>
+          </a:lstStyle>
           <a:p>
             <a:pPr lvl="0"/>
             <a:r>
@@ -1464,13 +4112,13 @@
               <a:rPr lang="ru-RU" smtClean="0"/>
               <a:t>Пятый уровень</a:t>
             </a:r>
-            <a:endParaRPr lang="ru-RU"/>
-          </a:p>
-        </p:txBody>
-      </p:sp>
-      <p:sp>
-        <p:nvSpPr>
-          <p:cNvPr id="5" name="Текст 4"/>
+            <a:endParaRPr lang="en-US" dirty="0"/>
+          </a:p>
+        </p:txBody>
+      </p:sp>
+      <p:sp>
+        <p:nvSpPr>
+          <p:cNvPr id="5" name="Text Placeholder 4"/>
           <p:cNvSpPr>
             <a:spLocks noGrp="1"/>
           </p:cNvSpPr>
@@ -1480,16 +4128,24 @@
         </p:nvSpPr>
         <p:spPr>
           <a:xfrm>
-            <a:off x="6172200" y="1681163"/>
-            <a:ext cx="5183188" cy="823912"/>
+            <a:off x="6880487" y="2667000"/>
+            <a:ext cx="4622537" cy="576262"/>
           </a:xfrm>
         </p:spPr>
         <p:txBody>
-          <a:bodyPr anchor="b"/>
+          <a:bodyPr anchor="b">
+            <a:noAutofit/>
+          </a:bodyPr>
           <a:lstStyle>
             <a:lvl1pPr marL="0" indent="0">
               <a:buNone/>
-              <a:defRPr sz="2400" b="1"/>
+              <a:defRPr sz="2800" b="0">
+                <a:solidFill>
+                  <a:schemeClr val="accent1">
+                    <a:lumMod val="75000"/>
+                  </a:schemeClr>
+                </a:solidFill>
+              </a:defRPr>
             </a:lvl1pPr>
             <a:lvl2pPr marL="457200" indent="0">
               <a:buNone/>
@@ -1535,7 +4191,7 @@
       </p:sp>
       <p:sp>
         <p:nvSpPr>
-          <p:cNvPr id="6" name="Объект 5"/>
+          <p:cNvPr id="6" name="Content Placeholder 5"/>
           <p:cNvSpPr>
             <a:spLocks noGrp="1"/>
           </p:cNvSpPr>
@@ -1545,13 +4201,43 @@
         </p:nvSpPr>
         <p:spPr>
           <a:xfrm>
-            <a:off x="6172200" y="2505075"/>
-            <a:ext cx="5183188" cy="3684588"/>
+            <a:off x="6607967" y="3335337"/>
+            <a:ext cx="4895056" cy="2455862"/>
           </a:xfrm>
         </p:spPr>
         <p:txBody>
-          <a:bodyPr/>
-          <a:lstStyle/>
+          <a:bodyPr anchor="t">
+            <a:normAutofit/>
+          </a:bodyPr>
+          <a:lstStyle>
+            <a:lvl1pPr>
+              <a:defRPr sz="1800"/>
+            </a:lvl1pPr>
+            <a:lvl2pPr>
+              <a:defRPr sz="1600"/>
+            </a:lvl2pPr>
+            <a:lvl3pPr>
+              <a:defRPr sz="1400"/>
+            </a:lvl3pPr>
+            <a:lvl4pPr>
+              <a:defRPr sz="1200"/>
+            </a:lvl4pPr>
+            <a:lvl5pPr>
+              <a:defRPr sz="1200"/>
+            </a:lvl5pPr>
+            <a:lvl6pPr>
+              <a:defRPr sz="1200"/>
+            </a:lvl6pPr>
+            <a:lvl7pPr>
+              <a:defRPr sz="1200"/>
+            </a:lvl7pPr>
+            <a:lvl8pPr>
+              <a:defRPr sz="1200"/>
+            </a:lvl8pPr>
+            <a:lvl9pPr>
+              <a:defRPr sz="1200"/>
+            </a:lvl9pPr>
+          </a:lstStyle>
           <a:p>
             <a:pPr lvl="0"/>
             <a:r>
@@ -1586,13 +4272,13 @@
               <a:rPr lang="ru-RU" smtClean="0"/>
               <a:t>Пятый уровень</a:t>
             </a:r>
-            <a:endParaRPr lang="ru-RU"/>
-          </a:p>
-        </p:txBody>
-      </p:sp>
-      <p:sp>
-        <p:nvSpPr>
-          <p:cNvPr id="7" name="Дата 6"/>
+            <a:endParaRPr lang="en-US" dirty="0"/>
+          </a:p>
+        </p:txBody>
+      </p:sp>
+      <p:sp>
+        <p:nvSpPr>
+          <p:cNvPr id="7" name="Date Placeholder 6"/>
           <p:cNvSpPr>
             <a:spLocks noGrp="1"/>
           </p:cNvSpPr>
@@ -1615,7 +4301,7 @@
       </p:sp>
       <p:sp>
         <p:nvSpPr>
-          <p:cNvPr id="8" name="Нижний колонтитул 7"/>
+          <p:cNvPr id="8" name="Footer Placeholder 7"/>
           <p:cNvSpPr>
             <a:spLocks noGrp="1"/>
           </p:cNvSpPr>
@@ -1634,7 +4320,7 @@
       </p:sp>
       <p:sp>
         <p:nvSpPr>
-          <p:cNvPr id="9" name="Номер слайда 8"/>
+          <p:cNvPr id="9" name="Slide Number Placeholder 8"/>
           <p:cNvSpPr>
             <a:spLocks noGrp="1"/>
           </p:cNvSpPr>
@@ -1658,7 +4344,7 @@
     </p:spTree>
     <p:extLst>
       <p:ext uri="{BB962C8B-B14F-4D97-AF65-F5344CB8AC3E}">
-        <p14:creationId xmlns:p14="http://schemas.microsoft.com/office/powerpoint/2010/main" val="863409741"/>
+        <p14:creationId xmlns:p14="http://schemas.microsoft.com/office/powerpoint/2010/main" val="1403891314"/>
       </p:ext>
     </p:extLst>
   </p:cSld>
@@ -1687,7 +4373,7 @@
       </p:grpSpPr>
       <p:sp>
         <p:nvSpPr>
-          <p:cNvPr id="2" name="Заголовок 1"/>
+          <p:cNvPr id="2" name="Title 1"/>
           <p:cNvSpPr>
             <a:spLocks noGrp="1"/>
           </p:cNvSpPr>
@@ -1704,13 +4390,13 @@
               <a:rPr lang="ru-RU" smtClean="0"/>
               <a:t>Образец заголовка</a:t>
             </a:r>
-            <a:endParaRPr lang="ru-RU"/>
-          </a:p>
-        </p:txBody>
-      </p:sp>
-      <p:sp>
-        <p:nvSpPr>
-          <p:cNvPr id="3" name="Дата 2"/>
+            <a:endParaRPr lang="en-US" dirty="0"/>
+          </a:p>
+        </p:txBody>
+      </p:sp>
+      <p:sp>
+        <p:nvSpPr>
+          <p:cNvPr id="3" name="Date Placeholder 2"/>
           <p:cNvSpPr>
             <a:spLocks noGrp="1"/>
           </p:cNvSpPr>
@@ -1733,7 +4419,7 @@
       </p:sp>
       <p:sp>
         <p:nvSpPr>
-          <p:cNvPr id="4" name="Нижний колонтитул 3"/>
+          <p:cNvPr id="4" name="Footer Placeholder 3"/>
           <p:cNvSpPr>
             <a:spLocks noGrp="1"/>
           </p:cNvSpPr>
@@ -1752,7 +4438,7 @@
       </p:sp>
       <p:sp>
         <p:nvSpPr>
-          <p:cNvPr id="5" name="Номер слайда 4"/>
+          <p:cNvPr id="5" name="Slide Number Placeholder 4"/>
           <p:cNvSpPr>
             <a:spLocks noGrp="1"/>
           </p:cNvSpPr>
@@ -1776,7 +4462,7 @@
     </p:spTree>
     <p:extLst>
       <p:ext uri="{BB962C8B-B14F-4D97-AF65-F5344CB8AC3E}">
-        <p14:creationId xmlns:p14="http://schemas.microsoft.com/office/powerpoint/2010/main" val="548448122"/>
+        <p14:creationId xmlns:p14="http://schemas.microsoft.com/office/powerpoint/2010/main" val="3048798453"/>
       </p:ext>
     </p:extLst>
   </p:cSld>
@@ -1805,7 +4491,7 @@
       </p:grpSpPr>
       <p:sp>
         <p:nvSpPr>
-          <p:cNvPr id="2" name="Дата 1"/>
+          <p:cNvPr id="2" name="Date Placeholder 1"/>
           <p:cNvSpPr>
             <a:spLocks noGrp="1"/>
           </p:cNvSpPr>
@@ -1828,7 +4514,7 @@
       </p:sp>
       <p:sp>
         <p:nvSpPr>
-          <p:cNvPr id="3" name="Нижний колонтитул 2"/>
+          <p:cNvPr id="3" name="Footer Placeholder 2"/>
           <p:cNvSpPr>
             <a:spLocks noGrp="1"/>
           </p:cNvSpPr>
@@ -1847,7 +4533,7 @@
       </p:sp>
       <p:sp>
         <p:nvSpPr>
-          <p:cNvPr id="4" name="Номер слайда 3"/>
+          <p:cNvPr id="4" name="Slide Number Placeholder 3"/>
           <p:cNvSpPr>
             <a:spLocks noGrp="1"/>
           </p:cNvSpPr>
@@ -1871,7 +4557,7 @@
     </p:spTree>
     <p:extLst>
       <p:ext uri="{BB962C8B-B14F-4D97-AF65-F5344CB8AC3E}">
-        <p14:creationId xmlns:p14="http://schemas.microsoft.com/office/powerpoint/2010/main" val="3569041934"/>
+        <p14:creationId xmlns:p14="http://schemas.microsoft.com/office/powerpoint/2010/main" val="2059615563"/>
       </p:ext>
     </p:extLst>
   </p:cSld>
@@ -1900,7 +4586,7 @@
       </p:grpSpPr>
       <p:sp>
         <p:nvSpPr>
-          <p:cNvPr id="2" name="Заголовок 1"/>
+          <p:cNvPr id="2" name="Title 1"/>
           <p:cNvSpPr>
             <a:spLocks noGrp="1"/>
           </p:cNvSpPr>
@@ -1910,165 +4596,171 @@
         </p:nvSpPr>
         <p:spPr>
           <a:xfrm>
-            <a:off x="839788" y="457200"/>
-            <a:ext cx="3932237" cy="1600200"/>
+            <a:off x="1484312" y="1600200"/>
+            <a:ext cx="3549121" cy="1371600"/>
           </a:xfrm>
         </p:spPr>
         <p:txBody>
-          <a:bodyPr anchor="b"/>
+          <a:bodyPr anchor="b">
+            <a:normAutofit/>
+          </a:bodyPr>
+          <a:lstStyle>
+            <a:lvl1pPr algn="ctr">
+              <a:defRPr sz="2400" b="0"/>
+            </a:lvl1pPr>
+          </a:lstStyle>
+          <a:p>
+            <a:r>
+              <a:rPr lang="ru-RU" smtClean="0"/>
+              <a:t>Образец заголовка</a:t>
+            </a:r>
+            <a:endParaRPr lang="en-US" dirty="0"/>
+          </a:p>
+        </p:txBody>
+      </p:sp>
+      <p:sp>
+        <p:nvSpPr>
+          <p:cNvPr id="3" name="Content Placeholder 2"/>
+          <p:cNvSpPr>
+            <a:spLocks noGrp="1"/>
+          </p:cNvSpPr>
+          <p:nvPr>
+            <p:ph idx="1"/>
+          </p:nvPr>
+        </p:nvSpPr>
+        <p:spPr>
+          <a:xfrm>
+            <a:off x="5262033" y="685799"/>
+            <a:ext cx="6240990" cy="5105401"/>
+          </a:xfrm>
+        </p:spPr>
+        <p:txBody>
+          <a:bodyPr anchor="ctr">
+            <a:normAutofit/>
+          </a:bodyPr>
           <a:lstStyle>
             <a:lvl1pPr>
-              <a:defRPr sz="3200"/>
+              <a:defRPr sz="2000"/>
             </a:lvl1pPr>
+            <a:lvl2pPr>
+              <a:defRPr sz="1800"/>
+            </a:lvl2pPr>
+            <a:lvl3pPr>
+              <a:defRPr sz="1600"/>
+            </a:lvl3pPr>
+            <a:lvl4pPr>
+              <a:defRPr sz="1400"/>
+            </a:lvl4pPr>
+            <a:lvl5pPr>
+              <a:defRPr sz="1400"/>
+            </a:lvl5pPr>
+            <a:lvl6pPr>
+              <a:defRPr sz="1400"/>
+            </a:lvl6pPr>
+            <a:lvl7pPr>
+              <a:defRPr sz="1400"/>
+            </a:lvl7pPr>
+            <a:lvl8pPr>
+              <a:defRPr sz="1400"/>
+            </a:lvl8pPr>
+            <a:lvl9pPr>
+              <a:defRPr sz="1400"/>
+            </a:lvl9pPr>
           </a:lstStyle>
           <a:p>
-            <a:r>
-              <a:rPr lang="ru-RU" smtClean="0"/>
-              <a:t>Образец заголовка</a:t>
-            </a:r>
-            <a:endParaRPr lang="ru-RU"/>
-          </a:p>
-        </p:txBody>
-      </p:sp>
-      <p:sp>
-        <p:nvSpPr>
-          <p:cNvPr id="3" name="Объект 2"/>
-          <p:cNvSpPr>
-            <a:spLocks noGrp="1"/>
-          </p:cNvSpPr>
-          <p:nvPr>
-            <p:ph idx="1"/>
+            <a:pPr lvl="0"/>
+            <a:r>
+              <a:rPr lang="ru-RU" smtClean="0"/>
+              <a:t>Образец текста</a:t>
+            </a:r>
+          </a:p>
+          <a:p>
+            <a:pPr lvl="1"/>
+            <a:r>
+              <a:rPr lang="ru-RU" smtClean="0"/>
+              <a:t>Второй уровень</a:t>
+            </a:r>
+          </a:p>
+          <a:p>
+            <a:pPr lvl="2"/>
+            <a:r>
+              <a:rPr lang="ru-RU" smtClean="0"/>
+              <a:t>Третий уровень</a:t>
+            </a:r>
+          </a:p>
+          <a:p>
+            <a:pPr lvl="3"/>
+            <a:r>
+              <a:rPr lang="ru-RU" smtClean="0"/>
+              <a:t>Четвертый уровень</a:t>
+            </a:r>
+          </a:p>
+          <a:p>
+            <a:pPr lvl="4"/>
+            <a:r>
+              <a:rPr lang="ru-RU" smtClean="0"/>
+              <a:t>Пятый уровень</a:t>
+            </a:r>
+            <a:endParaRPr lang="en-US" dirty="0"/>
+          </a:p>
+        </p:txBody>
+      </p:sp>
+      <p:sp>
+        <p:nvSpPr>
+          <p:cNvPr id="4" name="Text Placeholder 3"/>
+          <p:cNvSpPr>
+            <a:spLocks noGrp="1"/>
+          </p:cNvSpPr>
+          <p:nvPr>
+            <p:ph type="body" sz="half" idx="2"/>
           </p:nvPr>
         </p:nvSpPr>
         <p:spPr>
           <a:xfrm>
-            <a:off x="5183188" y="987425"/>
-            <a:ext cx="6172200" cy="4873625"/>
+            <a:off x="1484312" y="2971800"/>
+            <a:ext cx="3549121" cy="1828800"/>
           </a:xfrm>
         </p:spPr>
         <p:txBody>
-          <a:bodyPr/>
+          <a:bodyPr>
+            <a:normAutofit/>
+          </a:bodyPr>
           <a:lstStyle>
-            <a:lvl1pPr>
-              <a:defRPr sz="3200"/>
-            </a:lvl1pPr>
-            <a:lvl2pPr>
-              <a:defRPr sz="2800"/>
-            </a:lvl2pPr>
-            <a:lvl3pPr>
-              <a:defRPr sz="2400"/>
-            </a:lvl3pPr>
-            <a:lvl4pPr>
-              <a:defRPr sz="2000"/>
-            </a:lvl4pPr>
-            <a:lvl5pPr>
-              <a:defRPr sz="2000"/>
-            </a:lvl5pPr>
-            <a:lvl6pPr>
-              <a:defRPr sz="2000"/>
-            </a:lvl6pPr>
-            <a:lvl7pPr>
-              <a:defRPr sz="2000"/>
-            </a:lvl7pPr>
-            <a:lvl8pPr>
-              <a:defRPr sz="2000"/>
-            </a:lvl8pPr>
-            <a:lvl9pPr>
-              <a:defRPr sz="2000"/>
-            </a:lvl9pPr>
-          </a:lstStyle>
-          <a:p>
-            <a:pPr lvl="0"/>
-            <a:r>
-              <a:rPr lang="ru-RU" smtClean="0"/>
-              <a:t>Образец текста</a:t>
-            </a:r>
-          </a:p>
-          <a:p>
-            <a:pPr lvl="1"/>
-            <a:r>
-              <a:rPr lang="ru-RU" smtClean="0"/>
-              <a:t>Второй уровень</a:t>
-            </a:r>
-          </a:p>
-          <a:p>
-            <a:pPr lvl="2"/>
-            <a:r>
-              <a:rPr lang="ru-RU" smtClean="0"/>
-              <a:t>Третий уровень</a:t>
-            </a:r>
-          </a:p>
-          <a:p>
-            <a:pPr lvl="3"/>
-            <a:r>
-              <a:rPr lang="ru-RU" smtClean="0"/>
-              <a:t>Четвертый уровень</a:t>
-            </a:r>
-          </a:p>
-          <a:p>
-            <a:pPr lvl="4"/>
-            <a:r>
-              <a:rPr lang="ru-RU" smtClean="0"/>
-              <a:t>Пятый уровень</a:t>
-            </a:r>
-            <a:endParaRPr lang="ru-RU"/>
-          </a:p>
-        </p:txBody>
-      </p:sp>
-      <p:sp>
-        <p:nvSpPr>
-          <p:cNvPr id="4" name="Текст 3"/>
-          <p:cNvSpPr>
-            <a:spLocks noGrp="1"/>
-          </p:cNvSpPr>
-          <p:nvPr>
-            <p:ph type="body" sz="half" idx="2"/>
-          </p:nvPr>
-        </p:nvSpPr>
-        <p:spPr>
-          <a:xfrm>
-            <a:off x="839788" y="2057400"/>
-            <a:ext cx="3932237" cy="3811588"/>
-          </a:xfrm>
-        </p:spPr>
-        <p:txBody>
-          <a:bodyPr/>
-          <a:lstStyle>
-            <a:lvl1pPr marL="0" indent="0">
+            <a:lvl1pPr marL="0" indent="0" algn="ctr">
               <a:buNone/>
               <a:defRPr sz="1600"/>
             </a:lvl1pPr>
             <a:lvl2pPr marL="457200" indent="0">
               <a:buNone/>
-              <a:defRPr sz="1400"/>
+              <a:defRPr sz="1200"/>
             </a:lvl2pPr>
             <a:lvl3pPr marL="914400" indent="0">
               <a:buNone/>
-              <a:defRPr sz="1200"/>
+              <a:defRPr sz="1000"/>
             </a:lvl3pPr>
             <a:lvl4pPr marL="1371600" indent="0">
               <a:buNone/>
-              <a:defRPr sz="1000"/>
+              <a:defRPr sz="900"/>
             </a:lvl4pPr>
             <a:lvl5pPr marL="1828800" indent="0">
               <a:buNone/>
-              <a:defRPr sz="1000"/>
+              <a:defRPr sz="900"/>
             </a:lvl5pPr>
             <a:lvl6pPr marL="2286000" indent="0">
               <a:buNone/>
-              <a:defRPr sz="1000"/>
+              <a:defRPr sz="900"/>
             </a:lvl6pPr>
             <a:lvl7pPr marL="2743200" indent="0">
               <a:buNone/>
-              <a:defRPr sz="1000"/>
+              <a:defRPr sz="900"/>
             </a:lvl7pPr>
             <a:lvl8pPr marL="3200400" indent="0">
               <a:buNone/>
-              <a:defRPr sz="1000"/>
+              <a:defRPr sz="900"/>
             </a:lvl8pPr>
             <a:lvl9pPr marL="3657600" indent="0">
               <a:buNone/>
-              <a:defRPr sz="1000"/>
+              <a:defRPr sz="900"/>
             </a:lvl9pPr>
           </a:lstStyle>
           <a:p>
@@ -2082,7 +4774,7 @@
       </p:sp>
       <p:sp>
         <p:nvSpPr>
-          <p:cNvPr id="5" name="Дата 4"/>
+          <p:cNvPr id="5" name="Date Placeholder 4"/>
           <p:cNvSpPr>
             <a:spLocks noGrp="1"/>
           </p:cNvSpPr>
@@ -2105,7 +4797,7 @@
       </p:sp>
       <p:sp>
         <p:nvSpPr>
-          <p:cNvPr id="6" name="Нижний колонтитул 5"/>
+          <p:cNvPr id="6" name="Footer Placeholder 5"/>
           <p:cNvSpPr>
             <a:spLocks noGrp="1"/>
           </p:cNvSpPr>
@@ -2124,7 +4816,7 @@
       </p:sp>
       <p:sp>
         <p:nvSpPr>
-          <p:cNvPr id="7" name="Номер слайда 6"/>
+          <p:cNvPr id="7" name="Slide Number Placeholder 6"/>
           <p:cNvSpPr>
             <a:spLocks noGrp="1"/>
           </p:cNvSpPr>
@@ -2148,7 +4840,7 @@
     </p:spTree>
     <p:extLst>
       <p:ext uri="{BB962C8B-B14F-4D97-AF65-F5344CB8AC3E}">
-        <p14:creationId xmlns:p14="http://schemas.microsoft.com/office/powerpoint/2010/main" val="1636077536"/>
+        <p14:creationId xmlns:p14="http://schemas.microsoft.com/office/powerpoint/2010/main" val="2742038393"/>
       </p:ext>
     </p:extLst>
   </p:cSld>
@@ -2177,7 +4869,7 @@
       </p:grpSpPr>
       <p:sp>
         <p:nvSpPr>
-          <p:cNvPr id="2" name="Заголовок 1"/>
+          <p:cNvPr id="2" name="Title 1"/>
           <p:cNvSpPr>
             <a:spLocks noGrp="1"/>
           </p:cNvSpPr>
@@ -2187,15 +4879,17 @@
         </p:nvSpPr>
         <p:spPr>
           <a:xfrm>
-            <a:off x="839788" y="457200"/>
-            <a:ext cx="3932237" cy="1600200"/>
+            <a:off x="1482724" y="1752599"/>
+            <a:ext cx="5426158" cy="1371600"/>
           </a:xfrm>
         </p:spPr>
         <p:txBody>
-          <a:bodyPr anchor="b"/>
+          <a:bodyPr anchor="b">
+            <a:normAutofit/>
+          </a:bodyPr>
           <a:lstStyle>
-            <a:lvl1pPr>
-              <a:defRPr sz="3200"/>
+            <a:lvl1pPr algn="ctr">
+              <a:defRPr sz="2800" b="0"/>
             </a:lvl1pPr>
           </a:lstStyle>
           <a:p>
@@ -2203,15 +4897,15 @@
               <a:rPr lang="ru-RU" smtClean="0"/>
               <a:t>Образец заголовка</a:t>
             </a:r>
-            <a:endParaRPr lang="ru-RU"/>
-          </a:p>
-        </p:txBody>
-      </p:sp>
-      <p:sp>
-        <p:nvSpPr>
-          <p:cNvPr id="3" name="Рисунок 2"/>
-          <p:cNvSpPr>
-            <a:spLocks noGrp="1"/>
+            <a:endParaRPr lang="en-US" dirty="0"/>
+          </a:p>
+        </p:txBody>
+      </p:sp>
+      <p:sp>
+        <p:nvSpPr>
+          <p:cNvPr id="14" name="Picture Placeholder 2"/>
+          <p:cNvSpPr>
+            <a:spLocks noGrp="1" noChangeAspect="1"/>
           </p:cNvSpPr>
           <p:nvPr>
             <p:ph type="pic" idx="1"/>
@@ -2219,112 +4913,148 @@
         </p:nvSpPr>
         <p:spPr>
           <a:xfrm>
-            <a:off x="5183188" y="987425"/>
-            <a:ext cx="6172200" cy="4873625"/>
+            <a:off x="7594682" y="914400"/>
+            <a:ext cx="3280974" cy="4572000"/>
           </a:xfrm>
+          <a:prstGeom prst="roundRect">
+            <a:avLst>
+              <a:gd name="adj" fmla="val 4280"/>
+            </a:avLst>
+          </a:prstGeom>
+          <a:ln w="38100">
+            <a:gradFill flip="none" rotWithShape="1">
+              <a:gsLst>
+                <a:gs pos="0">
+                  <a:schemeClr val="bg2"/>
+                </a:gs>
+                <a:gs pos="100000">
+                  <a:schemeClr val="bg2">
+                    <a:lumMod val="75000"/>
+                  </a:schemeClr>
+                </a:gs>
+              </a:gsLst>
+              <a:lin ang="5400000" scaled="0"/>
+              <a:tileRect/>
+            </a:gradFill>
+          </a:ln>
+          <a:effectLst>
+            <a:innerShdw blurRad="57150" dist="38100" dir="14460000">
+              <a:srgbClr val="000000">
+                <a:alpha val="70000"/>
+              </a:srgbClr>
+            </a:innerShdw>
+          </a:effectLst>
         </p:spPr>
         <p:txBody>
-          <a:bodyPr/>
+          <a:bodyPr anchor="t">
+            <a:normAutofit/>
+          </a:bodyPr>
           <a:lstStyle>
-            <a:lvl1pPr marL="0" indent="0">
-              <a:buNone/>
-              <a:defRPr sz="3200"/>
-            </a:lvl1pPr>
-            <a:lvl2pPr marL="457200" indent="0">
-              <a:buNone/>
-              <a:defRPr sz="2800"/>
-            </a:lvl2pPr>
-            <a:lvl3pPr marL="914400" indent="0">
-              <a:buNone/>
-              <a:defRPr sz="2400"/>
-            </a:lvl3pPr>
-            <a:lvl4pPr marL="1371600" indent="0">
-              <a:buNone/>
-              <a:defRPr sz="2000"/>
-            </a:lvl4pPr>
-            <a:lvl5pPr marL="1828800" indent="0">
-              <a:buNone/>
-              <a:defRPr sz="2000"/>
-            </a:lvl5pPr>
-            <a:lvl6pPr marL="2286000" indent="0">
-              <a:buNone/>
-              <a:defRPr sz="2000"/>
-            </a:lvl6pPr>
-            <a:lvl7pPr marL="2743200" indent="0">
-              <a:buNone/>
-              <a:defRPr sz="2000"/>
-            </a:lvl7pPr>
-            <a:lvl8pPr marL="3200400" indent="0">
-              <a:buNone/>
-              <a:defRPr sz="2000"/>
-            </a:lvl8pPr>
-            <a:lvl9pPr marL="3657600" indent="0">
-              <a:buNone/>
-              <a:defRPr sz="2000"/>
-            </a:lvl9pPr>
-          </a:lstStyle>
-          <a:p>
-            <a:endParaRPr lang="ru-RU"/>
-          </a:p>
-        </p:txBody>
-      </p:sp>
-      <p:sp>
-        <p:nvSpPr>
-          <p:cNvPr id="4" name="Текст 3"/>
-          <p:cNvSpPr>
-            <a:spLocks noGrp="1"/>
-          </p:cNvSpPr>
-          <p:nvPr>
-            <p:ph type="body" sz="half" idx="2"/>
-          </p:nvPr>
-        </p:nvSpPr>
-        <p:spPr>
-          <a:xfrm>
-            <a:off x="839788" y="2057400"/>
-            <a:ext cx="3932237" cy="3811588"/>
-          </a:xfrm>
-        </p:spPr>
-        <p:txBody>
-          <a:bodyPr/>
-          <a:lstStyle>
-            <a:lvl1pPr marL="0" indent="0">
+            <a:lvl1pPr marL="0" indent="0" algn="ctr">
               <a:buNone/>
               <a:defRPr sz="1600"/>
             </a:lvl1pPr>
             <a:lvl2pPr marL="457200" indent="0">
               <a:buNone/>
-              <a:defRPr sz="1400"/>
+              <a:defRPr sz="1600"/>
             </a:lvl2pPr>
             <a:lvl3pPr marL="914400" indent="0">
               <a:buNone/>
-              <a:defRPr sz="1200"/>
+              <a:defRPr sz="1600"/>
             </a:lvl3pPr>
             <a:lvl4pPr marL="1371600" indent="0">
               <a:buNone/>
-              <a:defRPr sz="1000"/>
+              <a:defRPr sz="1600"/>
             </a:lvl4pPr>
             <a:lvl5pPr marL="1828800" indent="0">
               <a:buNone/>
-              <a:defRPr sz="1000"/>
+              <a:defRPr sz="1600"/>
             </a:lvl5pPr>
             <a:lvl6pPr marL="2286000" indent="0">
               <a:buNone/>
-              <a:defRPr sz="1000"/>
+              <a:defRPr sz="1600"/>
             </a:lvl6pPr>
             <a:lvl7pPr marL="2743200" indent="0">
               <a:buNone/>
-              <a:defRPr sz="1000"/>
+              <a:defRPr sz="1600"/>
             </a:lvl7pPr>
             <a:lvl8pPr marL="3200400" indent="0">
               <a:buNone/>
-              <a:defRPr sz="1000"/>
+              <a:defRPr sz="1600"/>
             </a:lvl8pPr>
             <a:lvl9pPr marL="3657600" indent="0">
               <a:buNone/>
-              <a:defRPr sz="1000"/>
+              <a:defRPr sz="1600"/>
             </a:lvl9pPr>
           </a:lstStyle>
           <a:p>
+            <a:r>
+              <a:rPr lang="ru-RU" smtClean="0"/>
+              <a:t>Вставка рисунка</a:t>
+            </a:r>
+            <a:endParaRPr lang="en-US" dirty="0"/>
+          </a:p>
+        </p:txBody>
+      </p:sp>
+      <p:sp>
+        <p:nvSpPr>
+          <p:cNvPr id="4" name="Text Placeholder 3"/>
+          <p:cNvSpPr>
+            <a:spLocks noGrp="1"/>
+          </p:cNvSpPr>
+          <p:nvPr>
+            <p:ph type="body" sz="half" idx="2"/>
+          </p:nvPr>
+        </p:nvSpPr>
+        <p:spPr>
+          <a:xfrm>
+            <a:off x="1482724" y="3124199"/>
+            <a:ext cx="5426158" cy="1828800"/>
+          </a:xfrm>
+        </p:spPr>
+        <p:txBody>
+          <a:bodyPr>
+            <a:normAutofit/>
+          </a:bodyPr>
+          <a:lstStyle>
+            <a:lvl1pPr marL="0" indent="0" algn="ctr">
+              <a:buNone/>
+              <a:defRPr sz="1800"/>
+            </a:lvl1pPr>
+            <a:lvl2pPr marL="457200" indent="0">
+              <a:buNone/>
+              <a:defRPr sz="1200"/>
+            </a:lvl2pPr>
+            <a:lvl3pPr marL="914400" indent="0">
+              <a:buNone/>
+              <a:defRPr sz="1000"/>
+            </a:lvl3pPr>
+            <a:lvl4pPr marL="1371600" indent="0">
+              <a:buNone/>
+              <a:defRPr sz="900"/>
+            </a:lvl4pPr>
+            <a:lvl5pPr marL="1828800" indent="0">
+              <a:buNone/>
+              <a:defRPr sz="900"/>
+            </a:lvl5pPr>
+            <a:lvl6pPr marL="2286000" indent="0">
+              <a:buNone/>
+              <a:defRPr sz="900"/>
+            </a:lvl6pPr>
+            <a:lvl7pPr marL="2743200" indent="0">
+              <a:buNone/>
+              <a:defRPr sz="900"/>
+            </a:lvl7pPr>
+            <a:lvl8pPr marL="3200400" indent="0">
+              <a:buNone/>
+              <a:defRPr sz="900"/>
+            </a:lvl8pPr>
+            <a:lvl9pPr marL="3657600" indent="0">
+              <a:buNone/>
+              <a:defRPr sz="900"/>
+            </a:lvl9pPr>
+          </a:lstStyle>
+          <a:p>
             <a:pPr lvl="0"/>
             <a:r>
               <a:rPr lang="ru-RU" smtClean="0"/>
@@ -2335,7 +5065,7 @@
       </p:sp>
       <p:sp>
         <p:nvSpPr>
-          <p:cNvPr id="5" name="Дата 4"/>
+          <p:cNvPr id="5" name="Date Placeholder 4"/>
           <p:cNvSpPr>
             <a:spLocks noGrp="1"/>
           </p:cNvSpPr>
@@ -2358,7 +5088,7 @@
       </p:sp>
       <p:sp>
         <p:nvSpPr>
-          <p:cNvPr id="6" name="Нижний колонтитул 5"/>
+          <p:cNvPr id="6" name="Footer Placeholder 5"/>
           <p:cNvSpPr>
             <a:spLocks noGrp="1"/>
           </p:cNvSpPr>
@@ -2377,7 +5107,7 @@
       </p:sp>
       <p:sp>
         <p:nvSpPr>
-          <p:cNvPr id="7" name="Номер слайда 6"/>
+          <p:cNvPr id="7" name="Slide Number Placeholder 6"/>
           <p:cNvSpPr>
             <a:spLocks noGrp="1"/>
           </p:cNvSpPr>
@@ -2401,7 +5131,7 @@
     </p:spTree>
     <p:extLst>
       <p:ext uri="{BB962C8B-B14F-4D97-AF65-F5344CB8AC3E}">
-        <p14:creationId xmlns:p14="http://schemas.microsoft.com/office/powerpoint/2010/main" val="2021748358"/>
+        <p14:creationId xmlns:p14="http://schemas.microsoft.com/office/powerpoint/2010/main" val="1659543351"/>
       </p:ext>
     </p:extLst>
   </p:cSld>
@@ -2415,8 +5145,8 @@
 <p:sldMaster xmlns:a="http://schemas.openxmlformats.org/drawingml/2006/main" xmlns:r="http://schemas.openxmlformats.org/officeDocument/2006/relationships" xmlns:p="http://schemas.openxmlformats.org/presentationml/2006/main">
   <p:cSld>
     <p:bg>
-      <p:bgRef idx="1001">
-        <a:schemeClr val="bg1"/>
+      <p:bgRef idx="1003">
+        <a:schemeClr val="bg2"/>
       </p:bgRef>
     </p:bg>
     <p:spTree>
@@ -2433,9 +5163,325 @@
           <a:chExt cx="0" cy="0"/>
         </a:xfrm>
       </p:grpSpPr>
-      <p:sp>
-        <p:nvSpPr>
-          <p:cNvPr id="2" name="Заголовок 1"/>
+      <p:grpSp>
+        <p:nvGrpSpPr>
+          <p:cNvPr id="7" name="Group 6"/>
+          <p:cNvGrpSpPr/>
+          <p:nvPr/>
+        </p:nvGrpSpPr>
+        <p:grpSpPr>
+          <a:xfrm>
+            <a:off x="150812" y="0"/>
+            <a:ext cx="2436813" cy="6858001"/>
+            <a:chOff x="1320800" y="0"/>
+            <a:chExt cx="2436813" cy="6858001"/>
+          </a:xfrm>
+        </p:grpSpPr>
+        <p:sp>
+          <p:nvSpPr>
+            <p:cNvPr id="8" name="Freeform 6"/>
+            <p:cNvSpPr/>
+            <p:nvPr/>
+          </p:nvSpPr>
+          <p:spPr bwMode="auto">
+            <a:xfrm>
+              <a:off x="1627188" y="0"/>
+              <a:ext cx="1122363" cy="5329238"/>
+            </a:xfrm>
+            <a:custGeom>
+              <a:avLst/>
+              <a:gdLst/>
+              <a:ahLst/>
+              <a:cxnLst/>
+              <a:rect l="0" t="0" r="r" b="b"/>
+              <a:pathLst>
+                <a:path w="707" h="3357">
+                  <a:moveTo>
+                    <a:pt x="0" y="3330"/>
+                  </a:moveTo>
+                  <a:lnTo>
+                    <a:pt x="156" y="3357"/>
+                  </a:lnTo>
+                  <a:lnTo>
+                    <a:pt x="707" y="0"/>
+                  </a:lnTo>
+                  <a:lnTo>
+                    <a:pt x="547" y="0"/>
+                  </a:lnTo>
+                  <a:lnTo>
+                    <a:pt x="0" y="3330"/>
+                  </a:lnTo>
+                  <a:close/>
+                </a:path>
+              </a:pathLst>
+            </a:custGeom>
+            <a:solidFill>
+              <a:schemeClr val="accent1"/>
+            </a:solidFill>
+            <a:ln>
+              <a:noFill/>
+            </a:ln>
+          </p:spPr>
+        </p:sp>
+        <p:sp>
+          <p:nvSpPr>
+            <p:cNvPr id="9" name="Freeform 7"/>
+            <p:cNvSpPr/>
+            <p:nvPr/>
+          </p:nvSpPr>
+          <p:spPr bwMode="auto">
+            <a:xfrm>
+              <a:off x="1320800" y="0"/>
+              <a:ext cx="1117600" cy="5276850"/>
+            </a:xfrm>
+            <a:custGeom>
+              <a:avLst/>
+              <a:gdLst/>
+              <a:ahLst/>
+              <a:cxnLst/>
+              <a:rect l="0" t="0" r="r" b="b"/>
+              <a:pathLst>
+                <a:path w="704" h="3324">
+                  <a:moveTo>
+                    <a:pt x="704" y="0"/>
+                  </a:moveTo>
+                  <a:lnTo>
+                    <a:pt x="545" y="0"/>
+                  </a:lnTo>
+                  <a:lnTo>
+                    <a:pt x="0" y="3300"/>
+                  </a:lnTo>
+                  <a:lnTo>
+                    <a:pt x="157" y="3324"/>
+                  </a:lnTo>
+                  <a:lnTo>
+                    <a:pt x="704" y="0"/>
+                  </a:lnTo>
+                  <a:close/>
+                </a:path>
+              </a:pathLst>
+            </a:custGeom>
+            <a:solidFill>
+              <a:schemeClr val="tx1">
+                <a:lumMod val="65000"/>
+                <a:lumOff val="35000"/>
+              </a:schemeClr>
+            </a:solidFill>
+            <a:ln>
+              <a:noFill/>
+            </a:ln>
+          </p:spPr>
+        </p:sp>
+        <p:sp>
+          <p:nvSpPr>
+            <p:cNvPr id="10" name="Freeform 8"/>
+            <p:cNvSpPr/>
+            <p:nvPr/>
+          </p:nvSpPr>
+          <p:spPr bwMode="auto">
+            <a:xfrm>
+              <a:off x="1320800" y="5238750"/>
+              <a:ext cx="1228725" cy="1619250"/>
+            </a:xfrm>
+            <a:custGeom>
+              <a:avLst/>
+              <a:gdLst/>
+              <a:ahLst/>
+              <a:cxnLst/>
+              <a:rect l="0" t="0" r="r" b="b"/>
+              <a:pathLst>
+                <a:path w="774" h="1020">
+                  <a:moveTo>
+                    <a:pt x="0" y="0"/>
+                  </a:moveTo>
+                  <a:lnTo>
+                    <a:pt x="740" y="1020"/>
+                  </a:lnTo>
+                  <a:lnTo>
+                    <a:pt x="774" y="1020"/>
+                  </a:lnTo>
+                  <a:lnTo>
+                    <a:pt x="0" y="0"/>
+                  </a:lnTo>
+                  <a:close/>
+                </a:path>
+              </a:pathLst>
+            </a:custGeom>
+            <a:solidFill>
+              <a:schemeClr val="tx1">
+                <a:lumMod val="85000"/>
+                <a:lumOff val="15000"/>
+              </a:schemeClr>
+            </a:solidFill>
+            <a:ln>
+              <a:noFill/>
+            </a:ln>
+          </p:spPr>
+        </p:sp>
+        <p:sp>
+          <p:nvSpPr>
+            <p:cNvPr id="11" name="Freeform 9"/>
+            <p:cNvSpPr/>
+            <p:nvPr/>
+          </p:nvSpPr>
+          <p:spPr bwMode="auto">
+            <a:xfrm>
+              <a:off x="1627188" y="5291138"/>
+              <a:ext cx="1495425" cy="1566863"/>
+            </a:xfrm>
+            <a:custGeom>
+              <a:avLst/>
+              <a:gdLst/>
+              <a:ahLst/>
+              <a:cxnLst/>
+              <a:rect l="0" t="0" r="r" b="b"/>
+              <a:pathLst>
+                <a:path w="942" h="987">
+                  <a:moveTo>
+                    <a:pt x="0" y="0"/>
+                  </a:moveTo>
+                  <a:lnTo>
+                    <a:pt x="909" y="987"/>
+                  </a:lnTo>
+                  <a:lnTo>
+                    <a:pt x="942" y="987"/>
+                  </a:lnTo>
+                  <a:lnTo>
+                    <a:pt x="0" y="0"/>
+                  </a:lnTo>
+                  <a:close/>
+                </a:path>
+              </a:pathLst>
+            </a:custGeom>
+            <a:solidFill>
+              <a:schemeClr val="accent1">
+                <a:lumMod val="50000"/>
+              </a:schemeClr>
+            </a:solidFill>
+            <a:ln>
+              <a:noFill/>
+            </a:ln>
+          </p:spPr>
+        </p:sp>
+        <p:sp>
+          <p:nvSpPr>
+            <p:cNvPr id="12" name="Freeform 10"/>
+            <p:cNvSpPr/>
+            <p:nvPr/>
+          </p:nvSpPr>
+          <p:spPr bwMode="auto">
+            <a:xfrm>
+              <a:off x="1627188" y="5286375"/>
+              <a:ext cx="2130425" cy="1571625"/>
+            </a:xfrm>
+            <a:custGeom>
+              <a:avLst/>
+              <a:gdLst/>
+              <a:ahLst/>
+              <a:cxnLst/>
+              <a:rect l="0" t="0" r="r" b="b"/>
+              <a:pathLst>
+                <a:path w="1342" h="990">
+                  <a:moveTo>
+                    <a:pt x="0" y="3"/>
+                  </a:moveTo>
+                  <a:lnTo>
+                    <a:pt x="942" y="990"/>
+                  </a:lnTo>
+                  <a:lnTo>
+                    <a:pt x="1342" y="990"/>
+                  </a:lnTo>
+                  <a:lnTo>
+                    <a:pt x="156" y="27"/>
+                  </a:lnTo>
+                  <a:lnTo>
+                    <a:pt x="0" y="0"/>
+                  </a:lnTo>
+                  <a:lnTo>
+                    <a:pt x="0" y="3"/>
+                  </a:lnTo>
+                  <a:close/>
+                </a:path>
+              </a:pathLst>
+            </a:custGeom>
+            <a:solidFill>
+              <a:schemeClr val="accent1">
+                <a:lumMod val="75000"/>
+              </a:schemeClr>
+            </a:solidFill>
+            <a:ln>
+              <a:noFill/>
+            </a:ln>
+          </p:spPr>
+        </p:sp>
+        <p:sp>
+          <p:nvSpPr>
+            <p:cNvPr id="13" name="Freeform 11"/>
+            <p:cNvSpPr/>
+            <p:nvPr/>
+          </p:nvSpPr>
+          <p:spPr bwMode="auto">
+            <a:xfrm>
+              <a:off x="1320800" y="5238750"/>
+              <a:ext cx="1695450" cy="1619250"/>
+            </a:xfrm>
+            <a:custGeom>
+              <a:avLst/>
+              <a:gdLst/>
+              <a:ahLst/>
+              <a:cxnLst/>
+              <a:rect l="0" t="0" r="r" b="b"/>
+              <a:pathLst>
+                <a:path w="1068" h="1020">
+                  <a:moveTo>
+                    <a:pt x="1068" y="1020"/>
+                  </a:moveTo>
+                  <a:lnTo>
+                    <a:pt x="184" y="60"/>
+                  </a:lnTo>
+                  <a:lnTo>
+                    <a:pt x="154" y="27"/>
+                  </a:lnTo>
+                  <a:lnTo>
+                    <a:pt x="157" y="27"/>
+                  </a:lnTo>
+                  <a:lnTo>
+                    <a:pt x="157" y="24"/>
+                  </a:lnTo>
+                  <a:lnTo>
+                    <a:pt x="154" y="24"/>
+                  </a:lnTo>
+                  <a:lnTo>
+                    <a:pt x="0" y="0"/>
+                  </a:lnTo>
+                  <a:lnTo>
+                    <a:pt x="0" y="0"/>
+                  </a:lnTo>
+                  <a:lnTo>
+                    <a:pt x="774" y="1020"/>
+                  </a:lnTo>
+                  <a:lnTo>
+                    <a:pt x="1068" y="1020"/>
+                  </a:lnTo>
+                  <a:close/>
+                </a:path>
+              </a:pathLst>
+            </a:custGeom>
+            <a:solidFill>
+              <a:schemeClr val="tx1">
+                <a:lumMod val="75000"/>
+                <a:lumOff val="25000"/>
+              </a:schemeClr>
+            </a:solidFill>
+            <a:ln>
+              <a:noFill/>
+            </a:ln>
+          </p:spPr>
+        </p:sp>
+      </p:grpSp>
+      <p:sp>
+        <p:nvSpPr>
+          <p:cNvPr id="2" name="Title Placeholder 1"/>
           <p:cNvSpPr>
             <a:spLocks noGrp="1"/>
           </p:cNvSpPr>
@@ -2445,8 +5491,42 @@
         </p:nvSpPr>
         <p:spPr>
           <a:xfrm>
-            <a:off x="838200" y="365125"/>
-            <a:ext cx="10515600" cy="1325563"/>
+            <a:off x="1484311" y="685800"/>
+            <a:ext cx="10018713" cy="1752599"/>
+          </a:xfrm>
+          <a:prstGeom prst="rect">
+            <a:avLst/>
+          </a:prstGeom>
+          <a:effectLst/>
+        </p:spPr>
+        <p:txBody>
+          <a:bodyPr vert="horz" lIns="91440" tIns="45720" rIns="91440" bIns="45720" rtlCol="0" anchor="ctr">
+            <a:normAutofit/>
+          </a:bodyPr>
+          <a:lstStyle/>
+          <a:p>
+            <a:r>
+              <a:rPr lang="ru-RU" smtClean="0"/>
+              <a:t>Образец заголовка</a:t>
+            </a:r>
+            <a:endParaRPr lang="en-US" dirty="0"/>
+          </a:p>
+        </p:txBody>
+      </p:sp>
+      <p:sp>
+        <p:nvSpPr>
+          <p:cNvPr id="3" name="Text Placeholder 2"/>
+          <p:cNvSpPr>
+            <a:spLocks noGrp="1"/>
+          </p:cNvSpPr>
+          <p:nvPr>
+            <p:ph type="body" idx="1"/>
+          </p:nvPr>
+        </p:nvSpPr>
+        <p:spPr>
+          <a:xfrm>
+            <a:off x="1484310" y="2666999"/>
+            <a:ext cx="10018713" cy="3124201"/>
           </a:xfrm>
           <a:prstGeom prst="rect">
             <a:avLst/>
@@ -2458,90 +5538,98 @@
           </a:bodyPr>
           <a:lstStyle/>
           <a:p>
-            <a:r>
-              <a:rPr lang="ru-RU" smtClean="0"/>
-              <a:t>Образец заголовка</a:t>
-            </a:r>
-            <a:endParaRPr lang="ru-RU"/>
-          </a:p>
-        </p:txBody>
-      </p:sp>
-      <p:sp>
-        <p:nvSpPr>
-          <p:cNvPr id="3" name="Текст 2"/>
-          <p:cNvSpPr>
-            <a:spLocks noGrp="1"/>
-          </p:cNvSpPr>
-          <p:nvPr>
-            <p:ph type="body" idx="1"/>
+            <a:pPr lvl="0"/>
+            <a:r>
+              <a:rPr lang="ru-RU" smtClean="0"/>
+              <a:t>Образец текста</a:t>
+            </a:r>
+          </a:p>
+          <a:p>
+            <a:pPr lvl="1"/>
+            <a:r>
+              <a:rPr lang="ru-RU" smtClean="0"/>
+              <a:t>Второй уровень</a:t>
+            </a:r>
+          </a:p>
+          <a:p>
+            <a:pPr lvl="2"/>
+            <a:r>
+              <a:rPr lang="ru-RU" smtClean="0"/>
+              <a:t>Третий уровень</a:t>
+            </a:r>
+          </a:p>
+          <a:p>
+            <a:pPr lvl="3"/>
+            <a:r>
+              <a:rPr lang="ru-RU" smtClean="0"/>
+              <a:t>Четвертый уровень</a:t>
+            </a:r>
+          </a:p>
+          <a:p>
+            <a:pPr lvl="4"/>
+            <a:r>
+              <a:rPr lang="ru-RU" smtClean="0"/>
+              <a:t>Пятый уровень</a:t>
+            </a:r>
+            <a:endParaRPr lang="en-US" dirty="0"/>
+          </a:p>
+        </p:txBody>
+      </p:sp>
+      <p:sp>
+        <p:nvSpPr>
+          <p:cNvPr id="4" name="Date Placeholder 3"/>
+          <p:cNvSpPr>
+            <a:spLocks noGrp="1"/>
+          </p:cNvSpPr>
+          <p:nvPr>
+            <p:ph type="dt" sz="half" idx="2"/>
           </p:nvPr>
         </p:nvSpPr>
         <p:spPr>
           <a:xfrm>
-            <a:off x="838200" y="1825625"/>
-            <a:ext cx="10515600" cy="4351338"/>
+            <a:off x="9732656" y="5883275"/>
+            <a:ext cx="1143000" cy="365125"/>
           </a:xfrm>
           <a:prstGeom prst="rect">
             <a:avLst/>
           </a:prstGeom>
         </p:spPr>
         <p:txBody>
-          <a:bodyPr vert="horz" lIns="91440" tIns="45720" rIns="91440" bIns="45720" rtlCol="0">
-            <a:normAutofit/>
-          </a:bodyPr>
-          <a:lstStyle/>
-          <a:p>
-            <a:pPr lvl="0"/>
-            <a:r>
-              <a:rPr lang="ru-RU" smtClean="0"/>
-              <a:t>Образец текста</a:t>
-            </a:r>
-          </a:p>
-          <a:p>
-            <a:pPr lvl="1"/>
-            <a:r>
-              <a:rPr lang="ru-RU" smtClean="0"/>
-              <a:t>Второй уровень</a:t>
-            </a:r>
-          </a:p>
-          <a:p>
-            <a:pPr lvl="2"/>
-            <a:r>
-              <a:rPr lang="ru-RU" smtClean="0"/>
-              <a:t>Третий уровень</a:t>
-            </a:r>
-          </a:p>
-          <a:p>
-            <a:pPr lvl="3"/>
-            <a:r>
-              <a:rPr lang="ru-RU" smtClean="0"/>
-              <a:t>Четвертый уровень</a:t>
-            </a:r>
-          </a:p>
-          <a:p>
-            <a:pPr lvl="4"/>
-            <a:r>
-              <a:rPr lang="ru-RU" smtClean="0"/>
-              <a:t>Пятый уровень</a:t>
-            </a:r>
+          <a:bodyPr vert="horz" lIns="91440" tIns="45720" rIns="91440" bIns="45720" rtlCol="0" anchor="ctr"/>
+          <a:lstStyle>
+            <a:lvl1pPr algn="r">
+              <a:defRPr sz="1000" b="0" i="0">
+                <a:solidFill>
+                  <a:schemeClr val="tx1"/>
+                </a:solidFill>
+                <a:effectLst/>
+                <a:latin typeface="+mn-lt"/>
+              </a:defRPr>
+            </a:lvl1pPr>
+          </a:lstStyle>
+          <a:p>
+            <a:fld id="{D0059A09-9488-4BFE-86D6-A7C64E7054B0}" type="datetimeFigureOut">
+              <a:rPr lang="ru-RU" smtClean="0"/>
+              <a:t>21.11.2020</a:t>
+            </a:fld>
             <a:endParaRPr lang="ru-RU"/>
           </a:p>
         </p:txBody>
       </p:sp>
       <p:sp>
         <p:nvSpPr>
-          <p:cNvPr id="4" name="Дата 3"/>
-          <p:cNvSpPr>
-            <a:spLocks noGrp="1"/>
-          </p:cNvSpPr>
-          <p:nvPr>
-            <p:ph type="dt" sz="half" idx="2"/>
+          <p:cNvPr id="5" name="Footer Placeholder 4"/>
+          <p:cNvSpPr>
+            <a:spLocks noGrp="1"/>
+          </p:cNvSpPr>
+          <p:nvPr>
+            <p:ph type="ftr" sz="quarter" idx="3"/>
           </p:nvPr>
         </p:nvSpPr>
         <p:spPr>
           <a:xfrm>
-            <a:off x="838200" y="6356350"/>
-            <a:ext cx="2743200" cy="365125"/>
+            <a:off x="2572279" y="5883275"/>
+            <a:ext cx="7084177" cy="365125"/>
           </a:xfrm>
           <a:prstGeom prst="rect">
             <a:avLst/>
@@ -2551,38 +5639,34 @@
           <a:bodyPr vert="horz" lIns="91440" tIns="45720" rIns="91440" bIns="45720" rtlCol="0" anchor="ctr"/>
           <a:lstStyle>
             <a:lvl1pPr algn="l">
-              <a:defRPr sz="1200">
-                <a:solidFill>
-                  <a:schemeClr val="tx1">
-                    <a:tint val="75000"/>
-                  </a:schemeClr>
-                </a:solidFill>
+              <a:defRPr sz="1000" b="0" i="0">
+                <a:solidFill>
+                  <a:schemeClr val="tx1"/>
+                </a:solidFill>
+                <a:effectLst/>
+                <a:latin typeface="+mn-lt"/>
               </a:defRPr>
             </a:lvl1pPr>
           </a:lstStyle>
           <a:p>
-            <a:fld id="{D0059A09-9488-4BFE-86D6-A7C64E7054B0}" type="datetimeFigureOut">
-              <a:rPr lang="ru-RU" smtClean="0"/>
-              <a:t>21.11.2020</a:t>
-            </a:fld>
             <a:endParaRPr lang="ru-RU"/>
           </a:p>
         </p:txBody>
       </p:sp>
       <p:sp>
         <p:nvSpPr>
-          <p:cNvPr id="5" name="Нижний колонтитул 4"/>
-          <p:cNvSpPr>
-            <a:spLocks noGrp="1"/>
-          </p:cNvSpPr>
-          <p:nvPr>
-            <p:ph type="ftr" sz="quarter" idx="3"/>
+          <p:cNvPr id="6" name="Slide Number Placeholder 5"/>
+          <p:cNvSpPr>
+            <a:spLocks noGrp="1"/>
+          </p:cNvSpPr>
+          <p:nvPr>
+            <p:ph type="sldNum" sz="quarter" idx="4"/>
           </p:nvPr>
         </p:nvSpPr>
         <p:spPr>
           <a:xfrm>
-            <a:off x="4038600" y="6356350"/>
-            <a:ext cx="4114800" cy="365125"/>
+            <a:off x="10951856" y="5883275"/>
+            <a:ext cx="551167" cy="365125"/>
           </a:xfrm>
           <a:prstGeom prst="rect">
             <a:avLst/>
@@ -2591,50 +5675,13 @@
         <p:txBody>
           <a:bodyPr vert="horz" lIns="91440" tIns="45720" rIns="91440" bIns="45720" rtlCol="0" anchor="ctr"/>
           <a:lstStyle>
-            <a:lvl1pPr algn="ctr">
-              <a:defRPr sz="1200">
-                <a:solidFill>
-                  <a:schemeClr val="tx1">
-                    <a:tint val="75000"/>
-                  </a:schemeClr>
-                </a:solidFill>
-              </a:defRPr>
-            </a:lvl1pPr>
-          </a:lstStyle>
-          <a:p>
-            <a:endParaRPr lang="ru-RU"/>
-          </a:p>
-        </p:txBody>
-      </p:sp>
-      <p:sp>
-        <p:nvSpPr>
-          <p:cNvPr id="6" name="Номер слайда 5"/>
-          <p:cNvSpPr>
-            <a:spLocks noGrp="1"/>
-          </p:cNvSpPr>
-          <p:nvPr>
-            <p:ph type="sldNum" sz="quarter" idx="4"/>
-          </p:nvPr>
-        </p:nvSpPr>
-        <p:spPr>
-          <a:xfrm>
-            <a:off x="8610600" y="6356350"/>
-            <a:ext cx="2743200" cy="365125"/>
-          </a:xfrm>
-          <a:prstGeom prst="rect">
-            <a:avLst/>
-          </a:prstGeom>
-        </p:spPr>
-        <p:txBody>
-          <a:bodyPr vert="horz" lIns="91440" tIns="45720" rIns="91440" bIns="45720" rtlCol="0" anchor="ctr"/>
-          <a:lstStyle>
             <a:lvl1pPr algn="r">
-              <a:defRPr sz="1200">
-                <a:solidFill>
-                  <a:schemeClr val="tx1">
-                    <a:tint val="75000"/>
-                  </a:schemeClr>
-                </a:solidFill>
+              <a:defRPr sz="1000" b="0" i="0">
+                <a:solidFill>
+                  <a:schemeClr val="tx1"/>
+                </a:solidFill>
+                <a:effectLst/>
+                <a:latin typeface="+mn-lt"/>
               </a:defRPr>
             </a:lvl1pPr>
           </a:lstStyle>
@@ -2650,55 +5697,340 @@
     </p:spTree>
     <p:extLst>
       <p:ext uri="{BB962C8B-B14F-4D97-AF65-F5344CB8AC3E}">
-        <p14:creationId xmlns:p14="http://schemas.microsoft.com/office/powerpoint/2010/main" val="61512181"/>
+        <p14:creationId xmlns:p14="http://schemas.microsoft.com/office/powerpoint/2010/main" val="4031104242"/>
       </p:ext>
     </p:extLst>
   </p:cSld>
   <p:clrMap bg1="lt1" tx1="dk1" bg2="lt2" tx2="dk2" accent1="accent1" accent2="accent2" accent3="accent3" accent4="accent4" accent5="accent5" accent6="accent6" hlink="hlink" folHlink="folHlink"/>
   <p:sldLayoutIdLst>
-    <p:sldLayoutId id="2147483649" r:id="rId1"/>
-    <p:sldLayoutId id="2147483650" r:id="rId2"/>
-    <p:sldLayoutId id="2147483651" r:id="rId3"/>
-    <p:sldLayoutId id="2147483652" r:id="rId4"/>
-    <p:sldLayoutId id="2147483653" r:id="rId5"/>
-    <p:sldLayoutId id="2147483654" r:id="rId6"/>
-    <p:sldLayoutId id="2147483655" r:id="rId7"/>
-    <p:sldLayoutId id="2147483656" r:id="rId8"/>
-    <p:sldLayoutId id="2147483657" r:id="rId9"/>
-    <p:sldLayoutId id="2147483658" r:id="rId10"/>
-    <p:sldLayoutId id="2147483659" r:id="rId11"/>
+    <p:sldLayoutId id="2147483703" r:id="rId1"/>
+    <p:sldLayoutId id="2147483704" r:id="rId2"/>
+    <p:sldLayoutId id="2147483705" r:id="rId3"/>
+    <p:sldLayoutId id="2147483706" r:id="rId4"/>
+    <p:sldLayoutId id="2147483707" r:id="rId5"/>
+    <p:sldLayoutId id="2147483708" r:id="rId6"/>
+    <p:sldLayoutId id="2147483709" r:id="rId7"/>
+    <p:sldLayoutId id="2147483710" r:id="rId8"/>
+    <p:sldLayoutId id="2147483711" r:id="rId9"/>
+    <p:sldLayoutId id="2147483712" r:id="rId10"/>
+    <p:sldLayoutId id="2147483713" r:id="rId11"/>
+    <p:sldLayoutId id="2147483714" r:id="rId12"/>
+    <p:sldLayoutId id="2147483715" r:id="rId13"/>
+    <p:sldLayoutId id="2147483716" r:id="rId14"/>
+    <p:sldLayoutId id="2147483717" r:id="rId15"/>
+    <p:sldLayoutId id="2147483718" r:id="rId16"/>
+    <p:sldLayoutId id="2147483719" r:id="rId17"/>
   </p:sldLayoutIdLst>
   <p:txStyles>
     <p:titleStyle>
-      <a:lvl1pPr algn="l" defTabSz="914400" rtl="0" eaLnBrk="1" latinLnBrk="0" hangingPunct="1">
-        <a:lnSpc>
-          <a:spcPct val="90000"/>
-        </a:lnSpc>
+      <a:lvl1pPr algn="ctr" defTabSz="457200" rtl="0" eaLnBrk="1" latinLnBrk="0" hangingPunct="1">
         <a:spcBef>
           <a:spcPct val="0"/>
         </a:spcBef>
         <a:buNone/>
-        <a:defRPr sz="4400" kern="1200">
+        <a:defRPr sz="4000" kern="1200" cap="none">
+          <a:ln w="3175" cmpd="sng">
+            <a:noFill/>
+          </a:ln>
           <a:solidFill>
             <a:schemeClr val="tx1"/>
           </a:solidFill>
+          <a:effectLst/>
           <a:latin typeface="+mj-lt"/>
           <a:ea typeface="+mj-ea"/>
           <a:cs typeface="+mj-cs"/>
         </a:defRPr>
       </a:lvl1pPr>
+      <a:lvl2pPr eaLnBrk="1" hangingPunct="1">
+        <a:defRPr>
+          <a:solidFill>
+            <a:schemeClr val="tx2"/>
+          </a:solidFill>
+        </a:defRPr>
+      </a:lvl2pPr>
+      <a:lvl3pPr eaLnBrk="1" hangingPunct="1">
+        <a:defRPr>
+          <a:solidFill>
+            <a:schemeClr val="tx2"/>
+          </a:solidFill>
+        </a:defRPr>
+      </a:lvl3pPr>
+      <a:lvl4pPr eaLnBrk="1" hangingPunct="1">
+        <a:defRPr>
+          <a:solidFill>
+            <a:schemeClr val="tx2"/>
+          </a:solidFill>
+        </a:defRPr>
+      </a:lvl4pPr>
+      <a:lvl5pPr eaLnBrk="1" hangingPunct="1">
+        <a:defRPr>
+          <a:solidFill>
+            <a:schemeClr val="tx2"/>
+          </a:solidFill>
+        </a:defRPr>
+      </a:lvl5pPr>
+      <a:lvl6pPr eaLnBrk="1" hangingPunct="1">
+        <a:defRPr>
+          <a:solidFill>
+            <a:schemeClr val="tx2"/>
+          </a:solidFill>
+        </a:defRPr>
+      </a:lvl6pPr>
+      <a:lvl7pPr eaLnBrk="1" hangingPunct="1">
+        <a:defRPr>
+          <a:solidFill>
+            <a:schemeClr val="tx2"/>
+          </a:solidFill>
+        </a:defRPr>
+      </a:lvl7pPr>
+      <a:lvl8pPr eaLnBrk="1" hangingPunct="1">
+        <a:defRPr>
+          <a:solidFill>
+            <a:schemeClr val="tx2"/>
+          </a:solidFill>
+        </a:defRPr>
+      </a:lvl8pPr>
+      <a:lvl9pPr eaLnBrk="1" hangingPunct="1">
+        <a:defRPr>
+          <a:solidFill>
+            <a:schemeClr val="tx2"/>
+          </a:solidFill>
+        </a:defRPr>
+      </a:lvl9pPr>
     </p:titleStyle>
     <p:bodyStyle>
-      <a:lvl1pPr marL="228600" indent="-228600" algn="l" defTabSz="914400" rtl="0" eaLnBrk="1" latinLnBrk="0" hangingPunct="1">
-        <a:lnSpc>
-          <a:spcPct val="90000"/>
-        </a:lnSpc>
+      <a:lvl1pPr marL="285750" indent="-285750" algn="l" defTabSz="457200" rtl="0" eaLnBrk="1" latinLnBrk="0" hangingPunct="1">
         <a:spcBef>
-          <a:spcPts val="1000"/>
+          <a:spcPct val="20000"/>
         </a:spcBef>
-        <a:buFont typeface="Arial" panose="020B0604020202020204" pitchFamily="34" charset="0"/>
+        <a:spcAft>
+          <a:spcPts val="600"/>
+        </a:spcAft>
+        <a:buClr>
+          <a:schemeClr val="accent1">
+            <a:lumMod val="75000"/>
+          </a:schemeClr>
+        </a:buClr>
+        <a:buSzPct val="145000"/>
+        <a:buFont typeface="Arial"/>
         <a:buChar char="•"/>
-        <a:defRPr sz="2800" kern="1200">
+        <a:defRPr sz="2400" kern="1200" cap="none">
+          <a:solidFill>
+            <a:schemeClr val="tx1"/>
+          </a:solidFill>
+          <a:effectLst/>
+          <a:latin typeface="+mn-lt"/>
+          <a:ea typeface="+mn-ea"/>
+          <a:cs typeface="+mn-cs"/>
+        </a:defRPr>
+      </a:lvl1pPr>
+      <a:lvl2pPr marL="742950" indent="-285750" algn="l" defTabSz="457200" rtl="0" eaLnBrk="1" latinLnBrk="0" hangingPunct="1">
+        <a:spcBef>
+          <a:spcPct val="20000"/>
+        </a:spcBef>
+        <a:spcAft>
+          <a:spcPts val="600"/>
+        </a:spcAft>
+        <a:buClr>
+          <a:schemeClr val="accent1">
+            <a:lumMod val="75000"/>
+          </a:schemeClr>
+        </a:buClr>
+        <a:buSzPct val="145000"/>
+        <a:buFont typeface="Arial"/>
+        <a:buChar char="•"/>
+        <a:defRPr sz="2000" kern="1200" cap="none">
+          <a:solidFill>
+            <a:schemeClr val="tx1"/>
+          </a:solidFill>
+          <a:effectLst/>
+          <a:latin typeface="+mn-lt"/>
+          <a:ea typeface="+mn-ea"/>
+          <a:cs typeface="+mn-cs"/>
+        </a:defRPr>
+      </a:lvl2pPr>
+      <a:lvl3pPr marL="1200150" indent="-285750" algn="l" defTabSz="457200" rtl="0" eaLnBrk="1" latinLnBrk="0" hangingPunct="1">
+        <a:spcBef>
+          <a:spcPct val="20000"/>
+        </a:spcBef>
+        <a:spcAft>
+          <a:spcPts val="600"/>
+        </a:spcAft>
+        <a:buClr>
+          <a:schemeClr val="accent1">
+            <a:lumMod val="75000"/>
+          </a:schemeClr>
+        </a:buClr>
+        <a:buSzPct val="145000"/>
+        <a:buFont typeface="Arial"/>
+        <a:buChar char="•"/>
+        <a:defRPr sz="1800" kern="1200" cap="none">
+          <a:solidFill>
+            <a:schemeClr val="tx1"/>
+          </a:solidFill>
+          <a:effectLst/>
+          <a:latin typeface="+mn-lt"/>
+          <a:ea typeface="+mn-ea"/>
+          <a:cs typeface="+mn-cs"/>
+        </a:defRPr>
+      </a:lvl3pPr>
+      <a:lvl4pPr marL="1543050" indent="-171450" algn="l" defTabSz="457200" rtl="0" eaLnBrk="1" latinLnBrk="0" hangingPunct="1">
+        <a:spcBef>
+          <a:spcPct val="20000"/>
+        </a:spcBef>
+        <a:spcAft>
+          <a:spcPts val="600"/>
+        </a:spcAft>
+        <a:buClr>
+          <a:schemeClr val="accent1">
+            <a:lumMod val="75000"/>
+          </a:schemeClr>
+        </a:buClr>
+        <a:buSzPct val="145000"/>
+        <a:buFont typeface="Arial"/>
+        <a:buChar char="•"/>
+        <a:defRPr sz="1600" kern="1200" cap="none">
+          <a:solidFill>
+            <a:schemeClr val="tx1"/>
+          </a:solidFill>
+          <a:effectLst/>
+          <a:latin typeface="+mn-lt"/>
+          <a:ea typeface="+mn-ea"/>
+          <a:cs typeface="+mn-cs"/>
+        </a:defRPr>
+      </a:lvl4pPr>
+      <a:lvl5pPr marL="2000250" indent="-171450" algn="l" defTabSz="457200" rtl="0" eaLnBrk="1" latinLnBrk="0" hangingPunct="1">
+        <a:spcBef>
+          <a:spcPct val="20000"/>
+        </a:spcBef>
+        <a:spcAft>
+          <a:spcPts val="600"/>
+        </a:spcAft>
+        <a:buClr>
+          <a:schemeClr val="accent1">
+            <a:lumMod val="75000"/>
+          </a:schemeClr>
+        </a:buClr>
+        <a:buSzPct val="145000"/>
+        <a:buFont typeface="Arial"/>
+        <a:buChar char="•"/>
+        <a:defRPr sz="1400" kern="1200" cap="none">
+          <a:solidFill>
+            <a:schemeClr val="tx1"/>
+          </a:solidFill>
+          <a:effectLst/>
+          <a:latin typeface="+mn-lt"/>
+          <a:ea typeface="+mn-ea"/>
+          <a:cs typeface="+mn-cs"/>
+        </a:defRPr>
+      </a:lvl5pPr>
+      <a:lvl6pPr marL="2514600" indent="-228600" algn="l" defTabSz="457200" rtl="0" eaLnBrk="1" latinLnBrk="0" hangingPunct="1">
+        <a:spcBef>
+          <a:spcPct val="20000"/>
+        </a:spcBef>
+        <a:spcAft>
+          <a:spcPts val="600"/>
+        </a:spcAft>
+        <a:buClr>
+          <a:schemeClr val="accent1">
+            <a:lumMod val="75000"/>
+          </a:schemeClr>
+        </a:buClr>
+        <a:buSzPct val="145000"/>
+        <a:buFont typeface="Arial"/>
+        <a:buChar char="•"/>
+        <a:defRPr sz="1400" kern="1200" cap="none">
+          <a:solidFill>
+            <a:schemeClr val="tx1"/>
+          </a:solidFill>
+          <a:effectLst/>
+          <a:latin typeface="+mn-lt"/>
+          <a:ea typeface="+mn-ea"/>
+          <a:cs typeface="+mn-cs"/>
+        </a:defRPr>
+      </a:lvl6pPr>
+      <a:lvl7pPr marL="2971800" indent="-228600" algn="l" defTabSz="457200" rtl="0" eaLnBrk="1" latinLnBrk="0" hangingPunct="1">
+        <a:spcBef>
+          <a:spcPct val="20000"/>
+        </a:spcBef>
+        <a:spcAft>
+          <a:spcPts val="600"/>
+        </a:spcAft>
+        <a:buClr>
+          <a:schemeClr val="accent1">
+            <a:lumMod val="75000"/>
+          </a:schemeClr>
+        </a:buClr>
+        <a:buSzPct val="145000"/>
+        <a:buFont typeface="Arial"/>
+        <a:buChar char="•"/>
+        <a:defRPr sz="1400" kern="1200" cap="none">
+          <a:solidFill>
+            <a:schemeClr val="tx1"/>
+          </a:solidFill>
+          <a:effectLst/>
+          <a:latin typeface="+mn-lt"/>
+          <a:ea typeface="+mn-ea"/>
+          <a:cs typeface="+mn-cs"/>
+        </a:defRPr>
+      </a:lvl7pPr>
+      <a:lvl8pPr marL="3429000" indent="-228600" algn="l" defTabSz="457200" rtl="0" eaLnBrk="1" latinLnBrk="0" hangingPunct="1">
+        <a:spcBef>
+          <a:spcPct val="20000"/>
+        </a:spcBef>
+        <a:spcAft>
+          <a:spcPts val="600"/>
+        </a:spcAft>
+        <a:buClr>
+          <a:schemeClr val="accent1">
+            <a:lumMod val="75000"/>
+          </a:schemeClr>
+        </a:buClr>
+        <a:buSzPct val="145000"/>
+        <a:buFont typeface="Arial"/>
+        <a:buChar char="•"/>
+        <a:defRPr sz="1400" kern="1200" cap="none">
+          <a:solidFill>
+            <a:schemeClr val="tx1"/>
+          </a:solidFill>
+          <a:effectLst/>
+          <a:latin typeface="+mn-lt"/>
+          <a:ea typeface="+mn-ea"/>
+          <a:cs typeface="+mn-cs"/>
+        </a:defRPr>
+      </a:lvl8pPr>
+      <a:lvl9pPr marL="3886200" indent="-228600" algn="l" defTabSz="457200" rtl="0" eaLnBrk="1" latinLnBrk="0" hangingPunct="1">
+        <a:spcBef>
+          <a:spcPct val="20000"/>
+        </a:spcBef>
+        <a:spcAft>
+          <a:spcPts val="600"/>
+        </a:spcAft>
+        <a:buClr>
+          <a:schemeClr val="accent1">
+            <a:lumMod val="75000"/>
+          </a:schemeClr>
+        </a:buClr>
+        <a:buSzPct val="145000"/>
+        <a:buFont typeface="Arial"/>
+        <a:buChar char="•"/>
+        <a:defRPr sz="1400" kern="1200" cap="none">
+          <a:solidFill>
+            <a:schemeClr val="tx1"/>
+          </a:solidFill>
+          <a:effectLst/>
+          <a:latin typeface="+mn-lt"/>
+          <a:ea typeface="+mn-ea"/>
+          <a:cs typeface="+mn-cs"/>
+        </a:defRPr>
+      </a:lvl9pPr>
+    </p:bodyStyle>
+    <p:otherStyle>
+      <a:defPPr>
+        <a:defRPr lang="en-US"/>
+      </a:defPPr>
+      <a:lvl1pPr marL="0" algn="l" defTabSz="457200" rtl="0" eaLnBrk="1" latinLnBrk="0" hangingPunct="1">
+        <a:defRPr sz="1800" kern="1200">
           <a:solidFill>
             <a:schemeClr val="tx1"/>
           </a:solidFill>
@@ -2707,16 +6039,8 @@
           <a:cs typeface="+mn-cs"/>
         </a:defRPr>
       </a:lvl1pPr>
-      <a:lvl2pPr marL="685800" indent="-228600" algn="l" defTabSz="914400" rtl="0" eaLnBrk="1" latinLnBrk="0" hangingPunct="1">
-        <a:lnSpc>
-          <a:spcPct val="90000"/>
-        </a:lnSpc>
-        <a:spcBef>
-          <a:spcPts val="500"/>
-        </a:spcBef>
-        <a:buFont typeface="Arial" panose="020B0604020202020204" pitchFamily="34" charset="0"/>
-        <a:buChar char="•"/>
-        <a:defRPr sz="2400" kern="1200">
+      <a:lvl2pPr marL="457200" algn="l" defTabSz="457200" rtl="0" eaLnBrk="1" latinLnBrk="0" hangingPunct="1">
+        <a:defRPr sz="1800" kern="1200">
           <a:solidFill>
             <a:schemeClr val="tx1"/>
           </a:solidFill>
@@ -2725,16 +6049,8 @@
           <a:cs typeface="+mn-cs"/>
         </a:defRPr>
       </a:lvl2pPr>
-      <a:lvl3pPr marL="1143000" indent="-228600" algn="l" defTabSz="914400" rtl="0" eaLnBrk="1" latinLnBrk="0" hangingPunct="1">
-        <a:lnSpc>
-          <a:spcPct val="90000"/>
-        </a:lnSpc>
-        <a:spcBef>
-          <a:spcPts val="500"/>
-        </a:spcBef>
-        <a:buFont typeface="Arial" panose="020B0604020202020204" pitchFamily="34" charset="0"/>
-        <a:buChar char="•"/>
-        <a:defRPr sz="2000" kern="1200">
+      <a:lvl3pPr marL="914400" algn="l" defTabSz="457200" rtl="0" eaLnBrk="1" latinLnBrk="0" hangingPunct="1">
+        <a:defRPr sz="1800" kern="1200">
           <a:solidFill>
             <a:schemeClr val="tx1"/>
           </a:solidFill>
@@ -2743,15 +6059,7 @@
           <a:cs typeface="+mn-cs"/>
         </a:defRPr>
       </a:lvl3pPr>
-      <a:lvl4pPr marL="1600200" indent="-228600" algn="l" defTabSz="914400" rtl="0" eaLnBrk="1" latinLnBrk="0" hangingPunct="1">
-        <a:lnSpc>
-          <a:spcPct val="90000"/>
-        </a:lnSpc>
-        <a:spcBef>
-          <a:spcPts val="500"/>
-        </a:spcBef>
-        <a:buFont typeface="Arial" panose="020B0604020202020204" pitchFamily="34" charset="0"/>
-        <a:buChar char="•"/>
+      <a:lvl4pPr marL="1371600" algn="l" defTabSz="457200" rtl="0" eaLnBrk="1" latinLnBrk="0" hangingPunct="1">
         <a:defRPr sz="1800" kern="1200">
           <a:solidFill>
             <a:schemeClr val="tx1"/>
@@ -2761,15 +6069,7 @@
           <a:cs typeface="+mn-cs"/>
         </a:defRPr>
       </a:lvl4pPr>
-      <a:lvl5pPr marL="2057400" indent="-228600" algn="l" defTabSz="914400" rtl="0" eaLnBrk="1" latinLnBrk="0" hangingPunct="1">
-        <a:lnSpc>
-          <a:spcPct val="90000"/>
-        </a:lnSpc>
-        <a:spcBef>
-          <a:spcPts val="500"/>
-        </a:spcBef>
-        <a:buFont typeface="Arial" panose="020B0604020202020204" pitchFamily="34" charset="0"/>
-        <a:buChar char="•"/>
+      <a:lvl5pPr marL="1828800" algn="l" defTabSz="457200" rtl="0" eaLnBrk="1" latinLnBrk="0" hangingPunct="1">
         <a:defRPr sz="1800" kern="1200">
           <a:solidFill>
             <a:schemeClr val="tx1"/>
@@ -2779,15 +6079,7 @@
           <a:cs typeface="+mn-cs"/>
         </a:defRPr>
       </a:lvl5pPr>
-      <a:lvl6pPr marL="2514600" indent="-228600" algn="l" defTabSz="914400" rtl="0" eaLnBrk="1" latinLnBrk="0" hangingPunct="1">
-        <a:lnSpc>
-          <a:spcPct val="90000"/>
-        </a:lnSpc>
-        <a:spcBef>
-          <a:spcPts val="500"/>
-        </a:spcBef>
-        <a:buFont typeface="Arial" panose="020B0604020202020204" pitchFamily="34" charset="0"/>
-        <a:buChar char="•"/>
+      <a:lvl6pPr marL="2286000" algn="l" defTabSz="457200" rtl="0" eaLnBrk="1" latinLnBrk="0" hangingPunct="1">
         <a:defRPr sz="1800" kern="1200">
           <a:solidFill>
             <a:schemeClr val="tx1"/>
@@ -2797,15 +6089,7 @@
           <a:cs typeface="+mn-cs"/>
         </a:defRPr>
       </a:lvl6pPr>
-      <a:lvl7pPr marL="2971800" indent="-228600" algn="l" defTabSz="914400" rtl="0" eaLnBrk="1" latinLnBrk="0" hangingPunct="1">
-        <a:lnSpc>
-          <a:spcPct val="90000"/>
-        </a:lnSpc>
-        <a:spcBef>
-          <a:spcPts val="500"/>
-        </a:spcBef>
-        <a:buFont typeface="Arial" panose="020B0604020202020204" pitchFamily="34" charset="0"/>
-        <a:buChar char="•"/>
+      <a:lvl7pPr marL="2743200" algn="l" defTabSz="457200" rtl="0" eaLnBrk="1" latinLnBrk="0" hangingPunct="1">
         <a:defRPr sz="1800" kern="1200">
           <a:solidFill>
             <a:schemeClr val="tx1"/>
@@ -2815,15 +6099,7 @@
           <a:cs typeface="+mn-cs"/>
         </a:defRPr>
       </a:lvl7pPr>
-      <a:lvl8pPr marL="3429000" indent="-228600" algn="l" defTabSz="914400" rtl="0" eaLnBrk="1" latinLnBrk="0" hangingPunct="1">
-        <a:lnSpc>
-          <a:spcPct val="90000"/>
-        </a:lnSpc>
-        <a:spcBef>
-          <a:spcPts val="500"/>
-        </a:spcBef>
-        <a:buFont typeface="Arial" panose="020B0604020202020204" pitchFamily="34" charset="0"/>
-        <a:buChar char="•"/>
+      <a:lvl8pPr marL="3200400" algn="l" defTabSz="457200" rtl="0" eaLnBrk="1" latinLnBrk="0" hangingPunct="1">
         <a:defRPr sz="1800" kern="1200">
           <a:solidFill>
             <a:schemeClr val="tx1"/>
@@ -2833,110 +6109,7 @@
           <a:cs typeface="+mn-cs"/>
         </a:defRPr>
       </a:lvl8pPr>
-      <a:lvl9pPr marL="3886200" indent="-228600" algn="l" defTabSz="914400" rtl="0" eaLnBrk="1" latinLnBrk="0" hangingPunct="1">
-        <a:lnSpc>
-          <a:spcPct val="90000"/>
-        </a:lnSpc>
-        <a:spcBef>
-          <a:spcPts val="500"/>
-        </a:spcBef>
-        <a:buFont typeface="Arial" panose="020B0604020202020204" pitchFamily="34" charset="0"/>
-        <a:buChar char="•"/>
-        <a:defRPr sz="1800" kern="1200">
-          <a:solidFill>
-            <a:schemeClr val="tx1"/>
-          </a:solidFill>
-          <a:latin typeface="+mn-lt"/>
-          <a:ea typeface="+mn-ea"/>
-          <a:cs typeface="+mn-cs"/>
-        </a:defRPr>
-      </a:lvl9pPr>
-    </p:bodyStyle>
-    <p:otherStyle>
-      <a:defPPr>
-        <a:defRPr lang="ru-RU"/>
-      </a:defPPr>
-      <a:lvl1pPr marL="0" algn="l" defTabSz="914400" rtl="0" eaLnBrk="1" latinLnBrk="0" hangingPunct="1">
-        <a:defRPr sz="1800" kern="1200">
-          <a:solidFill>
-            <a:schemeClr val="tx1"/>
-          </a:solidFill>
-          <a:latin typeface="+mn-lt"/>
-          <a:ea typeface="+mn-ea"/>
-          <a:cs typeface="+mn-cs"/>
-        </a:defRPr>
-      </a:lvl1pPr>
-      <a:lvl2pPr marL="457200" algn="l" defTabSz="914400" rtl="0" eaLnBrk="1" latinLnBrk="0" hangingPunct="1">
-        <a:defRPr sz="1800" kern="1200">
-          <a:solidFill>
-            <a:schemeClr val="tx1"/>
-          </a:solidFill>
-          <a:latin typeface="+mn-lt"/>
-          <a:ea typeface="+mn-ea"/>
-          <a:cs typeface="+mn-cs"/>
-        </a:defRPr>
-      </a:lvl2pPr>
-      <a:lvl3pPr marL="914400" algn="l" defTabSz="914400" rtl="0" eaLnBrk="1" latinLnBrk="0" hangingPunct="1">
-        <a:defRPr sz="1800" kern="1200">
-          <a:solidFill>
-            <a:schemeClr val="tx1"/>
-          </a:solidFill>
-          <a:latin typeface="+mn-lt"/>
-          <a:ea typeface="+mn-ea"/>
-          <a:cs typeface="+mn-cs"/>
-        </a:defRPr>
-      </a:lvl3pPr>
-      <a:lvl4pPr marL="1371600" algn="l" defTabSz="914400" rtl="0" eaLnBrk="1" latinLnBrk="0" hangingPunct="1">
-        <a:defRPr sz="1800" kern="1200">
-          <a:solidFill>
-            <a:schemeClr val="tx1"/>
-          </a:solidFill>
-          <a:latin typeface="+mn-lt"/>
-          <a:ea typeface="+mn-ea"/>
-          <a:cs typeface="+mn-cs"/>
-        </a:defRPr>
-      </a:lvl4pPr>
-      <a:lvl5pPr marL="1828800" algn="l" defTabSz="914400" rtl="0" eaLnBrk="1" latinLnBrk="0" hangingPunct="1">
-        <a:defRPr sz="1800" kern="1200">
-          <a:solidFill>
-            <a:schemeClr val="tx1"/>
-          </a:solidFill>
-          <a:latin typeface="+mn-lt"/>
-          <a:ea typeface="+mn-ea"/>
-          <a:cs typeface="+mn-cs"/>
-        </a:defRPr>
-      </a:lvl5pPr>
-      <a:lvl6pPr marL="2286000" algn="l" defTabSz="914400" rtl="0" eaLnBrk="1" latinLnBrk="0" hangingPunct="1">
-        <a:defRPr sz="1800" kern="1200">
-          <a:solidFill>
-            <a:schemeClr val="tx1"/>
-          </a:solidFill>
-          <a:latin typeface="+mn-lt"/>
-          <a:ea typeface="+mn-ea"/>
-          <a:cs typeface="+mn-cs"/>
-        </a:defRPr>
-      </a:lvl6pPr>
-      <a:lvl7pPr marL="2743200" algn="l" defTabSz="914400" rtl="0" eaLnBrk="1" latinLnBrk="0" hangingPunct="1">
-        <a:defRPr sz="1800" kern="1200">
-          <a:solidFill>
-            <a:schemeClr val="tx1"/>
-          </a:solidFill>
-          <a:latin typeface="+mn-lt"/>
-          <a:ea typeface="+mn-ea"/>
-          <a:cs typeface="+mn-cs"/>
-        </a:defRPr>
-      </a:lvl7pPr>
-      <a:lvl8pPr marL="3200400" algn="l" defTabSz="914400" rtl="0" eaLnBrk="1" latinLnBrk="0" hangingPunct="1">
-        <a:defRPr sz="1800" kern="1200">
-          <a:solidFill>
-            <a:schemeClr val="tx1"/>
-          </a:solidFill>
-          <a:latin typeface="+mn-lt"/>
-          <a:ea typeface="+mn-ea"/>
-          <a:cs typeface="+mn-cs"/>
-        </a:defRPr>
-      </a:lvl8pPr>
-      <a:lvl9pPr marL="3657600" algn="l" defTabSz="914400" rtl="0" eaLnBrk="1" latinLnBrk="0" hangingPunct="1">
+      <a:lvl9pPr marL="3657600" algn="l" defTabSz="457200" rtl="0" eaLnBrk="1" latinLnBrk="0" hangingPunct="1">
         <a:defRPr sz="1800" kern="1200">
           <a:solidFill>
             <a:schemeClr val="tx1"/>
@@ -3127,7 +6300,7 @@
         </p:blipFill>
         <p:spPr>
           <a:xfrm>
-            <a:off x="5294376" y="785622"/>
+            <a:off x="5577840" y="780586"/>
             <a:ext cx="6501842" cy="3550881"/>
           </a:xfrm>
           <a:prstGeom prst="rect">
@@ -3205,7 +6378,12 @@
             <p:ph type="title"/>
           </p:nvPr>
         </p:nvSpPr>
-        <p:spPr/>
+        <p:spPr>
+          <a:xfrm>
+            <a:off x="175132" y="81306"/>
+            <a:ext cx="5426158" cy="1371600"/>
+          </a:xfrm>
+        </p:spPr>
         <p:txBody>
           <a:bodyPr/>
           <a:lstStyle/>
@@ -3228,7 +6406,12 @@
             <p:ph type="body" sz="half" idx="2"/>
           </p:nvPr>
         </p:nvSpPr>
-        <p:spPr/>
+        <p:spPr>
+          <a:xfrm>
+            <a:off x="5911824" y="4000245"/>
+            <a:ext cx="5426158" cy="1828800"/>
+          </a:xfrm>
+        </p:spPr>
         <p:txBody>
           <a:bodyPr>
             <a:normAutofit/>
@@ -3279,8 +6462,8 @@
         </p:blipFill>
         <p:spPr>
           <a:xfrm>
-            <a:off x="4772025" y="158107"/>
-            <a:ext cx="7245615" cy="3624621"/>
+            <a:off x="5001768" y="158107"/>
+            <a:ext cx="7015872" cy="3624621"/>
           </a:xfrm>
           <a:prstGeom prst="rect">
             <a:avLst/>
@@ -3309,8 +6492,8 @@
         </p:blipFill>
         <p:spPr>
           <a:xfrm>
-            <a:off x="5123188" y="2939541"/>
-            <a:ext cx="5765224" cy="3772635"/>
+            <a:off x="175132" y="3067557"/>
+            <a:ext cx="4758393" cy="3113787"/>
           </a:xfrm>
           <a:prstGeom prst="rect">
             <a:avLst/>
@@ -3364,7 +6547,9 @@
           </a:xfrm>
         </p:spPr>
         <p:txBody>
-          <a:bodyPr/>
+          <a:bodyPr>
+            <a:normAutofit/>
+          </a:bodyPr>
           <a:lstStyle/>
           <a:p>
             <a:r>
@@ -3519,13 +6704,14 @@
               <a:t>«Успех не придет к вам. Это вам нужно пойти к нему» - </a:t>
             </a:r>
             <a:r>
-              <a:rPr lang="ru-RU" sz="3200" dirty="0" err="1"/>
-              <a:t>Марва</a:t>
-            </a:r>
-            <a:r>
-              <a:rPr lang="ru-RU" sz="3200" dirty="0"/>
-              <a:t> Коллинз</a:t>
-            </a:r>
+              <a:rPr lang="ru-RU" sz="3200" dirty="0" smtClean="0"/>
+              <a:t>мой Дед- Степанов </a:t>
+            </a:r>
+            <a:r>
+              <a:rPr lang="ru-RU" sz="3200" smtClean="0"/>
+              <a:t>Анатолий Викторович</a:t>
+            </a:r>
+            <a:endParaRPr lang="ru-RU" sz="3200" dirty="0"/>
           </a:p>
         </p:txBody>
       </p:sp>
@@ -3637,9 +6823,9 @@
 </file>
 
 <file path=ppt/theme/theme1.xml><?xml version="1.0" encoding="utf-8"?>
-<a:theme xmlns:a="http://schemas.openxmlformats.org/drawingml/2006/main" name="Тема Office">
+<a:theme xmlns:a="http://schemas.openxmlformats.org/drawingml/2006/main" name="Параллакс">
   <a:themeElements>
-    <a:clrScheme name="Стандартная">
+    <a:clrScheme name="Параллакс">
       <a:dk1>
         <a:sysClr val="windowText" lastClr="000000"/>
       </a:dk1>
@@ -3647,52 +6833,52 @@
         <a:sysClr val="window" lastClr="FFFFFF"/>
       </a:lt1>
       <a:dk2>
-        <a:srgbClr val="44546A"/>
+        <a:srgbClr val="212121"/>
       </a:dk2>
       <a:lt2>
-        <a:srgbClr val="E7E6E6"/>
+        <a:srgbClr val="CDD0D1"/>
       </a:lt2>
       <a:accent1>
-        <a:srgbClr val="5B9BD5"/>
+        <a:srgbClr val="30ACEC"/>
       </a:accent1>
       <a:accent2>
-        <a:srgbClr val="ED7D31"/>
+        <a:srgbClr val="80C34F"/>
       </a:accent2>
       <a:accent3>
-        <a:srgbClr val="A5A5A5"/>
+        <a:srgbClr val="E29D3E"/>
       </a:accent3>
       <a:accent4>
-        <a:srgbClr val="FFC000"/>
+        <a:srgbClr val="D64A3B"/>
       </a:accent4>
       <a:accent5>
-        <a:srgbClr val="4472C4"/>
+        <a:srgbClr val="D64787"/>
       </a:accent5>
       <a:accent6>
-        <a:srgbClr val="70AD47"/>
+        <a:srgbClr val="A666E1"/>
       </a:accent6>
       <a:hlink>
-        <a:srgbClr val="0563C1"/>
+        <a:srgbClr val="3085ED"/>
       </a:hlink>
       <a:folHlink>
-        <a:srgbClr val="954F72"/>
+        <a:srgbClr val="82B6F4"/>
       </a:folHlink>
     </a:clrScheme>
-    <a:fontScheme name="Стандартная">
+    <a:fontScheme name="Параллакс">
       <a:majorFont>
-        <a:latin typeface="Calibri Light" panose="020F0302020204030204"/>
+        <a:latin typeface="Corbel" panose="020B0503020204020204"/>
         <a:ea typeface=""/>
         <a:cs typeface=""/>
-        <a:font script="Jpan" typeface="ＭＳ Ｐゴシック"/>
-        <a:font script="Hang" typeface="맑은 고딕"/>
-        <a:font script="Hans" typeface="宋体"/>
+        <a:font script="Jpan" typeface="HGｺﾞｼｯｸM"/>
+        <a:font script="Hang" typeface="HY엽서L"/>
+        <a:font script="Hans" typeface="华文楷体"/>
         <a:font script="Hant" typeface="新細明體"/>
-        <a:font script="Arab" typeface="Times New Roman"/>
-        <a:font script="Hebr" typeface="Times New Roman"/>
-        <a:font script="Thai" typeface="Angsana New"/>
+        <a:font script="Arab" typeface="Tahoma"/>
+        <a:font script="Hebr" typeface="Miriam"/>
+        <a:font script="Thai" typeface="DilleniaUPC"/>
         <a:font script="Ethi" typeface="Nyala"/>
         <a:font script="Beng" typeface="Vrinda"/>
         <a:font script="Gujr" typeface="Shruti"/>
-        <a:font script="Khmr" typeface="MoolBoran"/>
+        <a:font script="Khmr" typeface="DaunPenh"/>
         <a:font script="Knda" typeface="Tunga"/>
         <a:font script="Guru" typeface="Raavi"/>
         <a:font script="Cans" typeface="Euphemia"/>
@@ -3709,21 +6895,21 @@
         <a:font script="Laoo" typeface="DokChampa"/>
         <a:font script="Sinh" typeface="Iskoola Pota"/>
         <a:font script="Mong" typeface="Mongolian Baiti"/>
-        <a:font script="Viet" typeface="Times New Roman"/>
+        <a:font script="Viet" typeface="Arial"/>
         <a:font script="Uigh" typeface="Microsoft Uighur"/>
         <a:font script="Geor" typeface="Sylfaen"/>
       </a:majorFont>
       <a:minorFont>
-        <a:latin typeface="Calibri" panose="020F0502020204030204"/>
+        <a:latin typeface="Corbel" panose="020B0503020204020204"/>
         <a:ea typeface=""/>
         <a:cs typeface=""/>
-        <a:font script="Jpan" typeface="ＭＳ Ｐゴシック"/>
-        <a:font script="Hang" typeface="맑은 고딕"/>
-        <a:font script="Hans" typeface="宋体"/>
+        <a:font script="Jpan" typeface="HGｺﾞｼｯｸM"/>
+        <a:font script="Hang" typeface="HY엽서L"/>
+        <a:font script="Hans" typeface="华文楷体"/>
         <a:font script="Hant" typeface="新細明體"/>
-        <a:font script="Arab" typeface="Arial"/>
-        <a:font script="Hebr" typeface="Arial"/>
-        <a:font script="Thai" typeface="Cordia New"/>
+        <a:font script="Arab" typeface="Tahoma"/>
+        <a:font script="Hebr" typeface="Miriam"/>
+        <a:font script="Thai" typeface="DilleniaUPC"/>
         <a:font script="Ethi" typeface="Nyala"/>
         <a:font script="Beng" typeface="Vrinda"/>
         <a:font script="Gujr" typeface="Shruti"/>
@@ -3749,7 +6935,7 @@
         <a:font script="Geor" typeface="Sylfaen"/>
       </a:minorFont>
     </a:fontScheme>
-    <a:fmtScheme name="Стандартная">
+    <a:fmtScheme name="Параллакс">
       <a:fillStyleLst>
         <a:solidFill>
           <a:schemeClr val="phClr"/>
@@ -3758,23 +6944,13 @@
           <a:gsLst>
             <a:gs pos="0">
               <a:schemeClr val="phClr">
-                <a:lumMod val="110000"/>
-                <a:satMod val="105000"/>
-                <a:tint val="67000"/>
-              </a:schemeClr>
-            </a:gs>
-            <a:gs pos="50000">
-              <a:schemeClr val="phClr">
-                <a:lumMod val="105000"/>
-                <a:satMod val="103000"/>
-                <a:tint val="73000"/>
+                <a:tint val="60000"/>
+                <a:lumMod val="104000"/>
               </a:schemeClr>
             </a:gs>
             <a:gs pos="100000">
               <a:schemeClr val="phClr">
-                <a:lumMod val="105000"/>
-                <a:satMod val="109000"/>
-                <a:tint val="81000"/>
+                <a:tint val="84000"/>
               </a:schemeClr>
             </a:gs>
           </a:gsLst>
@@ -3784,50 +6960,42 @@
           <a:gsLst>
             <a:gs pos="0">
               <a:schemeClr val="phClr">
-                <a:satMod val="103000"/>
+                <a:tint val="96000"/>
                 <a:lumMod val="102000"/>
-                <a:tint val="94000"/>
-              </a:schemeClr>
-            </a:gs>
-            <a:gs pos="50000">
-              <a:schemeClr val="phClr">
-                <a:satMod val="110000"/>
-                <a:lumMod val="100000"/>
-                <a:shade val="100000"/>
               </a:schemeClr>
             </a:gs>
             <a:gs pos="100000">
               <a:schemeClr val="phClr">
-                <a:lumMod val="99000"/>
-                <a:satMod val="120000"/>
-                <a:shade val="78000"/>
+                <a:shade val="88000"/>
+                <a:lumMod val="94000"/>
               </a:schemeClr>
             </a:gs>
           </a:gsLst>
-          <a:lin ang="5400000" scaled="0"/>
+          <a:path path="circle">
+            <a:fillToRect l="50000" t="100000" r="100000" b="50000"/>
+          </a:path>
         </a:gradFill>
       </a:fillStyleLst>
       <a:lnStyleLst>
-        <a:ln w="6350" cap="flat" cmpd="sng" algn="ctr">
+        <a:ln w="9525" cap="rnd" cmpd="sng" algn="ctr">
+          <a:solidFill>
+            <a:schemeClr val="phClr">
+              <a:tint val="60000"/>
+            </a:schemeClr>
+          </a:solidFill>
+          <a:prstDash val="solid"/>
+        </a:ln>
+        <a:ln w="15875" cap="rnd" cmpd="sng" algn="ctr">
           <a:solidFill>
             <a:schemeClr val="phClr"/>
           </a:solidFill>
           <a:prstDash val="solid"/>
-          <a:miter lim="800000"/>
         </a:ln>
-        <a:ln w="12700" cap="flat" cmpd="sng" algn="ctr">
+        <a:ln w="22225" cap="rnd" cmpd="sng" algn="ctr">
           <a:solidFill>
             <a:schemeClr val="phClr"/>
           </a:solidFill>
           <a:prstDash val="solid"/>
-          <a:miter lim="800000"/>
-        </a:ln>
-        <a:ln w="19050" cap="flat" cmpd="sng" algn="ctr">
-          <a:solidFill>
-            <a:schemeClr val="phClr"/>
-          </a:solidFill>
-          <a:prstDash val="solid"/>
-          <a:miter lim="800000"/>
         </a:ln>
       </a:lnStyleLst>
       <a:effectStyleLst>
@@ -3835,55 +7003,68 @@
           <a:effectLst/>
         </a:effectStyle>
         <a:effectStyle>
-          <a:effectLst/>
+          <a:effectLst>
+            <a:reflection blurRad="12700" stA="26000" endPos="32000" dist="12700" dir="5400000" sy="-100000" rotWithShape="0"/>
+          </a:effectLst>
         </a:effectStyle>
         <a:effectStyle>
           <a:effectLst>
-            <a:outerShdw blurRad="57150" dist="19050" dir="5400000" algn="ctr" rotWithShape="0">
+            <a:outerShdw blurRad="38100" dist="25400" dir="5400000" rotWithShape="0">
               <a:srgbClr val="000000">
-                <a:alpha val="63000"/>
+                <a:alpha val="64000"/>
               </a:srgbClr>
             </a:outerShdw>
           </a:effectLst>
+          <a:scene3d>
+            <a:camera prst="orthographicFront">
+              <a:rot lat="0" lon="0" rev="0"/>
+            </a:camera>
+            <a:lightRig rig="threePt" dir="tl">
+              <a:rot lat="0" lon="0" rev="1200000"/>
+            </a:lightRig>
+          </a:scene3d>
+          <a:sp3d>
+            <a:bevelT w="25400" h="12700"/>
+          </a:sp3d>
         </a:effectStyle>
       </a:effectStyleLst>
       <a:bgFillStyleLst>
         <a:solidFill>
           <a:schemeClr val="phClr"/>
         </a:solidFill>
-        <a:solidFill>
-          <a:schemeClr val="phClr">
-            <a:tint val="95000"/>
-            <a:satMod val="170000"/>
-          </a:schemeClr>
-        </a:solidFill>
         <a:gradFill rotWithShape="1">
           <a:gsLst>
             <a:gs pos="0">
               <a:schemeClr val="phClr">
-                <a:tint val="93000"/>
-                <a:satMod val="150000"/>
-                <a:shade val="98000"/>
-                <a:lumMod val="102000"/>
-              </a:schemeClr>
-            </a:gs>
-            <a:gs pos="50000">
-              <a:schemeClr val="phClr">
-                <a:tint val="98000"/>
-                <a:satMod val="130000"/>
-                <a:shade val="90000"/>
-                <a:lumMod val="103000"/>
+                <a:tint val="90000"/>
+                <a:lumMod val="110000"/>
               </a:schemeClr>
             </a:gs>
             <a:gs pos="100000">
               <a:schemeClr val="phClr">
-                <a:shade val="63000"/>
-                <a:satMod val="120000"/>
+                <a:shade val="64000"/>
+                <a:lumMod val="98000"/>
               </a:schemeClr>
             </a:gs>
           </a:gsLst>
           <a:lin ang="5400000" scaled="0"/>
         </a:gradFill>
+        <a:blipFill rotWithShape="1">
+          <a:blip xmlns:r="http://schemas.openxmlformats.org/officeDocument/2006/relationships" r:embed="rId1">
+            <a:duotone>
+              <a:schemeClr val="phClr">
+                <a:shade val="76000"/>
+                <a:satMod val="180000"/>
+              </a:schemeClr>
+              <a:schemeClr val="phClr">
+                <a:tint val="80000"/>
+                <a:satMod val="120000"/>
+                <a:lumMod val="180000"/>
+              </a:schemeClr>
+            </a:duotone>
+          </a:blip>
+          <a:stretch/>
+        </a:blipFill>
       </a:bgFillStyleLst>
     </a:fmtScheme>
   </a:themeElements>
@@ -3891,7 +7072,7 @@
   <a:extraClrSchemeLst/>
   <a:extLst>
     <a:ext uri="{05A4C25C-085E-4340-85A3-A5531E510DB2}">
-      <thm15:themeFamily xmlns:thm15="http://schemas.microsoft.com/office/thememl/2012/main" name="Office Theme" id="{62F939B6-93AF-4DB8-9C6B-D6C7DFDC589F}" vid="{4A3C46E8-61CC-4603-A589-7422A47A8E4A}"/>
+      <thm15:themeFamily xmlns:thm15="http://schemas.microsoft.com/office/thememl/2012/main" name="Parallax" id="{3388167B-A2EB-4685-9635-1831D9AEF8C4}" vid="{4F7A876A-7598-49CA-AFC8-8EDA2551E4A7}"/>
     </a:ext>
   </a:extLst>
 </a:theme>
